--- a/meterials/slides/ch12-revise-and-think.pptx
+++ b/meterials/slides/ch12-revise-and-think.pptx
@@ -9,10 +9,10 @@
     <p:sldMasterId id="2147483691" r:id="rId5"/>
   </p:sldMasterIdLst>
   <p:notesMasterIdLst>
-    <p:notesMasterId r:id="rId23"/>
+    <p:notesMasterId r:id="rId20"/>
   </p:notesMasterIdLst>
   <p:handoutMasterIdLst>
-    <p:handoutMasterId r:id="rId24"/>
+    <p:handoutMasterId r:id="rId21"/>
   </p:handoutMasterIdLst>
   <p:sldIdLst>
     <p:sldId id="257" r:id="rId6"/>
@@ -21,22 +21,19 @@
     <p:sldId id="466" r:id="rId9"/>
     <p:sldId id="481" r:id="rId10"/>
     <p:sldId id="482" r:id="rId11"/>
-    <p:sldId id="488" r:id="rId12"/>
-    <p:sldId id="460" r:id="rId13"/>
-    <p:sldId id="456" r:id="rId14"/>
-    <p:sldId id="480" r:id="rId15"/>
-    <p:sldId id="440" r:id="rId16"/>
-    <p:sldId id="489" r:id="rId17"/>
-    <p:sldId id="452" r:id="rId18"/>
-    <p:sldId id="487" r:id="rId19"/>
-    <p:sldId id="435" r:id="rId20"/>
-    <p:sldId id="486" r:id="rId21"/>
-    <p:sldId id="311" r:id="rId22"/>
+    <p:sldId id="460" r:id="rId12"/>
+    <p:sldId id="456" r:id="rId13"/>
+    <p:sldId id="480" r:id="rId14"/>
+    <p:sldId id="440" r:id="rId15"/>
+    <p:sldId id="452" r:id="rId16"/>
+    <p:sldId id="486" r:id="rId17"/>
+    <p:sldId id="487" r:id="rId18"/>
+    <p:sldId id="311" r:id="rId19"/>
   </p:sldIdLst>
   <p:sldSz cx="12192000" cy="6858000"/>
   <p:notesSz cx="6858000" cy="9144000"/>
   <p:custDataLst>
-    <p:tags r:id="rId25"/>
+    <p:tags r:id="rId22"/>
   </p:custDataLst>
   <p:defaultTextStyle>
     <a:defPPr>
@@ -267,7 +264,7 @@
           <a:p>
             <a:fld id="{2B71C804-97F5-4B36-A7AC-EEEC7F44F6C2}" type="datetimeFigureOut">
               <a:rPr lang="zh-CN" altLang="en-US" smtClean="0"/>
-              <a:t>2017/9/6</a:t>
+              <a:t>2017/9/7</a:t>
             </a:fld>
             <a:endParaRPr lang="zh-CN" altLang="en-US"/>
           </a:p>
@@ -433,7 +430,7 @@
           <a:p>
             <a:fld id="{0568D9C6-D8DC-4CC3-8480-E0C4DBA1CC07}" type="datetimeFigureOut">
               <a:rPr lang="zh-CN" altLang="en-US" smtClean="0"/>
-              <a:t>2017/9/6</a:t>
+              <a:t>2017/9/7</a:t>
             </a:fld>
             <a:endParaRPr lang="zh-CN" altLang="en-US"/>
           </a:p>
@@ -944,7 +941,7 @@
                 <a:ea typeface="宋体" charset="-122"/>
               </a:rPr>
               <a:pPr algn="r" eaLnBrk="1" hangingPunct="1"/>
-              <a:t>17</a:t>
+              <a:t>14</a:t>
             </a:fld>
             <a:endParaRPr lang="zh-CN" altLang="en-US" sz="1200">
               <a:latin typeface="Calibri" pitchFamily="34" charset="0"/>
@@ -1046,7 +1043,7 @@
           <a:p>
             <a:fld id="{DB9D664F-4C68-42D2-B189-678958EFAFDA}" type="datetime1">
               <a:rPr lang="zh-CN" altLang="en-US" smtClean="0"/>
-              <a:t>2017/9/6</a:t>
+              <a:t>2017/9/7</a:t>
             </a:fld>
             <a:endParaRPr lang="zh-CN" altLang="en-US"/>
           </a:p>
@@ -2028,7 +2025,7 @@
           <a:p>
             <a:fld id="{ED5513C8-E3A4-4D78-B249-887659A958FF}" type="datetime1">
               <a:rPr lang="en-US" altLang="zh-CN" smtClean="0"/>
-              <a:t>9/6/2017</a:t>
+              <a:t>9/7/2017</a:t>
             </a:fld>
             <a:endParaRPr lang="en-US"/>
           </a:p>
@@ -2206,7 +2203,7 @@
           <a:p>
             <a:fld id="{EBEDA52C-3EEE-4289-818C-901C0A7814FE}" type="datetime1">
               <a:rPr lang="en-US" altLang="zh-CN" smtClean="0"/>
-              <a:t>9/6/2017</a:t>
+              <a:t>9/7/2017</a:t>
             </a:fld>
             <a:endParaRPr lang="en-US"/>
           </a:p>
@@ -2460,7 +2457,7 @@
           <a:p>
             <a:fld id="{09EF5D7F-EA15-485C-85DD-8FDC010A62D4}" type="datetime1">
               <a:rPr lang="en-US" altLang="zh-CN" smtClean="0"/>
-              <a:t>9/6/2017</a:t>
+              <a:t>9/7/2017</a:t>
             </a:fld>
             <a:endParaRPr lang="en-US"/>
           </a:p>
@@ -2700,7 +2697,7 @@
           <a:p>
             <a:fld id="{9541C2B2-0BAB-4CD4-83EE-25F1A7138896}" type="datetime1">
               <a:rPr lang="en-US" altLang="zh-CN" smtClean="0"/>
-              <a:t>9/6/2017</a:t>
+              <a:t>9/7/2017</a:t>
             </a:fld>
             <a:endParaRPr lang="en-US"/>
           </a:p>
@@ -3075,7 +3072,7 @@
           <a:p>
             <a:fld id="{7DEA23E7-D0FC-41DC-8745-BE6FC447B182}" type="datetime1">
               <a:rPr lang="en-US" altLang="zh-CN" smtClean="0"/>
-              <a:t>9/6/2017</a:t>
+              <a:t>9/7/2017</a:t>
             </a:fld>
             <a:endParaRPr lang="en-US"/>
           </a:p>
@@ -3860,7 +3857,7 @@
           <a:p>
             <a:fld id="{5DEA8378-5F33-490B-8120-8DE6B7EE2781}" type="datetime1">
               <a:rPr lang="en-US" altLang="zh-CN" smtClean="0"/>
-              <a:t>9/6/2017</a:t>
+              <a:t>9/7/2017</a:t>
             </a:fld>
             <a:endParaRPr lang="en-US"/>
           </a:p>
@@ -4114,7 +4111,7 @@
           <a:p>
             <a:fld id="{38DD30CF-78A7-4C73-91B4-38D3E3317745}" type="datetime1">
               <a:rPr lang="en-US" altLang="zh-CN" smtClean="0"/>
-              <a:t>9/6/2017</a:t>
+              <a:t>9/7/2017</a:t>
             </a:fld>
             <a:endParaRPr lang="en-US"/>
           </a:p>
@@ -4217,7 +4214,7 @@
           <a:p>
             <a:fld id="{A1BE0A72-8501-4974-A7B7-5BD248ABBAFC}" type="datetime1">
               <a:rPr lang="zh-CN" altLang="en-US" smtClean="0"/>
-              <a:t>2017/9/6</a:t>
+              <a:t>2017/9/7</a:t>
             </a:fld>
             <a:endParaRPr lang="zh-CN" altLang="en-US"/>
           </a:p>
@@ -4478,7 +4475,7 @@
           <a:p>
             <a:fld id="{0B7E01DD-16D0-4DBA-9C1A-51468BA0B73A}" type="datetime1">
               <a:rPr lang="en-US" altLang="zh-CN" smtClean="0"/>
-              <a:t>9/6/2017</a:t>
+              <a:t>9/7/2017</a:t>
             </a:fld>
             <a:endParaRPr lang="en-US"/>
           </a:p>
@@ -4656,7 +4653,7 @@
           <a:p>
             <a:fld id="{B587E63F-0E62-4A50-901F-E071D77F7634}" type="datetime1">
               <a:rPr lang="en-US" altLang="zh-CN" smtClean="0"/>
-              <a:t>9/6/2017</a:t>
+              <a:t>9/7/2017</a:t>
             </a:fld>
             <a:endParaRPr lang="en-US"/>
           </a:p>
@@ -4844,7 +4841,7 @@
           <a:p>
             <a:fld id="{BD8521E8-9297-400B-AD8C-0A4D05699D33}" type="datetime1">
               <a:rPr lang="en-US" altLang="zh-CN" smtClean="0"/>
-              <a:t>9/6/2017</a:t>
+              <a:t>9/7/2017</a:t>
             </a:fld>
             <a:endParaRPr lang="en-US"/>
           </a:p>
@@ -5075,7 +5072,7 @@
           <a:p>
             <a:fld id="{ED5513C8-E3A4-4D78-B249-887659A958FF}" type="datetime1">
               <a:rPr lang="en-US" altLang="zh-CN" smtClean="0"/>
-              <a:t>9/6/2017</a:t>
+              <a:t>9/7/2017</a:t>
             </a:fld>
             <a:endParaRPr lang="en-US"/>
           </a:p>
@@ -5253,7 +5250,7 @@
           <a:p>
             <a:fld id="{EBEDA52C-3EEE-4289-818C-901C0A7814FE}" type="datetime1">
               <a:rPr lang="en-US" altLang="zh-CN" smtClean="0"/>
-              <a:t>9/6/2017</a:t>
+              <a:t>9/7/2017</a:t>
             </a:fld>
             <a:endParaRPr lang="en-US"/>
           </a:p>
@@ -5507,7 +5504,7 @@
           <a:p>
             <a:fld id="{09EF5D7F-EA15-485C-85DD-8FDC010A62D4}" type="datetime1">
               <a:rPr lang="en-US" altLang="zh-CN" smtClean="0"/>
-              <a:t>9/6/2017</a:t>
+              <a:t>9/7/2017</a:t>
             </a:fld>
             <a:endParaRPr lang="en-US"/>
           </a:p>
@@ -5747,7 +5744,7 @@
           <a:p>
             <a:fld id="{9541C2B2-0BAB-4CD4-83EE-25F1A7138896}" type="datetime1">
               <a:rPr lang="en-US" altLang="zh-CN" smtClean="0"/>
-              <a:t>9/6/2017</a:t>
+              <a:t>9/7/2017</a:t>
             </a:fld>
             <a:endParaRPr lang="en-US"/>
           </a:p>
@@ -6122,7 +6119,7 @@
           <a:p>
             <a:fld id="{7DEA23E7-D0FC-41DC-8745-BE6FC447B182}" type="datetime1">
               <a:rPr lang="en-US" altLang="zh-CN" smtClean="0"/>
-              <a:t>9/6/2017</a:t>
+              <a:t>9/7/2017</a:t>
             </a:fld>
             <a:endParaRPr lang="en-US"/>
           </a:p>
@@ -6907,7 +6904,7 @@
           <a:p>
             <a:fld id="{A1BE0A72-8501-4974-A7B7-5BD248ABBAFC}" type="datetime1">
               <a:rPr lang="zh-CN" altLang="en-US" smtClean="0"/>
-              <a:t>2017/9/6</a:t>
+              <a:t>2017/9/7</a:t>
             </a:fld>
             <a:endParaRPr lang="zh-CN" altLang="en-US"/>
           </a:p>
@@ -6960,7 +6957,7 @@
           <a:p>
             <a:fld id="{5DEA8378-5F33-490B-8120-8DE6B7EE2781}" type="datetime1">
               <a:rPr lang="en-US" altLang="zh-CN" smtClean="0"/>
-              <a:t>9/6/2017</a:t>
+              <a:t>9/7/2017</a:t>
             </a:fld>
             <a:endParaRPr lang="en-US"/>
           </a:p>
@@ -7214,7 +7211,7 @@
           <a:p>
             <a:fld id="{38DD30CF-78A7-4C73-91B4-38D3E3317745}" type="datetime1">
               <a:rPr lang="en-US" altLang="zh-CN" smtClean="0"/>
-              <a:t>9/6/2017</a:t>
+              <a:t>9/7/2017</a:t>
             </a:fld>
             <a:endParaRPr lang="en-US"/>
           </a:p>
@@ -7479,7 +7476,7 @@
           <a:p>
             <a:fld id="{0B7E01DD-16D0-4DBA-9C1A-51468BA0B73A}" type="datetime1">
               <a:rPr lang="en-US" altLang="zh-CN" smtClean="0"/>
-              <a:t>9/6/2017</a:t>
+              <a:t>9/7/2017</a:t>
             </a:fld>
             <a:endParaRPr lang="en-US"/>
           </a:p>
@@ -7657,7 +7654,7 @@
           <a:p>
             <a:fld id="{B587E63F-0E62-4A50-901F-E071D77F7634}" type="datetime1">
               <a:rPr lang="en-US" altLang="zh-CN" smtClean="0"/>
-              <a:t>9/6/2017</a:t>
+              <a:t>9/7/2017</a:t>
             </a:fld>
             <a:endParaRPr lang="en-US"/>
           </a:p>
@@ -7845,7 +7842,7 @@
           <a:p>
             <a:fld id="{BD8521E8-9297-400B-AD8C-0A4D05699D33}" type="datetime1">
               <a:rPr lang="en-US" altLang="zh-CN" smtClean="0"/>
-              <a:t>9/6/2017</a:t>
+              <a:t>9/7/2017</a:t>
             </a:fld>
             <a:endParaRPr lang="en-US"/>
           </a:p>
@@ -7948,7 +7945,7 @@
           <a:p>
             <a:fld id="{EF452D9C-F9EB-4417-9C3A-C876C2AF9415}" type="datetime1">
               <a:rPr lang="zh-CN" altLang="en-US" smtClean="0"/>
-              <a:t>2017/9/6</a:t>
+              <a:t>2017/9/7</a:t>
             </a:fld>
             <a:endParaRPr lang="zh-CN" altLang="en-US"/>
           </a:p>
@@ -8134,7 +8131,7 @@
           <a:p>
             <a:fld id="{2F2E9289-9B4C-49AE-BDDA-70D6EDC89D17}" type="datetime1">
               <a:rPr lang="zh-CN" altLang="en-US" smtClean="0"/>
-              <a:t>2017/9/6</a:t>
+              <a:t>2017/9/7</a:t>
             </a:fld>
             <a:endParaRPr lang="zh-CN" altLang="en-US"/>
           </a:p>
@@ -8304,7 +8301,7 @@
           <a:p>
             <a:fld id="{2F2E9289-9B4C-49AE-BDDA-70D6EDC89D17}" type="datetime1">
               <a:rPr lang="zh-CN" altLang="en-US" smtClean="0"/>
-              <a:t>2017/9/6</a:t>
+              <a:t>2017/9/7</a:t>
             </a:fld>
             <a:endParaRPr lang="zh-CN" altLang="en-US"/>
           </a:p>
@@ -8540,7 +8537,7 @@
           <a:p>
             <a:fld id="{8C5BA751-A251-47D6-8494-C134D9EBED5F}" type="datetime1">
               <a:rPr lang="zh-CN" altLang="en-US" smtClean="0"/>
-              <a:t>2017/9/6</a:t>
+              <a:t>2017/9/7</a:t>
             </a:fld>
             <a:endParaRPr lang="zh-CN" altLang="en-US"/>
           </a:p>
@@ -8896,7 +8893,7 @@
           <a:p>
             <a:fld id="{C46E2078-F302-4651-A2A2-2FC6C4E1A3F1}" type="datetime1">
               <a:rPr lang="zh-CN" altLang="en-US" smtClean="0"/>
-              <a:t>2017/9/6</a:t>
+              <a:t>2017/9/7</a:t>
             </a:fld>
             <a:endParaRPr lang="zh-CN" altLang="en-US"/>
           </a:p>
@@ -9018,7 +9015,7 @@
               <a:pPr>
                 <a:defRPr/>
               </a:pPr>
-              <a:t>2017/9/6</a:t>
+              <a:t>2017/9/7</a:t>
             </a:fld>
             <a:endParaRPr lang="zh-CN" altLang="en-US"/>
           </a:p>
@@ -9166,7 +9163,7 @@
           <a:p>
             <a:fld id="{A1BE0A72-8501-4974-A7B7-5BD248ABBAFC}" type="datetime1">
               <a:rPr lang="zh-CN" altLang="en-US" smtClean="0"/>
-              <a:t>2017/9/6</a:t>
+              <a:t>2017/9/7</a:t>
             </a:fld>
             <a:endParaRPr lang="zh-CN" altLang="en-US"/>
           </a:p>
@@ -9680,7 +9677,7 @@
           <a:p>
             <a:fld id="{A1BE0A72-8501-4974-A7B7-5BD248ABBAFC}" type="datetime1">
               <a:rPr lang="zh-CN" altLang="en-US" smtClean="0"/>
-              <a:t>2017/9/6</a:t>
+              <a:t>2017/9/7</a:t>
             </a:fld>
             <a:endParaRPr lang="zh-CN" altLang="en-US"/>
           </a:p>
@@ -10286,7 +10283,7 @@
           <a:p>
             <a:fld id="{7A78726F-0AD2-4A20-BC72-263D2D3F3A2F}" type="datetime1">
               <a:rPr lang="en-US" altLang="zh-CN" smtClean="0"/>
-              <a:t>9/6/2017</a:t>
+              <a:t>9/7/2017</a:t>
             </a:fld>
             <a:endParaRPr lang="en-US"/>
           </a:p>
@@ -11267,7 +11264,7 @@
           <a:p>
             <a:fld id="{A1BE0A72-8501-4974-A7B7-5BD248ABBAFC}" type="datetime1">
               <a:rPr lang="zh-CN" altLang="en-US" smtClean="0"/>
-              <a:t>2017/9/6</a:t>
+              <a:t>2017/9/7</a:t>
             </a:fld>
             <a:endParaRPr lang="zh-CN" altLang="en-US"/>
           </a:p>
@@ -11873,7 +11870,7 @@
           <a:p>
             <a:fld id="{7A78726F-0AD2-4A20-BC72-263D2D3F3A2F}" type="datetime1">
               <a:rPr lang="en-US" altLang="zh-CN" smtClean="0"/>
-              <a:t>9/6/2017</a:t>
+              <a:t>9/7/2017</a:t>
             </a:fld>
             <a:endParaRPr lang="en-US"/>
           </a:p>
@@ -12837,14 +12834,19 @@
             <p:ph sz="quarter" idx="13"/>
           </p:nvPr>
         </p:nvSpPr>
-        <p:spPr/>
+        <p:spPr>
+          <a:xfrm>
+            <a:off x="1054099" y="543636"/>
+            <a:ext cx="7032626" cy="685800"/>
+          </a:xfrm>
+        </p:spPr>
         <p:txBody>
           <a:bodyPr/>
           <a:lstStyle/>
           <a:p>
             <a:r>
               <a:rPr lang="en-US" altLang="zh-CN" b="0" dirty="0"/>
-              <a:t>CURL</a:t>
+              <a:t>JS-SDK</a:t>
             </a:r>
             <a:r>
               <a:rPr lang="zh-CN" altLang="en-US" b="0" dirty="0"/>
@@ -12858,7 +12860,7 @@
           <p:cNvPr id="3" name="文本框 2">
             <a:extLst>
               <a:ext uri="{FF2B5EF4-FFF2-40B4-BE49-F238E27FC236}">
-                <a16:creationId xmlns:a16="http://schemas.microsoft.com/office/drawing/2014/main" id="{0C31CB6B-CC81-4C1B-9B8F-E22CECAB985E}"/>
+                <a16:creationId xmlns:a16="http://schemas.microsoft.com/office/drawing/2014/main" id="{AFF59FF6-EC7D-483C-A6DB-530218550776}"/>
               </a:ext>
             </a:extLst>
           </p:cNvPr>
@@ -12867,8 +12869,8 @@
         </p:nvSpPr>
         <p:spPr>
           <a:xfrm>
-            <a:off x="1140542" y="1838632"/>
-            <a:ext cx="10382864" cy="3831818"/>
+            <a:off x="1170039" y="1750142"/>
+            <a:ext cx="8495071" cy="2585323"/>
           </a:xfrm>
           <a:prstGeom prst="rect">
             <a:avLst/>
@@ -12893,49 +12895,35 @@
                 <a:latin typeface="Consolas" panose="020B0609020204030204" pitchFamily="49" charset="0"/>
                 <a:ea typeface="微软雅黑" panose="020B0503020204020204" pitchFamily="34" charset="-122"/>
               </a:rPr>
-              <a:t>发起请求，注意选项，对于</a:t>
+              <a:t>配置安全域名不支持</a:t>
             </a:r>
             <a:r>
               <a:rPr lang="en-US" altLang="zh-CN" dirty="0">
                 <a:latin typeface="Consolas" panose="020B0609020204030204" pitchFamily="49" charset="0"/>
                 <a:ea typeface="微软雅黑" panose="020B0503020204020204" pitchFamily="34" charset="-122"/>
               </a:rPr>
-              <a:t>https</a:t>
+              <a:t>IP</a:t>
             </a:r>
             <a:r>
               <a:rPr lang="zh-CN" altLang="en-US" dirty="0">
                 <a:latin typeface="Consolas" panose="020B0609020204030204" pitchFamily="49" charset="0"/>
                 <a:ea typeface="微软雅黑" panose="020B0503020204020204" pitchFamily="34" charset="-122"/>
               </a:rPr>
-              <a:t>连接要使用</a:t>
+              <a:t>地址，端口号以及短链域名，并且填写的域名须通过</a:t>
             </a:r>
             <a:r>
               <a:rPr lang="en-US" altLang="zh-CN" dirty="0">
                 <a:latin typeface="Consolas" panose="020B0609020204030204" pitchFamily="49" charset="0"/>
                 <a:ea typeface="微软雅黑" panose="020B0503020204020204" pitchFamily="34" charset="-122"/>
               </a:rPr>
-              <a:t>CURLOPT_SSL_VERIFYPEER</a:t>
+              <a:t>ICP</a:t>
             </a:r>
             <a:r>
               <a:rPr lang="zh-CN" altLang="en-US" dirty="0">
                 <a:latin typeface="Consolas" panose="020B0609020204030204" pitchFamily="49" charset="0"/>
                 <a:ea typeface="微软雅黑" panose="020B0503020204020204" pitchFamily="34" charset="-122"/>
               </a:rPr>
-              <a:t>为</a:t>
-            </a:r>
-            <a:r>
-              <a:rPr lang="en-US" altLang="zh-CN" dirty="0">
-                <a:latin typeface="Consolas" panose="020B0609020204030204" pitchFamily="49" charset="0"/>
-                <a:ea typeface="微软雅黑" panose="020B0503020204020204" pitchFamily="34" charset="-122"/>
-              </a:rPr>
-              <a:t>false</a:t>
-            </a:r>
-            <a:r>
-              <a:rPr lang="zh-CN" altLang="en-US" dirty="0">
-                <a:latin typeface="Consolas" panose="020B0609020204030204" pitchFamily="49" charset="0"/>
-                <a:ea typeface="微软雅黑" panose="020B0503020204020204" pitchFamily="34" charset="-122"/>
-              </a:rPr>
-              <a:t>。</a:t>
+              <a:t>备案的验证。</a:t>
             </a:r>
             <a:endParaRPr lang="en-US" altLang="zh-CN" dirty="0">
               <a:latin typeface="Consolas" panose="020B0609020204030204" pitchFamily="49" charset="0"/>
@@ -12955,35 +12943,21 @@
                 <a:latin typeface="Consolas" panose="020B0609020204030204" pitchFamily="49" charset="0"/>
                 <a:ea typeface="微软雅黑" panose="020B0503020204020204" pitchFamily="34" charset="-122"/>
               </a:rPr>
-              <a:t>上传文件请使用</a:t>
-            </a:r>
-            <a:r>
-              <a:rPr lang="en-US" altLang="zh-CN" dirty="0" err="1">
+              <a:t>配置修改每个月可以改</a:t>
+            </a:r>
+            <a:r>
+              <a:rPr lang="en-US" altLang="zh-CN" dirty="0">
                 <a:latin typeface="Consolas" panose="020B0609020204030204" pitchFamily="49" charset="0"/>
                 <a:ea typeface="微软雅黑" panose="020B0503020204020204" pitchFamily="34" charset="-122"/>
               </a:rPr>
-              <a:t>CURLFile</a:t>
+              <a:t>3</a:t>
             </a:r>
             <a:r>
               <a:rPr lang="zh-CN" altLang="en-US" dirty="0">
                 <a:latin typeface="Consolas" panose="020B0609020204030204" pitchFamily="49" charset="0"/>
                 <a:ea typeface="微软雅黑" panose="020B0503020204020204" pitchFamily="34" charset="-122"/>
               </a:rPr>
-              <a:t>初始化文件对象，</a:t>
-            </a:r>
-            <a:r>
-              <a:rPr lang="en-US" altLang="zh-CN" dirty="0">
-                <a:latin typeface="Consolas" panose="020B0609020204030204" pitchFamily="49" charset="0"/>
-                <a:ea typeface="微软雅黑" panose="020B0503020204020204" pitchFamily="34" charset="-122"/>
-              </a:rPr>
-              <a:t>PHP7.0+</a:t>
-            </a:r>
-            <a:r>
-              <a:rPr lang="zh-CN" altLang="en-US" dirty="0">
-                <a:latin typeface="Consolas" panose="020B0609020204030204" pitchFamily="49" charset="0"/>
-                <a:ea typeface="微软雅黑" panose="020B0503020204020204" pitchFamily="34" charset="-122"/>
-              </a:rPr>
-              <a:t>版本以上已经不支持老式的上传方式。</a:t>
+              <a:t>次。</a:t>
             </a:r>
             <a:endParaRPr lang="en-US" altLang="zh-CN" dirty="0">
               <a:latin typeface="Consolas" panose="020B0609020204030204" pitchFamily="49" charset="0"/>
@@ -13003,77 +12977,21 @@
                 <a:latin typeface="Consolas" panose="020B0609020204030204" pitchFamily="49" charset="0"/>
                 <a:ea typeface="微软雅黑" panose="020B0503020204020204" pitchFamily="34" charset="-122"/>
               </a:rPr>
-              <a:t>如果使用内置</a:t>
+              <a:t>配置域名可填写</a:t>
             </a:r>
             <a:r>
               <a:rPr lang="en-US" altLang="zh-CN" dirty="0">
                 <a:latin typeface="Consolas" panose="020B0609020204030204" pitchFamily="49" charset="0"/>
                 <a:ea typeface="微软雅黑" panose="020B0503020204020204" pitchFamily="34" charset="-122"/>
               </a:rPr>
-              <a:t>CURL</a:t>
+              <a:t>3</a:t>
             </a:r>
             <a:r>
               <a:rPr lang="zh-CN" altLang="en-US" dirty="0">
                 <a:latin typeface="Consolas" panose="020B0609020204030204" pitchFamily="49" charset="0"/>
                 <a:ea typeface="微软雅黑" panose="020B0503020204020204" pitchFamily="34" charset="-122"/>
               </a:rPr>
-              <a:t>扩展，进行</a:t>
-            </a:r>
-            <a:r>
-              <a:rPr lang="en-US" altLang="zh-CN" dirty="0">
-                <a:latin typeface="Consolas" panose="020B0609020204030204" pitchFamily="49" charset="0"/>
-                <a:ea typeface="微软雅黑" panose="020B0503020204020204" pitchFamily="34" charset="-122"/>
-              </a:rPr>
-              <a:t>RAW </a:t>
-            </a:r>
-            <a:r>
-              <a:rPr lang="zh-CN" altLang="en-US" dirty="0">
-                <a:latin typeface="Consolas" panose="020B0609020204030204" pitchFamily="49" charset="0"/>
-                <a:ea typeface="微软雅黑" panose="020B0503020204020204" pitchFamily="34" charset="-122"/>
-              </a:rPr>
-              <a:t>格式的</a:t>
-            </a:r>
-            <a:r>
-              <a:rPr lang="en-US" altLang="zh-CN" dirty="0">
-                <a:latin typeface="Consolas" panose="020B0609020204030204" pitchFamily="49" charset="0"/>
-                <a:ea typeface="微软雅黑" panose="020B0503020204020204" pitchFamily="34" charset="-122"/>
-              </a:rPr>
-              <a:t>POST</a:t>
-            </a:r>
-            <a:r>
-              <a:rPr lang="zh-CN" altLang="en-US" dirty="0">
-                <a:latin typeface="Consolas" panose="020B0609020204030204" pitchFamily="49" charset="0"/>
-                <a:ea typeface="微软雅黑" panose="020B0503020204020204" pitchFamily="34" charset="-122"/>
-              </a:rPr>
-              <a:t>提交，则需要设置</a:t>
-            </a:r>
-            <a:r>
-              <a:rPr lang="en-US" altLang="zh-CN" dirty="0">
-                <a:latin typeface="Consolas" panose="020B0609020204030204" pitchFamily="49" charset="0"/>
-                <a:ea typeface="微软雅黑" panose="020B0503020204020204" pitchFamily="34" charset="-122"/>
-              </a:rPr>
-              <a:t>CURLOPT_HTTPHEADER</a:t>
-            </a:r>
-            <a:r>
-              <a:rPr lang="zh-CN" altLang="en-US" dirty="0">
-                <a:latin typeface="Consolas" panose="020B0609020204030204" pitchFamily="49" charset="0"/>
-                <a:ea typeface="微软雅黑" panose="020B0503020204020204" pitchFamily="34" charset="-122"/>
-              </a:rPr>
-              <a:t>选项加入</a:t>
-            </a:r>
-            <a:r>
-              <a:rPr lang="en-US" altLang="zh-CN" dirty="0">
-                <a:latin typeface="Consolas" panose="020B0609020204030204" pitchFamily="49" charset="0"/>
-                <a:ea typeface="微软雅黑" panose="020B0503020204020204" pitchFamily="34" charset="-122"/>
-              </a:rPr>
-              <a:t>”Content-Type: text/plain”</a:t>
-            </a:r>
-            <a:r>
-              <a:rPr lang="zh-CN" altLang="en-US" dirty="0">
-                <a:latin typeface="Consolas" panose="020B0609020204030204" pitchFamily="49" charset="0"/>
-                <a:ea typeface="微软雅黑" panose="020B0503020204020204" pitchFamily="34" charset="-122"/>
-              </a:rPr>
-              <a:t>。</a:t>
+              <a:t>个，但是测试号只能填写一个。</a:t>
             </a:r>
             <a:endParaRPr lang="en-US" altLang="zh-CN" dirty="0">
               <a:latin typeface="Consolas" panose="020B0609020204030204" pitchFamily="49" charset="0"/>
@@ -13093,63 +13011,35 @@
                 <a:latin typeface="Consolas" panose="020B0609020204030204" pitchFamily="49" charset="0"/>
                 <a:ea typeface="微软雅黑" panose="020B0503020204020204" pitchFamily="34" charset="-122"/>
               </a:rPr>
-              <a:t>下载数据，根据文件大小选择不同的方法，最好方式是让</a:t>
+              <a:t>注意配置签名的方式要使用</a:t>
             </a:r>
             <a:r>
               <a:rPr lang="en-US" altLang="zh-CN" dirty="0">
                 <a:latin typeface="Consolas" panose="020B0609020204030204" pitchFamily="49" charset="0"/>
                 <a:ea typeface="微软雅黑" panose="020B0503020204020204" pitchFamily="34" charset="-122"/>
               </a:rPr>
-              <a:t>CURL</a:t>
+              <a:t>PHP</a:t>
             </a:r>
             <a:r>
               <a:rPr lang="zh-CN" altLang="en-US" dirty="0">
                 <a:latin typeface="Consolas" panose="020B0609020204030204" pitchFamily="49" charset="0"/>
                 <a:ea typeface="微软雅黑" panose="020B0503020204020204" pitchFamily="34" charset="-122"/>
               </a:rPr>
-              <a:t>自动处理数据流：</a:t>
-            </a:r>
-            <a:r>
-              <a:rPr lang="en-US" altLang="zh-CN" dirty="0">
+              <a:t>的</a:t>
+            </a:r>
+            <a:r>
+              <a:rPr lang="en-US" altLang="zh-CN" dirty="0" err="1">
                 <a:latin typeface="Consolas" panose="020B0609020204030204" pitchFamily="49" charset="0"/>
                 <a:ea typeface="微软雅黑" panose="020B0503020204020204" pitchFamily="34" charset="-122"/>
               </a:rPr>
-              <a:t>CURLOPT_FILE</a:t>
+              <a:t>ksort</a:t>
             </a:r>
             <a:r>
               <a:rPr lang="zh-CN" altLang="en-US" dirty="0">
                 <a:latin typeface="Consolas" panose="020B0609020204030204" pitchFamily="49" charset="0"/>
                 <a:ea typeface="微软雅黑" panose="020B0503020204020204" pitchFamily="34" charset="-122"/>
               </a:rPr>
-              <a:t>设置为一个已打开的具有写权限的文件描述符。并且要把</a:t>
-            </a:r>
-            <a:r>
-              <a:rPr lang="en-US" altLang="zh-CN" dirty="0">
-                <a:latin typeface="Consolas" panose="020B0609020204030204" pitchFamily="49" charset="0"/>
-                <a:ea typeface="微软雅黑" panose="020B0503020204020204" pitchFamily="34" charset="-122"/>
-              </a:rPr>
-              <a:t>CURLOPT_RETURNTRANSFER</a:t>
-            </a:r>
-            <a:r>
-              <a:rPr lang="zh-CN" altLang="en-US" dirty="0">
-                <a:latin typeface="Consolas" panose="020B0609020204030204" pitchFamily="49" charset="0"/>
-                <a:ea typeface="微软雅黑" panose="020B0503020204020204" pitchFamily="34" charset="-122"/>
-              </a:rPr>
-              <a:t>设置为</a:t>
-            </a:r>
-            <a:r>
-              <a:rPr lang="en-US" altLang="zh-CN" dirty="0">
-                <a:latin typeface="Consolas" panose="020B0609020204030204" pitchFamily="49" charset="0"/>
-                <a:ea typeface="微软雅黑" panose="020B0503020204020204" pitchFamily="34" charset="-122"/>
-              </a:rPr>
-              <a:t>false</a:t>
-            </a:r>
-            <a:r>
-              <a:rPr lang="zh-CN" altLang="en-US" dirty="0">
-                <a:latin typeface="Consolas" panose="020B0609020204030204" pitchFamily="49" charset="0"/>
-                <a:ea typeface="微软雅黑" panose="020B0503020204020204" pitchFamily="34" charset="-122"/>
-              </a:rPr>
-              <a:t>。</a:t>
+              <a:t>对键值排序而不是数据值。</a:t>
             </a:r>
             <a:endParaRPr lang="en-US" altLang="zh-CN" dirty="0">
               <a:latin typeface="Consolas" panose="020B0609020204030204" pitchFamily="49" charset="0"/>
@@ -13169,89 +13059,57 @@
                 <a:latin typeface="Consolas" panose="020B0609020204030204" pitchFamily="49" charset="0"/>
                 <a:ea typeface="微软雅黑" panose="020B0503020204020204" pitchFamily="34" charset="-122"/>
               </a:rPr>
-              <a:t>使用第三方扩展要注意扩展的使用方式，同时，本课程使用的</a:t>
-            </a:r>
-            <a:r>
-              <a:rPr lang="en-US" altLang="zh-CN" dirty="0" err="1">
-                <a:latin typeface="Consolas" panose="020B0609020204030204" pitchFamily="49" charset="0"/>
-                <a:ea typeface="微软雅黑" panose="020B0503020204020204" pitchFamily="34" charset="-122"/>
-              </a:rPr>
-              <a:t>anlutro</a:t>
+              <a:t>使用</a:t>
             </a:r>
             <a:r>
               <a:rPr lang="en-US" altLang="zh-CN" dirty="0">
                 <a:latin typeface="Consolas" panose="020B0609020204030204" pitchFamily="49" charset="0"/>
                 <a:ea typeface="微软雅黑" panose="020B0503020204020204" pitchFamily="34" charset="-122"/>
               </a:rPr>
-              <a:t>\</a:t>
-            </a:r>
-            <a:r>
-              <a:rPr lang="en-US" altLang="zh-CN" dirty="0" err="1">
-                <a:latin typeface="Consolas" panose="020B0609020204030204" pitchFamily="49" charset="0"/>
-                <a:ea typeface="微软雅黑" panose="020B0503020204020204" pitchFamily="34" charset="-122"/>
-              </a:rPr>
-              <a:t>cURL</a:t>
+              <a:t>JS-SDK</a:t>
             </a:r>
             <a:r>
               <a:rPr lang="zh-CN" altLang="en-US" dirty="0">
                 <a:latin typeface="Consolas" panose="020B0609020204030204" pitchFamily="49" charset="0"/>
                 <a:ea typeface="微软雅黑" panose="020B0503020204020204" pitchFamily="34" charset="-122"/>
               </a:rPr>
-              <a:t>扩展在默认情况下会把</a:t>
+              <a:t>时，以</a:t>
             </a:r>
             <a:r>
               <a:rPr lang="en-US" altLang="zh-CN" dirty="0">
                 <a:latin typeface="Consolas" panose="020B0609020204030204" pitchFamily="49" charset="0"/>
                 <a:ea typeface="微软雅黑" panose="020B0503020204020204" pitchFamily="34" charset="-122"/>
               </a:rPr>
-              <a:t>CURLOPT_RETURNTRANSFER</a:t>
+              <a:t>on</a:t>
             </a:r>
             <a:r>
               <a:rPr lang="zh-CN" altLang="en-US" dirty="0">
                 <a:latin typeface="Consolas" panose="020B0609020204030204" pitchFamily="49" charset="0"/>
                 <a:ea typeface="微软雅黑" panose="020B0503020204020204" pitchFamily="34" charset="-122"/>
               </a:rPr>
-              <a:t>设置为</a:t>
+              <a:t>开头的接口要放在</a:t>
             </a:r>
             <a:r>
               <a:rPr lang="en-US" altLang="zh-CN" dirty="0">
                 <a:latin typeface="Consolas" panose="020B0609020204030204" pitchFamily="49" charset="0"/>
                 <a:ea typeface="微软雅黑" panose="020B0503020204020204" pitchFamily="34" charset="-122"/>
               </a:rPr>
-              <a:t>true</a:t>
+              <a:t>ready</a:t>
             </a:r>
             <a:r>
               <a:rPr lang="zh-CN" altLang="en-US" dirty="0">
                 <a:latin typeface="Consolas" panose="020B0609020204030204" pitchFamily="49" charset="0"/>
                 <a:ea typeface="微软雅黑" panose="020B0503020204020204" pitchFamily="34" charset="-122"/>
               </a:rPr>
-              <a:t>，而且无法设置为</a:t>
-            </a:r>
-            <a:r>
-              <a:rPr lang="en-US" altLang="zh-CN" dirty="0">
-                <a:latin typeface="Consolas" panose="020B0609020204030204" pitchFamily="49" charset="0"/>
-                <a:ea typeface="微软雅黑" panose="020B0503020204020204" pitchFamily="34" charset="-122"/>
-              </a:rPr>
-              <a:t>false</a:t>
-            </a:r>
-            <a:r>
-              <a:rPr lang="zh-CN" altLang="en-US" dirty="0">
-                <a:latin typeface="Consolas" panose="020B0609020204030204" pitchFamily="49" charset="0"/>
-                <a:ea typeface="微软雅黑" panose="020B0503020204020204" pitchFamily="34" charset="-122"/>
-              </a:rPr>
-              <a:t>，在上传文件时会出现问题，此问题可以通过修改代码解决，可以加入一个不进行默认设置的就发起请求的函数解决。</a:t>
-            </a:r>
-            <a:endParaRPr lang="en-US" altLang="zh-CN" dirty="0">
-              <a:latin typeface="Consolas" panose="020B0609020204030204" pitchFamily="49" charset="0"/>
-              <a:ea typeface="微软雅黑" panose="020B0503020204020204" pitchFamily="34" charset="-122"/>
-            </a:endParaRPr>
+              <a:t>函数中进行配置。</a:t>
+            </a:r>
           </a:p>
         </p:txBody>
       </p:sp>
     </p:spTree>
     <p:extLst>
       <p:ext uri="{BB962C8B-B14F-4D97-AF65-F5344CB8AC3E}">
-        <p14:creationId xmlns:p14="http://schemas.microsoft.com/office/powerpoint/2010/main" val="2699412093"/>
+        <p14:creationId xmlns:p14="http://schemas.microsoft.com/office/powerpoint/2010/main" val="3020456092"/>
       </p:ext>
     </p:extLst>
   </p:cSld>
@@ -13290,8 +13148,8 @@
         </p:nvSpPr>
         <p:spPr>
           <a:xfrm>
-            <a:off x="1054099" y="543636"/>
-            <a:ext cx="7032626" cy="685800"/>
+            <a:off x="1054100" y="543636"/>
+            <a:ext cx="7304088" cy="685800"/>
           </a:xfrm>
         </p:spPr>
         <p:txBody>
@@ -13299,22 +13157,18 @@
           <a:lstStyle/>
           <a:p>
             <a:r>
-              <a:rPr lang="en-US" altLang="zh-CN" b="0" dirty="0"/>
-              <a:t>JS-SDK</a:t>
-            </a:r>
-            <a:r>
               <a:rPr lang="zh-CN" altLang="en-US" b="0" dirty="0"/>
-              <a:t>重点</a:t>
-            </a:r>
-          </a:p>
-        </p:txBody>
-      </p:sp>
-      <p:sp>
-        <p:nvSpPr>
-          <p:cNvPr id="3" name="文本框 2">
+              <a:t>第三讲</a:t>
+            </a:r>
+          </a:p>
+        </p:txBody>
+      </p:sp>
+      <p:sp>
+        <p:nvSpPr>
+          <p:cNvPr id="4" name="文本框 3">
             <a:extLst>
               <a:ext uri="{FF2B5EF4-FFF2-40B4-BE49-F238E27FC236}">
-                <a16:creationId xmlns:a16="http://schemas.microsoft.com/office/drawing/2014/main" id="{AFF59FF6-EC7D-483C-A6DB-530218550776}"/>
+                <a16:creationId xmlns:a16="http://schemas.microsoft.com/office/drawing/2014/main" id="{881044DB-5DAA-45FE-B324-1F8A47186361}"/>
               </a:ext>
             </a:extLst>
           </p:cNvPr>
@@ -13323,8 +13177,8 @@
         </p:nvSpPr>
         <p:spPr>
           <a:xfrm>
-            <a:off x="1170039" y="1750142"/>
-            <a:ext cx="8495071" cy="2585323"/>
+            <a:off x="4058444" y="2343152"/>
+            <a:ext cx="5385594" cy="2062103"/>
           </a:xfrm>
           <a:prstGeom prst="rect">
             <a:avLst/>
@@ -13337,233 +13191,105 @@
           </a:bodyPr>
           <a:lstStyle/>
           <a:p>
-            <a:pPr marL="285750" indent="-285750">
+            <a:pPr marL="514350" indent="-514350">
               <a:lnSpc>
-                <a:spcPct val="150000"/>
+                <a:spcPct val="200000"/>
               </a:lnSpc>
-              <a:buFont typeface="Arial" panose="020B0604020202020204" pitchFamily="34" charset="0"/>
-              <a:buChar char="•"/>
+              <a:buFont typeface="+mj-ea"/>
+              <a:buAutoNum type="ea1JpnChsDbPeriod"/>
             </a:pPr>
             <a:r>
-              <a:rPr lang="zh-CN" altLang="en-US" dirty="0">
-                <a:latin typeface="Consolas" panose="020B0609020204030204" pitchFamily="49" charset="0"/>
+              <a:rPr lang="zh-CN" altLang="en-US" sz="2000" dirty="0">
+                <a:solidFill>
+                  <a:schemeClr val="tx1">
+                    <a:lumMod val="65000"/>
+                    <a:lumOff val="35000"/>
+                  </a:schemeClr>
+                </a:solidFill>
+                <a:latin typeface="微软雅黑" panose="020B0503020204020204" pitchFamily="34" charset="-122"/>
                 <a:ea typeface="微软雅黑" panose="020B0503020204020204" pitchFamily="34" charset="-122"/>
               </a:rPr>
-              <a:t>配置安全域名不支持</a:t>
-            </a:r>
-            <a:r>
-              <a:rPr lang="en-US" altLang="zh-CN" dirty="0">
-                <a:latin typeface="Consolas" panose="020B0609020204030204" pitchFamily="49" charset="0"/>
+              <a:t>整体脉络</a:t>
+            </a:r>
+            <a:endParaRPr lang="en-US" altLang="zh-CN" sz="2000" dirty="0">
+              <a:solidFill>
+                <a:schemeClr val="tx1">
+                  <a:lumMod val="65000"/>
+                  <a:lumOff val="35000"/>
+                </a:schemeClr>
+              </a:solidFill>
+              <a:latin typeface="微软雅黑" panose="020B0503020204020204" pitchFamily="34" charset="-122"/>
+              <a:ea typeface="微软雅黑" panose="020B0503020204020204" pitchFamily="34" charset="-122"/>
+            </a:endParaRPr>
+          </a:p>
+          <a:p>
+            <a:pPr marL="514350" indent="-514350">
+              <a:lnSpc>
+                <a:spcPct val="200000"/>
+              </a:lnSpc>
+              <a:buFont typeface="+mj-ea"/>
+              <a:buAutoNum type="ea1JpnChsDbPeriod"/>
+            </a:pPr>
+            <a:r>
+              <a:rPr lang="zh-CN" altLang="en-US" sz="2000" dirty="0">
+                <a:solidFill>
+                  <a:schemeClr val="tx1">
+                    <a:lumMod val="65000"/>
+                    <a:lumOff val="35000"/>
+                  </a:schemeClr>
+                </a:solidFill>
+                <a:latin typeface="微软雅黑" panose="020B0503020204020204" pitchFamily="34" charset="-122"/>
                 <a:ea typeface="微软雅黑" panose="020B0503020204020204" pitchFamily="34" charset="-122"/>
               </a:rPr>
-              <a:t>IP</a:t>
-            </a:r>
-            <a:r>
-              <a:rPr lang="zh-CN" altLang="en-US" dirty="0">
-                <a:latin typeface="Consolas" panose="020B0609020204030204" pitchFamily="49" charset="0"/>
+              <a:t>重点回顾</a:t>
+            </a:r>
+            <a:endParaRPr lang="en-US" altLang="zh-CN" sz="2000" dirty="0">
+              <a:solidFill>
+                <a:schemeClr val="tx1">
+                  <a:lumMod val="65000"/>
+                  <a:lumOff val="35000"/>
+                </a:schemeClr>
+              </a:solidFill>
+              <a:latin typeface="微软雅黑" panose="020B0503020204020204" pitchFamily="34" charset="-122"/>
+              <a:ea typeface="微软雅黑" panose="020B0503020204020204" pitchFamily="34" charset="-122"/>
+            </a:endParaRPr>
+          </a:p>
+          <a:p>
+            <a:pPr marL="514350" indent="-514350">
+              <a:lnSpc>
+                <a:spcPct val="200000"/>
+              </a:lnSpc>
+              <a:buFont typeface="+mj-ea"/>
+              <a:buAutoNum type="ea1JpnChsDbPeriod"/>
+            </a:pPr>
+            <a:r>
+              <a:rPr lang="zh-CN" altLang="en-US" sz="2400" dirty="0">
+                <a:solidFill>
+                  <a:schemeClr val="accent6">
+                    <a:lumMod val="75000"/>
+                  </a:schemeClr>
+                </a:solidFill>
+                <a:latin typeface="微软雅黑" panose="020B0503020204020204" pitchFamily="34" charset="-122"/>
                 <a:ea typeface="微软雅黑" panose="020B0503020204020204" pitchFamily="34" charset="-122"/>
               </a:rPr>
-              <a:t>地址，端口号以及短链域名，并且填写的域名须通过</a:t>
-            </a:r>
-            <a:r>
-              <a:rPr lang="en-US" altLang="zh-CN" dirty="0">
-                <a:latin typeface="Consolas" panose="020B0609020204030204" pitchFamily="49" charset="0"/>
-                <a:ea typeface="微软雅黑" panose="020B0503020204020204" pitchFamily="34" charset="-122"/>
-              </a:rPr>
-              <a:t>ICP</a:t>
-            </a:r>
-            <a:r>
-              <a:rPr lang="zh-CN" altLang="en-US" dirty="0">
-                <a:latin typeface="Consolas" panose="020B0609020204030204" pitchFamily="49" charset="0"/>
-                <a:ea typeface="微软雅黑" panose="020B0503020204020204" pitchFamily="34" charset="-122"/>
-              </a:rPr>
-              <a:t>备案的验证。</a:t>
-            </a:r>
-            <a:endParaRPr lang="en-US" altLang="zh-CN" dirty="0">
-              <a:latin typeface="Consolas" panose="020B0609020204030204" pitchFamily="49" charset="0"/>
+              <a:t>总结</a:t>
+            </a:r>
+            <a:endParaRPr lang="en-US" altLang="zh-CN" sz="2400" dirty="0">
+              <a:solidFill>
+                <a:schemeClr val="accent6">
+                  <a:lumMod val="75000"/>
+                </a:schemeClr>
+              </a:solidFill>
+              <a:latin typeface="微软雅黑" panose="020B0503020204020204" pitchFamily="34" charset="-122"/>
               <a:ea typeface="微软雅黑" panose="020B0503020204020204" pitchFamily="34" charset="-122"/>
             </a:endParaRPr>
-          </a:p>
-          <a:p>
-            <a:pPr marL="285750" indent="-285750">
-              <a:lnSpc>
-                <a:spcPct val="150000"/>
-              </a:lnSpc>
-              <a:buFont typeface="Arial" panose="020B0604020202020204" pitchFamily="34" charset="0"/>
-              <a:buChar char="•"/>
-            </a:pPr>
-            <a:r>
-              <a:rPr lang="zh-CN" altLang="en-US" dirty="0">
-                <a:latin typeface="Consolas" panose="020B0609020204030204" pitchFamily="49" charset="0"/>
-                <a:ea typeface="微软雅黑" panose="020B0503020204020204" pitchFamily="34" charset="-122"/>
-              </a:rPr>
-              <a:t>配置修改每个月可以改</a:t>
-            </a:r>
-            <a:r>
-              <a:rPr lang="en-US" altLang="zh-CN" dirty="0">
-                <a:latin typeface="Consolas" panose="020B0609020204030204" pitchFamily="49" charset="0"/>
-                <a:ea typeface="微软雅黑" panose="020B0503020204020204" pitchFamily="34" charset="-122"/>
-              </a:rPr>
-              <a:t>3</a:t>
-            </a:r>
-            <a:r>
-              <a:rPr lang="zh-CN" altLang="en-US" dirty="0">
-                <a:latin typeface="Consolas" panose="020B0609020204030204" pitchFamily="49" charset="0"/>
-                <a:ea typeface="微软雅黑" panose="020B0503020204020204" pitchFamily="34" charset="-122"/>
-              </a:rPr>
-              <a:t>次。</a:t>
-            </a:r>
-            <a:endParaRPr lang="en-US" altLang="zh-CN" dirty="0">
-              <a:latin typeface="Consolas" panose="020B0609020204030204" pitchFamily="49" charset="0"/>
-              <a:ea typeface="微软雅黑" panose="020B0503020204020204" pitchFamily="34" charset="-122"/>
-            </a:endParaRPr>
-          </a:p>
-          <a:p>
-            <a:pPr marL="285750" indent="-285750">
-              <a:lnSpc>
-                <a:spcPct val="150000"/>
-              </a:lnSpc>
-              <a:buFont typeface="Arial" panose="020B0604020202020204" pitchFamily="34" charset="0"/>
-              <a:buChar char="•"/>
-            </a:pPr>
-            <a:r>
-              <a:rPr lang="zh-CN" altLang="en-US" dirty="0">
-                <a:latin typeface="Consolas" panose="020B0609020204030204" pitchFamily="49" charset="0"/>
-                <a:ea typeface="微软雅黑" panose="020B0503020204020204" pitchFamily="34" charset="-122"/>
-              </a:rPr>
-              <a:t>配置域名可填写</a:t>
-            </a:r>
-            <a:r>
-              <a:rPr lang="en-US" altLang="zh-CN" dirty="0">
-                <a:latin typeface="Consolas" panose="020B0609020204030204" pitchFamily="49" charset="0"/>
-                <a:ea typeface="微软雅黑" panose="020B0503020204020204" pitchFamily="34" charset="-122"/>
-              </a:rPr>
-              <a:t>3</a:t>
-            </a:r>
-            <a:r>
-              <a:rPr lang="zh-CN" altLang="en-US" dirty="0">
-                <a:latin typeface="Consolas" panose="020B0609020204030204" pitchFamily="49" charset="0"/>
-                <a:ea typeface="微软雅黑" panose="020B0503020204020204" pitchFamily="34" charset="-122"/>
-              </a:rPr>
-              <a:t>个，但是测试号只能填写一个。</a:t>
-            </a:r>
-            <a:endParaRPr lang="en-US" altLang="zh-CN" dirty="0">
-              <a:latin typeface="Consolas" panose="020B0609020204030204" pitchFamily="49" charset="0"/>
-              <a:ea typeface="微软雅黑" panose="020B0503020204020204" pitchFamily="34" charset="-122"/>
-            </a:endParaRPr>
-          </a:p>
-          <a:p>
-            <a:pPr marL="285750" indent="-285750">
-              <a:lnSpc>
-                <a:spcPct val="150000"/>
-              </a:lnSpc>
-              <a:buFont typeface="Arial" panose="020B0604020202020204" pitchFamily="34" charset="0"/>
-              <a:buChar char="•"/>
-            </a:pPr>
-            <a:r>
-              <a:rPr lang="zh-CN" altLang="en-US" dirty="0">
-                <a:latin typeface="Consolas" panose="020B0609020204030204" pitchFamily="49" charset="0"/>
-                <a:ea typeface="微软雅黑" panose="020B0503020204020204" pitchFamily="34" charset="-122"/>
-              </a:rPr>
-              <a:t>注意配置签名的方式要使用</a:t>
-            </a:r>
-            <a:r>
-              <a:rPr lang="en-US" altLang="zh-CN" dirty="0">
-                <a:latin typeface="Consolas" panose="020B0609020204030204" pitchFamily="49" charset="0"/>
-                <a:ea typeface="微软雅黑" panose="020B0503020204020204" pitchFamily="34" charset="-122"/>
-              </a:rPr>
-              <a:t>PHP</a:t>
-            </a:r>
-            <a:r>
-              <a:rPr lang="zh-CN" altLang="en-US" dirty="0">
-                <a:latin typeface="Consolas" panose="020B0609020204030204" pitchFamily="49" charset="0"/>
-                <a:ea typeface="微软雅黑" panose="020B0503020204020204" pitchFamily="34" charset="-122"/>
-              </a:rPr>
-              <a:t>的</a:t>
-            </a:r>
-            <a:r>
-              <a:rPr lang="en-US" altLang="zh-CN" dirty="0" err="1">
-                <a:latin typeface="Consolas" panose="020B0609020204030204" pitchFamily="49" charset="0"/>
-                <a:ea typeface="微软雅黑" panose="020B0503020204020204" pitchFamily="34" charset="-122"/>
-              </a:rPr>
-              <a:t>ksort</a:t>
-            </a:r>
-            <a:r>
-              <a:rPr lang="zh-CN" altLang="en-US" dirty="0">
-                <a:latin typeface="Consolas" panose="020B0609020204030204" pitchFamily="49" charset="0"/>
-                <a:ea typeface="微软雅黑" panose="020B0503020204020204" pitchFamily="34" charset="-122"/>
-              </a:rPr>
-              <a:t>对键值排序而不是数据值。</a:t>
-            </a:r>
-            <a:endParaRPr lang="en-US" altLang="zh-CN" dirty="0">
-              <a:latin typeface="Consolas" panose="020B0609020204030204" pitchFamily="49" charset="0"/>
-              <a:ea typeface="微软雅黑" panose="020B0503020204020204" pitchFamily="34" charset="-122"/>
-            </a:endParaRPr>
-          </a:p>
-          <a:p>
-            <a:pPr marL="285750" indent="-285750">
-              <a:lnSpc>
-                <a:spcPct val="150000"/>
-              </a:lnSpc>
-              <a:buFont typeface="Arial" panose="020B0604020202020204" pitchFamily="34" charset="0"/>
-              <a:buChar char="•"/>
-            </a:pPr>
-            <a:r>
-              <a:rPr lang="zh-CN" altLang="en-US" dirty="0">
-                <a:latin typeface="Consolas" panose="020B0609020204030204" pitchFamily="49" charset="0"/>
-                <a:ea typeface="微软雅黑" panose="020B0503020204020204" pitchFamily="34" charset="-122"/>
-              </a:rPr>
-              <a:t>使用</a:t>
-            </a:r>
-            <a:r>
-              <a:rPr lang="en-US" altLang="zh-CN" dirty="0">
-                <a:latin typeface="Consolas" panose="020B0609020204030204" pitchFamily="49" charset="0"/>
-                <a:ea typeface="微软雅黑" panose="020B0503020204020204" pitchFamily="34" charset="-122"/>
-              </a:rPr>
-              <a:t>JS-SDK</a:t>
-            </a:r>
-            <a:r>
-              <a:rPr lang="zh-CN" altLang="en-US" dirty="0">
-                <a:latin typeface="Consolas" panose="020B0609020204030204" pitchFamily="49" charset="0"/>
-                <a:ea typeface="微软雅黑" panose="020B0503020204020204" pitchFamily="34" charset="-122"/>
-              </a:rPr>
-              <a:t>时，以</a:t>
-            </a:r>
-            <a:r>
-              <a:rPr lang="en-US" altLang="zh-CN" dirty="0">
-                <a:latin typeface="Consolas" panose="020B0609020204030204" pitchFamily="49" charset="0"/>
-                <a:ea typeface="微软雅黑" panose="020B0503020204020204" pitchFamily="34" charset="-122"/>
-              </a:rPr>
-              <a:t>on</a:t>
-            </a:r>
-            <a:r>
-              <a:rPr lang="zh-CN" altLang="en-US" dirty="0">
-                <a:latin typeface="Consolas" panose="020B0609020204030204" pitchFamily="49" charset="0"/>
-                <a:ea typeface="微软雅黑" panose="020B0503020204020204" pitchFamily="34" charset="-122"/>
-              </a:rPr>
-              <a:t>开头的接口要放在</a:t>
-            </a:r>
-            <a:r>
-              <a:rPr lang="en-US" altLang="zh-CN" dirty="0">
-                <a:latin typeface="Consolas" panose="020B0609020204030204" pitchFamily="49" charset="0"/>
-                <a:ea typeface="微软雅黑" panose="020B0503020204020204" pitchFamily="34" charset="-122"/>
-              </a:rPr>
-              <a:t>ready</a:t>
-            </a:r>
-            <a:r>
-              <a:rPr lang="zh-CN" altLang="en-US" dirty="0">
-                <a:latin typeface="Consolas" panose="020B0609020204030204" pitchFamily="49" charset="0"/>
-                <a:ea typeface="微软雅黑" panose="020B0503020204020204" pitchFamily="34" charset="-122"/>
-              </a:rPr>
-              <a:t>函数中进行配置。</a:t>
-            </a:r>
           </a:p>
         </p:txBody>
       </p:sp>
     </p:spTree>
     <p:extLst>
       <p:ext uri="{BB962C8B-B14F-4D97-AF65-F5344CB8AC3E}">
-        <p14:creationId xmlns:p14="http://schemas.microsoft.com/office/powerpoint/2010/main" val="3020456092"/>
+        <p14:creationId xmlns:p14="http://schemas.microsoft.com/office/powerpoint/2010/main" val="1928010297"/>
       </p:ext>
     </p:extLst>
   </p:cSld>
@@ -13592,18 +13318,18 @@
       </p:grpSpPr>
       <p:sp>
         <p:nvSpPr>
-          <p:cNvPr id="2" name="内容占位符 1"/>
+          <p:cNvPr id="3" name="内容占位符 2"/>
           <p:cNvSpPr>
             <a:spLocks noGrp="1"/>
           </p:cNvSpPr>
           <p:nvPr>
-            <p:ph sz="quarter" idx="13"/>
+            <p:ph sz="quarter" idx="15"/>
           </p:nvPr>
         </p:nvSpPr>
         <p:spPr>
           <a:xfrm>
-            <a:off x="1054099" y="543636"/>
-            <a:ext cx="7032626" cy="685800"/>
+            <a:off x="917622" y="516340"/>
+            <a:ext cx="8236210" cy="685800"/>
           </a:xfrm>
         </p:spPr>
         <p:txBody>
@@ -13612,15 +13338,92 @@
           <a:p>
             <a:r>
               <a:rPr lang="zh-CN" altLang="en-US" b="0" dirty="0"/>
-              <a:t>服务器的配置</a:t>
-            </a:r>
+              <a:t>公众号管理后台</a:t>
+            </a:r>
+          </a:p>
+        </p:txBody>
+      </p:sp>
+      <p:sp>
+        <p:nvSpPr>
+          <p:cNvPr id="2" name="文本框 1"/>
+          <p:cNvSpPr txBox="1"/>
+          <p:nvPr/>
+        </p:nvSpPr>
+        <p:spPr>
+          <a:xfrm>
+            <a:off x="917622" y="1686724"/>
+            <a:ext cx="9568754" cy="1445717"/>
+          </a:xfrm>
+          <a:prstGeom prst="rect">
+            <a:avLst/>
+          </a:prstGeom>
+          <a:noFill/>
+        </p:spPr>
+        <p:txBody>
+          <a:bodyPr wrap="square" rtlCol="0">
+            <a:spAutoFit/>
+          </a:bodyPr>
+          <a:lstStyle/>
+          <a:p>
+            <a:pPr marL="285750" indent="-285750">
+              <a:lnSpc>
+                <a:spcPts val="2700"/>
+              </a:lnSpc>
+              <a:buFont typeface="Arial" panose="020B0604020202020204" pitchFamily="34" charset="0"/>
+              <a:buChar char="•"/>
+            </a:pPr>
+            <a:r>
+              <a:rPr lang="zh-CN" altLang="en-US" dirty="0">
+                <a:latin typeface="微软雅黑" panose="020B0503020204020204" pitchFamily="34" charset="-122"/>
+                <a:ea typeface="微软雅黑" panose="020B0503020204020204" pitchFamily="34" charset="-122"/>
+              </a:rPr>
+              <a:t>公众号管理后台已经实现了大部分运用公众号的基本操作，大部分操作直接登录完成即可，比自己开发一套出来要方便省时。</a:t>
+            </a:r>
+            <a:endParaRPr lang="en-US" altLang="zh-CN" dirty="0">
+              <a:latin typeface="微软雅黑" panose="020B0503020204020204" pitchFamily="34" charset="-122"/>
+              <a:ea typeface="微软雅黑" panose="020B0503020204020204" pitchFamily="34" charset="-122"/>
+            </a:endParaRPr>
+          </a:p>
+          <a:p>
+            <a:pPr marL="285750" indent="-285750">
+              <a:lnSpc>
+                <a:spcPts val="2700"/>
+              </a:lnSpc>
+              <a:buFont typeface="Arial" panose="020B0604020202020204" pitchFamily="34" charset="0"/>
+              <a:buChar char="•"/>
+            </a:pPr>
+            <a:r>
+              <a:rPr lang="zh-CN" altLang="en-US" dirty="0">
+                <a:latin typeface="微软雅黑" panose="020B0503020204020204" pitchFamily="34" charset="-122"/>
+                <a:ea typeface="微软雅黑" panose="020B0503020204020204" pitchFamily="34" charset="-122"/>
+              </a:rPr>
+              <a:t>如果是需要原始的</a:t>
+            </a:r>
+            <a:r>
+              <a:rPr lang="en-US" altLang="zh-CN" dirty="0">
+                <a:latin typeface="微软雅黑" panose="020B0503020204020204" pitchFamily="34" charset="-122"/>
+                <a:ea typeface="微软雅黑" panose="020B0503020204020204" pitchFamily="34" charset="-122"/>
+              </a:rPr>
+              <a:t>JSON</a:t>
+            </a:r>
+            <a:r>
+              <a:rPr lang="zh-CN" altLang="en-US" dirty="0">
+                <a:latin typeface="微软雅黑" panose="020B0503020204020204" pitchFamily="34" charset="-122"/>
+                <a:ea typeface="微软雅黑" panose="020B0503020204020204" pitchFamily="34" charset="-122"/>
+              </a:rPr>
+              <a:t>格式的数据，则需要调用接口查询数据然后返回。回复消息希望更加智能则需要配置接入服务器。</a:t>
+            </a:r>
+            <a:endParaRPr lang="en-US" altLang="zh-CN" dirty="0">
+              <a:latin typeface="微软雅黑" panose="020B0503020204020204" pitchFamily="34" charset="-122"/>
+              <a:ea typeface="微软雅黑" panose="020B0503020204020204" pitchFamily="34" charset="-122"/>
+            </a:endParaRPr>
           </a:p>
         </p:txBody>
       </p:sp>
     </p:spTree>
     <p:extLst>
       <p:ext uri="{BB962C8B-B14F-4D97-AF65-F5344CB8AC3E}">
-        <p14:creationId xmlns:p14="http://schemas.microsoft.com/office/powerpoint/2010/main" val="3571643430"/>
+        <p14:creationId xmlns:p14="http://schemas.microsoft.com/office/powerpoint/2010/main" val="247829176"/>
       </p:ext>
     </p:extLst>
   </p:cSld>
@@ -13649,18 +13452,18 @@
       </p:grpSpPr>
       <p:sp>
         <p:nvSpPr>
-          <p:cNvPr id="2" name="内容占位符 1"/>
+          <p:cNvPr id="3" name="内容占位符 2"/>
           <p:cNvSpPr>
             <a:spLocks noGrp="1"/>
           </p:cNvSpPr>
           <p:nvPr>
-            <p:ph sz="quarter" idx="13"/>
+            <p:ph sz="quarter" idx="15"/>
           </p:nvPr>
         </p:nvSpPr>
         <p:spPr>
           <a:xfrm>
-            <a:off x="1054100" y="543636"/>
-            <a:ext cx="7304088" cy="685800"/>
+            <a:off x="917622" y="516340"/>
+            <a:ext cx="4450791" cy="685800"/>
           </a:xfrm>
         </p:spPr>
         <p:txBody>
@@ -13669,17 +13472,17 @@
           <a:p>
             <a:r>
               <a:rPr lang="zh-CN" altLang="en-US" b="0" dirty="0"/>
-              <a:t>第三讲</a:t>
-            </a:r>
-          </a:p>
-        </p:txBody>
-      </p:sp>
-      <p:sp>
-        <p:nvSpPr>
-          <p:cNvPr id="4" name="文本框 3">
+              <a:t>课程总结</a:t>
+            </a:r>
+          </a:p>
+        </p:txBody>
+      </p:sp>
+      <p:sp>
+        <p:nvSpPr>
+          <p:cNvPr id="2" name="文本框 1">
             <a:extLst>
               <a:ext uri="{FF2B5EF4-FFF2-40B4-BE49-F238E27FC236}">
-                <a16:creationId xmlns:a16="http://schemas.microsoft.com/office/drawing/2014/main" id="{881044DB-5DAA-45FE-B324-1F8A47186361}"/>
+                <a16:creationId xmlns:a16="http://schemas.microsoft.com/office/drawing/2014/main" id="{7AD75054-8DC1-4463-9168-E869037F7160}"/>
               </a:ext>
             </a:extLst>
           </p:cNvPr>
@@ -13688,8 +13491,8 @@
         </p:nvSpPr>
         <p:spPr>
           <a:xfrm>
-            <a:off x="4058444" y="2343152"/>
-            <a:ext cx="5385594" cy="2062103"/>
+            <a:off x="1111045" y="1995948"/>
+            <a:ext cx="10284542" cy="2120902"/>
           </a:xfrm>
           <a:prstGeom prst="rect">
             <a:avLst/>
@@ -13702,154 +13505,155 @@
           </a:bodyPr>
           <a:lstStyle/>
           <a:p>
-            <a:pPr marL="514350" indent="-514350">
+            <a:pPr marL="285750" indent="-285750">
               <a:lnSpc>
-                <a:spcPct val="200000"/>
+                <a:spcPct val="150000"/>
               </a:lnSpc>
-              <a:buFont typeface="+mj-ea"/>
-              <a:buAutoNum type="ea1JpnChsDbPeriod"/>
+              <a:buFont typeface="Arial" panose="020B0604020202020204" pitchFamily="34" charset="0"/>
+              <a:buChar char="•"/>
             </a:pPr>
             <a:r>
-              <a:rPr lang="zh-CN" altLang="en-US" sz="2000" dirty="0">
-                <a:solidFill>
-                  <a:schemeClr val="tx1">
-                    <a:lumMod val="65000"/>
-                    <a:lumOff val="35000"/>
-                  </a:schemeClr>
-                </a:solidFill>
+              <a:rPr lang="zh-CN" altLang="en-US" dirty="0">
                 <a:latin typeface="微软雅黑" panose="020B0503020204020204" pitchFamily="34" charset="-122"/>
                 <a:ea typeface="微软雅黑" panose="020B0503020204020204" pitchFamily="34" charset="-122"/>
               </a:rPr>
-              <a:t>整体脉络</a:t>
-            </a:r>
-            <a:endParaRPr lang="en-US" altLang="zh-CN" sz="2000" dirty="0">
-              <a:solidFill>
-                <a:schemeClr val="tx1">
-                  <a:lumMod val="65000"/>
-                  <a:lumOff val="35000"/>
-                </a:schemeClr>
-              </a:solidFill>
+              <a:t>微信与移动</a:t>
+            </a:r>
+            <a:r>
+              <a:rPr lang="en-US" altLang="zh-CN" dirty="0">
+                <a:latin typeface="微软雅黑" panose="020B0503020204020204" pitchFamily="34" charset="-122"/>
+                <a:ea typeface="微软雅黑" panose="020B0503020204020204" pitchFamily="34" charset="-122"/>
+              </a:rPr>
+              <a:t>web</a:t>
+            </a:r>
+            <a:r>
+              <a:rPr lang="zh-CN" altLang="en-US" dirty="0">
+                <a:latin typeface="微软雅黑" panose="020B0503020204020204" pitchFamily="34" charset="-122"/>
+                <a:ea typeface="微软雅黑" panose="020B0503020204020204" pitchFamily="34" charset="-122"/>
+              </a:rPr>
+              <a:t>开发课程到此就要结束了。</a:t>
+            </a:r>
+            <a:endParaRPr lang="en-US" altLang="zh-CN" dirty="0">
               <a:latin typeface="微软雅黑" panose="020B0503020204020204" pitchFamily="34" charset="-122"/>
               <a:ea typeface="微软雅黑" panose="020B0503020204020204" pitchFamily="34" charset="-122"/>
             </a:endParaRPr>
           </a:p>
           <a:p>
-            <a:pPr marL="514350" indent="-514350">
+            <a:pPr marL="285750" indent="-285750">
               <a:lnSpc>
-                <a:spcPct val="200000"/>
+                <a:spcPct val="150000"/>
               </a:lnSpc>
-              <a:buFont typeface="+mj-ea"/>
-              <a:buAutoNum type="ea1JpnChsDbPeriod"/>
+              <a:buFont typeface="Arial" panose="020B0604020202020204" pitchFamily="34" charset="0"/>
+              <a:buChar char="•"/>
             </a:pPr>
             <a:r>
-              <a:rPr lang="zh-CN" altLang="en-US" sz="2000" dirty="0">
-                <a:solidFill>
-                  <a:schemeClr val="tx1">
-                    <a:lumMod val="65000"/>
-                    <a:lumOff val="35000"/>
-                  </a:schemeClr>
-                </a:solidFill>
+              <a:rPr lang="zh-CN" altLang="en-US" dirty="0">
                 <a:latin typeface="微软雅黑" panose="020B0503020204020204" pitchFamily="34" charset="-122"/>
                 <a:ea typeface="微软雅黑" panose="020B0503020204020204" pitchFamily="34" charset="-122"/>
               </a:rPr>
-              <a:t>重点回顾</a:t>
-            </a:r>
-            <a:endParaRPr lang="en-US" altLang="zh-CN" sz="2000" dirty="0">
-              <a:solidFill>
-                <a:schemeClr val="tx1">
-                  <a:lumMod val="65000"/>
-                  <a:lumOff val="35000"/>
-                </a:schemeClr>
-              </a:solidFill>
+              <a:t>本课程讲解了如何配置开发环境，如何调试。</a:t>
+            </a:r>
+            <a:endParaRPr lang="en-US" altLang="zh-CN" dirty="0">
               <a:latin typeface="微软雅黑" panose="020B0503020204020204" pitchFamily="34" charset="-122"/>
               <a:ea typeface="微软雅黑" panose="020B0503020204020204" pitchFamily="34" charset="-122"/>
             </a:endParaRPr>
           </a:p>
           <a:p>
-            <a:pPr marL="514350" indent="-514350">
+            <a:pPr marL="285750" indent="-285750">
               <a:lnSpc>
-                <a:spcPct val="200000"/>
+                <a:spcPct val="150000"/>
               </a:lnSpc>
-              <a:buFont typeface="+mj-ea"/>
-              <a:buAutoNum type="ea1JpnChsDbPeriod"/>
+              <a:buFont typeface="Arial" panose="020B0604020202020204" pitchFamily="34" charset="0"/>
+              <a:buChar char="•"/>
             </a:pPr>
             <a:r>
-              <a:rPr lang="zh-CN" altLang="en-US" sz="2400" dirty="0">
-                <a:solidFill>
-                  <a:schemeClr val="accent6">
-                    <a:lumMod val="75000"/>
-                  </a:schemeClr>
-                </a:solidFill>
+              <a:rPr lang="zh-CN" altLang="en-US" dirty="0">
                 <a:latin typeface="微软雅黑" panose="020B0503020204020204" pitchFamily="34" charset="-122"/>
                 <a:ea typeface="微软雅黑" panose="020B0503020204020204" pitchFamily="34" charset="-122"/>
               </a:rPr>
-              <a:t>总结</a:t>
-            </a:r>
-            <a:endParaRPr lang="en-US" altLang="zh-CN" sz="2400" dirty="0">
-              <a:solidFill>
-                <a:schemeClr val="accent6">
-                  <a:lumMod val="75000"/>
-                </a:schemeClr>
-              </a:solidFill>
+              <a:t>然后配置开发者服务器，进行消息回复处理与事件消息处理。</a:t>
+            </a:r>
+            <a:endParaRPr lang="en-US" altLang="zh-CN" dirty="0">
               <a:latin typeface="微软雅黑" panose="020B0503020204020204" pitchFamily="34" charset="-122"/>
               <a:ea typeface="微软雅黑" panose="020B0503020204020204" pitchFamily="34" charset="-122"/>
             </a:endParaRPr>
           </a:p>
-        </p:txBody>
-      </p:sp>
-    </p:spTree>
-    <p:extLst>
-      <p:ext uri="{BB962C8B-B14F-4D97-AF65-F5344CB8AC3E}">
-        <p14:creationId xmlns:p14="http://schemas.microsoft.com/office/powerpoint/2010/main" val="1928010297"/>
-      </p:ext>
-    </p:extLst>
-  </p:cSld>
-  <p:clrMapOvr>
-    <a:masterClrMapping/>
-  </p:clrMapOvr>
-</p:sld>
-</file>
-
-<file path=ppt/slides/slide14.xml><?xml version="1.0" encoding="utf-8"?>
-<p:sld xmlns:a="http://schemas.openxmlformats.org/drawingml/2006/main" xmlns:r="http://schemas.openxmlformats.org/officeDocument/2006/relationships" xmlns:p="http://schemas.openxmlformats.org/presentationml/2006/main">
-  <p:cSld>
-    <p:spTree>
-      <p:nvGrpSpPr>
-        <p:cNvPr id="1" name=""/>
-        <p:cNvGrpSpPr/>
-        <p:nvPr/>
-      </p:nvGrpSpPr>
-      <p:grpSpPr>
-        <a:xfrm>
-          <a:off x="0" y="0"/>
-          <a:ext cx="0" cy="0"/>
-          <a:chOff x="0" y="0"/>
-          <a:chExt cx="0" cy="0"/>
-        </a:xfrm>
-      </p:grpSpPr>
-      <p:sp>
-        <p:nvSpPr>
-          <p:cNvPr id="3" name="内容占位符 2"/>
-          <p:cNvSpPr>
-            <a:spLocks noGrp="1"/>
-          </p:cNvSpPr>
-          <p:nvPr>
-            <p:ph sz="quarter" idx="15"/>
-          </p:nvPr>
-        </p:nvSpPr>
-        <p:spPr>
-          <a:xfrm>
-            <a:off x="917622" y="516340"/>
-            <a:ext cx="7705268" cy="685800"/>
-          </a:xfrm>
-        </p:spPr>
-        <p:txBody>
-          <a:bodyPr/>
-          <a:lstStyle/>
-          <a:p>
-            <a:r>
-              <a:rPr lang="zh-CN" altLang="en-US" b="0" dirty="0"/>
-              <a:t>对微信平台的一点思考</a:t>
+          <a:p>
+            <a:pPr marL="285750" indent="-285750">
+              <a:lnSpc>
+                <a:spcPct val="150000"/>
+              </a:lnSpc>
+              <a:buFont typeface="Arial" panose="020B0604020202020204" pitchFamily="34" charset="0"/>
+              <a:buChar char="•"/>
+            </a:pPr>
+            <a:r>
+              <a:rPr lang="zh-CN" altLang="en-US" dirty="0">
+                <a:latin typeface="微软雅黑" panose="020B0503020204020204" pitchFamily="34" charset="-122"/>
+                <a:ea typeface="微软雅黑" panose="020B0503020204020204" pitchFamily="34" charset="-122"/>
+              </a:rPr>
+              <a:t>之后讲解了如何调用微信的接口，同时在调用接口的过程中扩展了</a:t>
+            </a:r>
+            <a:r>
+              <a:rPr lang="en-US" altLang="zh-CN" dirty="0">
+                <a:latin typeface="微软雅黑" panose="020B0503020204020204" pitchFamily="34" charset="-122"/>
+                <a:ea typeface="微软雅黑" panose="020B0503020204020204" pitchFamily="34" charset="-122"/>
+              </a:rPr>
+              <a:t>CURL</a:t>
+            </a:r>
+            <a:r>
+              <a:rPr lang="zh-CN" altLang="en-US" dirty="0">
+                <a:latin typeface="微软雅黑" panose="020B0503020204020204" pitchFamily="34" charset="-122"/>
+                <a:ea typeface="微软雅黑" panose="020B0503020204020204" pitchFamily="34" charset="-122"/>
+              </a:rPr>
+              <a:t>，</a:t>
+            </a:r>
+            <a:r>
+              <a:rPr lang="en-US" altLang="zh-CN" dirty="0">
+                <a:latin typeface="微软雅黑" panose="020B0503020204020204" pitchFamily="34" charset="-122"/>
+                <a:ea typeface="微软雅黑" panose="020B0503020204020204" pitchFamily="34" charset="-122"/>
+              </a:rPr>
+              <a:t>XML</a:t>
+            </a:r>
+            <a:r>
+              <a:rPr lang="zh-CN" altLang="en-US" dirty="0">
+                <a:latin typeface="微软雅黑" panose="020B0503020204020204" pitchFamily="34" charset="-122"/>
+                <a:ea typeface="微软雅黑" panose="020B0503020204020204" pitchFamily="34" charset="-122"/>
+              </a:rPr>
+              <a:t>，</a:t>
+            </a:r>
+            <a:r>
+              <a:rPr lang="en-US" altLang="zh-CN" dirty="0">
+                <a:latin typeface="微软雅黑" panose="020B0503020204020204" pitchFamily="34" charset="-122"/>
+                <a:ea typeface="微软雅黑" panose="020B0503020204020204" pitchFamily="34" charset="-122"/>
+              </a:rPr>
+              <a:t>JSON</a:t>
+            </a:r>
+            <a:r>
+              <a:rPr lang="zh-CN" altLang="en-US" dirty="0">
+                <a:latin typeface="微软雅黑" panose="020B0503020204020204" pitchFamily="34" charset="-122"/>
+                <a:ea typeface="微软雅黑" panose="020B0503020204020204" pitchFamily="34" charset="-122"/>
+              </a:rPr>
+              <a:t>等知识。</a:t>
+            </a:r>
+            <a:endParaRPr lang="en-US" altLang="zh-CN" dirty="0">
+              <a:latin typeface="微软雅黑" panose="020B0503020204020204" pitchFamily="34" charset="-122"/>
+              <a:ea typeface="微软雅黑" panose="020B0503020204020204" pitchFamily="34" charset="-122"/>
+            </a:endParaRPr>
+          </a:p>
+          <a:p>
+            <a:pPr marL="285750" indent="-285750">
+              <a:lnSpc>
+                <a:spcPct val="150000"/>
+              </a:lnSpc>
+              <a:buFont typeface="Arial" panose="020B0604020202020204" pitchFamily="34" charset="0"/>
+              <a:buChar char="•"/>
+            </a:pPr>
+            <a:r>
+              <a:rPr lang="zh-CN" altLang="en-US" dirty="0">
+                <a:latin typeface="微软雅黑" panose="020B0503020204020204" pitchFamily="34" charset="-122"/>
+                <a:ea typeface="微软雅黑" panose="020B0503020204020204" pitchFamily="34" charset="-122"/>
+              </a:rPr>
+              <a:t>本次课程结束，学生已具备完成微信开发的能力，并在实际业务场景中使用。</a:t>
             </a:r>
           </a:p>
         </p:txBody>
@@ -13867,198 +13671,7 @@
 </p:sld>
 </file>
 
-<file path=ppt/slides/slide15.xml><?xml version="1.0" encoding="utf-8"?>
-<p:sld xmlns:a="http://schemas.openxmlformats.org/drawingml/2006/main" xmlns:r="http://schemas.openxmlformats.org/officeDocument/2006/relationships" xmlns:p="http://schemas.openxmlformats.org/presentationml/2006/main">
-  <p:cSld>
-    <p:spTree>
-      <p:nvGrpSpPr>
-        <p:cNvPr id="1" name=""/>
-        <p:cNvGrpSpPr/>
-        <p:nvPr/>
-      </p:nvGrpSpPr>
-      <p:grpSpPr>
-        <a:xfrm>
-          <a:off x="0" y="0"/>
-          <a:ext cx="0" cy="0"/>
-          <a:chOff x="0" y="0"/>
-          <a:chExt cx="0" cy="0"/>
-        </a:xfrm>
-      </p:grpSpPr>
-      <p:sp>
-        <p:nvSpPr>
-          <p:cNvPr id="3" name="内容占位符 2"/>
-          <p:cNvSpPr>
-            <a:spLocks noGrp="1"/>
-          </p:cNvSpPr>
-          <p:nvPr>
-            <p:ph sz="quarter" idx="15"/>
-          </p:nvPr>
-        </p:nvSpPr>
-        <p:spPr>
-          <a:xfrm>
-            <a:off x="917622" y="516340"/>
-            <a:ext cx="7705268" cy="685800"/>
-          </a:xfrm>
-        </p:spPr>
-        <p:txBody>
-          <a:bodyPr/>
-          <a:lstStyle/>
-          <a:p>
-            <a:r>
-              <a:rPr lang="zh-CN" altLang="en-US" b="0" dirty="0"/>
-              <a:t>实际业务的需求</a:t>
-            </a:r>
-          </a:p>
-        </p:txBody>
-      </p:sp>
-    </p:spTree>
-    <p:extLst>
-      <p:ext uri="{BB962C8B-B14F-4D97-AF65-F5344CB8AC3E}">
-        <p14:creationId xmlns:p14="http://schemas.microsoft.com/office/powerpoint/2010/main" val="2026224558"/>
-      </p:ext>
-    </p:extLst>
-  </p:cSld>
-  <p:clrMapOvr>
-    <a:masterClrMapping/>
-  </p:clrMapOvr>
-</p:sld>
-</file>
-
-<file path=ppt/slides/slide16.xml><?xml version="1.0" encoding="utf-8"?>
-<p:sld xmlns:a="http://schemas.openxmlformats.org/drawingml/2006/main" xmlns:r="http://schemas.openxmlformats.org/officeDocument/2006/relationships" xmlns:p="http://schemas.openxmlformats.org/presentationml/2006/main">
-  <p:cSld>
-    <p:spTree>
-      <p:nvGrpSpPr>
-        <p:cNvPr id="1" name=""/>
-        <p:cNvGrpSpPr/>
-        <p:nvPr/>
-      </p:nvGrpSpPr>
-      <p:grpSpPr>
-        <a:xfrm>
-          <a:off x="0" y="0"/>
-          <a:ext cx="0" cy="0"/>
-          <a:chOff x="0" y="0"/>
-          <a:chExt cx="0" cy="0"/>
-        </a:xfrm>
-      </p:grpSpPr>
-      <p:sp>
-        <p:nvSpPr>
-          <p:cNvPr id="3" name="内容占位符 2"/>
-          <p:cNvSpPr>
-            <a:spLocks noGrp="1"/>
-          </p:cNvSpPr>
-          <p:nvPr>
-            <p:ph sz="quarter" idx="15"/>
-          </p:nvPr>
-        </p:nvSpPr>
-        <p:spPr>
-          <a:xfrm>
-            <a:off x="917622" y="516340"/>
-            <a:ext cx="8236210" cy="685800"/>
-          </a:xfrm>
-        </p:spPr>
-        <p:txBody>
-          <a:bodyPr/>
-          <a:lstStyle/>
-          <a:p>
-            <a:r>
-              <a:rPr lang="zh-CN" altLang="en-US" b="0" dirty="0"/>
-              <a:t>公众号管理后台</a:t>
-            </a:r>
-          </a:p>
-        </p:txBody>
-      </p:sp>
-      <p:sp>
-        <p:nvSpPr>
-          <p:cNvPr id="2" name="文本框 1"/>
-          <p:cNvSpPr txBox="1"/>
-          <p:nvPr/>
-        </p:nvSpPr>
-        <p:spPr>
-          <a:xfrm>
-            <a:off x="917622" y="1686724"/>
-            <a:ext cx="9568754" cy="1445717"/>
-          </a:xfrm>
-          <a:prstGeom prst="rect">
-            <a:avLst/>
-          </a:prstGeom>
-          <a:noFill/>
-        </p:spPr>
-        <p:txBody>
-          <a:bodyPr wrap="square" rtlCol="0">
-            <a:spAutoFit/>
-          </a:bodyPr>
-          <a:lstStyle/>
-          <a:p>
-            <a:pPr marL="285750" indent="-285750">
-              <a:lnSpc>
-                <a:spcPts val="2700"/>
-              </a:lnSpc>
-              <a:buFont typeface="Arial" panose="020B0604020202020204" pitchFamily="34" charset="0"/>
-              <a:buChar char="•"/>
-            </a:pPr>
-            <a:r>
-              <a:rPr lang="zh-CN" altLang="en-US" dirty="0">
-                <a:latin typeface="微软雅黑" panose="020B0503020204020204" pitchFamily="34" charset="-122"/>
-                <a:ea typeface="微软雅黑" panose="020B0503020204020204" pitchFamily="34" charset="-122"/>
-              </a:rPr>
-              <a:t>公众号管理后台已经实现了大部分运用公众号的基本操作，大部分操作直接登录完成即可，比自己开发一套出来要方便省时。</a:t>
-            </a:r>
-            <a:endParaRPr lang="en-US" altLang="zh-CN" dirty="0">
-              <a:latin typeface="微软雅黑" panose="020B0503020204020204" pitchFamily="34" charset="-122"/>
-              <a:ea typeface="微软雅黑" panose="020B0503020204020204" pitchFamily="34" charset="-122"/>
-            </a:endParaRPr>
-          </a:p>
-          <a:p>
-            <a:pPr marL="285750" indent="-285750">
-              <a:lnSpc>
-                <a:spcPts val="2700"/>
-              </a:lnSpc>
-              <a:buFont typeface="Arial" panose="020B0604020202020204" pitchFamily="34" charset="0"/>
-              <a:buChar char="•"/>
-            </a:pPr>
-            <a:r>
-              <a:rPr lang="zh-CN" altLang="en-US" dirty="0">
-                <a:latin typeface="微软雅黑" panose="020B0503020204020204" pitchFamily="34" charset="-122"/>
-                <a:ea typeface="微软雅黑" panose="020B0503020204020204" pitchFamily="34" charset="-122"/>
-              </a:rPr>
-              <a:t>如果是需要原始的</a:t>
-            </a:r>
-            <a:r>
-              <a:rPr lang="en-US" altLang="zh-CN" dirty="0">
-                <a:latin typeface="微软雅黑" panose="020B0503020204020204" pitchFamily="34" charset="-122"/>
-                <a:ea typeface="微软雅黑" panose="020B0503020204020204" pitchFamily="34" charset="-122"/>
-              </a:rPr>
-              <a:t>JSON</a:t>
-            </a:r>
-            <a:r>
-              <a:rPr lang="zh-CN" altLang="en-US" dirty="0">
-                <a:latin typeface="微软雅黑" panose="020B0503020204020204" pitchFamily="34" charset="-122"/>
-                <a:ea typeface="微软雅黑" panose="020B0503020204020204" pitchFamily="34" charset="-122"/>
-              </a:rPr>
-              <a:t>格式的数据，则需要调用接口查询数据然后返回。回复消息希望更加智能则需要配置接入服务器。</a:t>
-            </a:r>
-            <a:endParaRPr lang="en-US" altLang="zh-CN" dirty="0">
-              <a:latin typeface="微软雅黑" panose="020B0503020204020204" pitchFamily="34" charset="-122"/>
-              <a:ea typeface="微软雅黑" panose="020B0503020204020204" pitchFamily="34" charset="-122"/>
-            </a:endParaRPr>
-          </a:p>
-        </p:txBody>
-      </p:sp>
-    </p:spTree>
-    <p:extLst>
-      <p:ext uri="{BB962C8B-B14F-4D97-AF65-F5344CB8AC3E}">
-        <p14:creationId xmlns:p14="http://schemas.microsoft.com/office/powerpoint/2010/main" val="247829176"/>
-      </p:ext>
-    </p:extLst>
-  </p:cSld>
-  <p:clrMapOvr>
-    <a:masterClrMapping/>
-  </p:clrMapOvr>
-</p:sld>
-</file>
-
-<file path=ppt/slides/slide17.xml><?xml version="1.0" encoding="utf-8"?>
+<file path=ppt/slides/slide14.xml><?xml version="1.0" encoding="utf-8"?>
 <p:sld xmlns:a="http://schemas.openxmlformats.org/drawingml/2006/main" xmlns:r="http://schemas.openxmlformats.org/officeDocument/2006/relationships" xmlns:p="http://schemas.openxmlformats.org/presentationml/2006/main">
   <p:cSld>
     <p:spTree>
@@ -15768,15 +15381,138 @@
           <a:p>
             <a:r>
               <a:rPr lang="zh-CN" altLang="en-US" b="0" dirty="0"/>
-              <a:t>分工与合作</a:t>
-            </a:r>
+              <a:t>第二讲</a:t>
+            </a:r>
+          </a:p>
+        </p:txBody>
+      </p:sp>
+      <p:sp>
+        <p:nvSpPr>
+          <p:cNvPr id="5" name="文本框 4">
+            <a:extLst>
+              <a:ext uri="{FF2B5EF4-FFF2-40B4-BE49-F238E27FC236}">
+                <a16:creationId xmlns:a16="http://schemas.microsoft.com/office/drawing/2014/main" id="{DF540757-2DF2-4689-9860-0FF6F3C265D1}"/>
+              </a:ext>
+            </a:extLst>
+          </p:cNvPr>
+          <p:cNvSpPr txBox="1"/>
+          <p:nvPr/>
+        </p:nvSpPr>
+        <p:spPr>
+          <a:xfrm>
+            <a:off x="4058444" y="2343152"/>
+            <a:ext cx="5385594" cy="2062103"/>
+          </a:xfrm>
+          <a:prstGeom prst="rect">
+            <a:avLst/>
+          </a:prstGeom>
+          <a:noFill/>
+        </p:spPr>
+        <p:txBody>
+          <a:bodyPr wrap="square" rtlCol="0">
+            <a:spAutoFit/>
+          </a:bodyPr>
+          <a:lstStyle/>
+          <a:p>
+            <a:pPr marL="514350" indent="-514350">
+              <a:lnSpc>
+                <a:spcPct val="200000"/>
+              </a:lnSpc>
+              <a:buFont typeface="+mj-ea"/>
+              <a:buAutoNum type="ea1JpnChsDbPeriod"/>
+            </a:pPr>
+            <a:r>
+              <a:rPr lang="zh-CN" altLang="en-US" sz="2000" dirty="0">
+                <a:solidFill>
+                  <a:schemeClr val="tx1">
+                    <a:lumMod val="65000"/>
+                    <a:lumOff val="35000"/>
+                  </a:schemeClr>
+                </a:solidFill>
+                <a:latin typeface="微软雅黑" panose="020B0503020204020204" pitchFamily="34" charset="-122"/>
+                <a:ea typeface="微软雅黑" panose="020B0503020204020204" pitchFamily="34" charset="-122"/>
+              </a:rPr>
+              <a:t>整体脉络</a:t>
+            </a:r>
+            <a:endParaRPr lang="en-US" altLang="zh-CN" sz="2000" dirty="0">
+              <a:solidFill>
+                <a:schemeClr val="tx1">
+                  <a:lumMod val="65000"/>
+                  <a:lumOff val="35000"/>
+                </a:schemeClr>
+              </a:solidFill>
+              <a:latin typeface="微软雅黑" panose="020B0503020204020204" pitchFamily="34" charset="-122"/>
+              <a:ea typeface="微软雅黑" panose="020B0503020204020204" pitchFamily="34" charset="-122"/>
+            </a:endParaRPr>
+          </a:p>
+          <a:p>
+            <a:pPr marL="514350" indent="-514350">
+              <a:lnSpc>
+                <a:spcPct val="200000"/>
+              </a:lnSpc>
+              <a:buFont typeface="+mj-ea"/>
+              <a:buAutoNum type="ea1JpnChsDbPeriod"/>
+            </a:pPr>
+            <a:r>
+              <a:rPr lang="zh-CN" altLang="en-US" sz="2400" dirty="0">
+                <a:solidFill>
+                  <a:schemeClr val="accent6">
+                    <a:lumMod val="75000"/>
+                  </a:schemeClr>
+                </a:solidFill>
+                <a:latin typeface="微软雅黑" panose="020B0503020204020204" pitchFamily="34" charset="-122"/>
+                <a:ea typeface="微软雅黑" panose="020B0503020204020204" pitchFamily="34" charset="-122"/>
+              </a:rPr>
+              <a:t>重点回顾</a:t>
+            </a:r>
+            <a:endParaRPr lang="en-US" altLang="zh-CN" sz="2400" dirty="0">
+              <a:solidFill>
+                <a:schemeClr val="accent6">
+                  <a:lumMod val="75000"/>
+                </a:schemeClr>
+              </a:solidFill>
+              <a:latin typeface="微软雅黑" panose="020B0503020204020204" pitchFamily="34" charset="-122"/>
+              <a:ea typeface="微软雅黑" panose="020B0503020204020204" pitchFamily="34" charset="-122"/>
+            </a:endParaRPr>
+          </a:p>
+          <a:p>
+            <a:pPr marL="514350" indent="-514350">
+              <a:lnSpc>
+                <a:spcPct val="200000"/>
+              </a:lnSpc>
+              <a:buFont typeface="+mj-ea"/>
+              <a:buAutoNum type="ea1JpnChsDbPeriod"/>
+            </a:pPr>
+            <a:r>
+              <a:rPr lang="zh-CN" altLang="en-US" sz="2000" dirty="0">
+                <a:solidFill>
+                  <a:schemeClr val="tx1">
+                    <a:lumMod val="65000"/>
+                    <a:lumOff val="35000"/>
+                  </a:schemeClr>
+                </a:solidFill>
+                <a:latin typeface="微软雅黑" panose="020B0503020204020204" pitchFamily="34" charset="-122"/>
+                <a:ea typeface="微软雅黑" panose="020B0503020204020204" pitchFamily="34" charset="-122"/>
+              </a:rPr>
+              <a:t>总结</a:t>
+            </a:r>
+            <a:endParaRPr lang="en-US" altLang="zh-CN" sz="2000" dirty="0">
+              <a:solidFill>
+                <a:schemeClr val="tx1">
+                  <a:lumMod val="65000"/>
+                  <a:lumOff val="35000"/>
+                </a:schemeClr>
+              </a:solidFill>
+              <a:latin typeface="微软雅黑" panose="020B0503020204020204" pitchFamily="34" charset="-122"/>
+              <a:ea typeface="微软雅黑" panose="020B0503020204020204" pitchFamily="34" charset="-122"/>
+            </a:endParaRPr>
           </a:p>
         </p:txBody>
       </p:sp>
     </p:spTree>
     <p:extLst>
       <p:ext uri="{BB962C8B-B14F-4D97-AF65-F5344CB8AC3E}">
-        <p14:creationId xmlns:p14="http://schemas.microsoft.com/office/powerpoint/2010/main" val="3794761174"/>
+        <p14:creationId xmlns:p14="http://schemas.microsoft.com/office/powerpoint/2010/main" val="2999457395"/>
       </p:ext>
     </p:extLst>
   </p:cSld>
@@ -15813,34 +15549,33 @@
             <p:ph sz="quarter" idx="13"/>
           </p:nvPr>
         </p:nvSpPr>
-        <p:spPr/>
+        <p:spPr>
+          <a:xfrm>
+            <a:off x="1054099" y="543636"/>
+            <a:ext cx="7529461" cy="685800"/>
+          </a:xfrm>
+        </p:spPr>
         <p:txBody>
           <a:bodyPr/>
           <a:lstStyle/>
           <a:p>
             <a:r>
               <a:rPr lang="zh-CN" altLang="en-US" b="0" dirty="0"/>
-              <a:t>第二讲</a:t>
-            </a:r>
-          </a:p>
-        </p:txBody>
-      </p:sp>
-      <p:sp>
-        <p:nvSpPr>
-          <p:cNvPr id="5" name="文本框 4">
-            <a:extLst>
-              <a:ext uri="{FF2B5EF4-FFF2-40B4-BE49-F238E27FC236}">
-                <a16:creationId xmlns:a16="http://schemas.microsoft.com/office/drawing/2014/main" id="{DF540757-2DF2-4689-9860-0FF6F3C265D1}"/>
-              </a:ext>
-            </a:extLst>
-          </p:cNvPr>
+              <a:t>开发过程要注意的问题</a:t>
+            </a:r>
+          </a:p>
+        </p:txBody>
+      </p:sp>
+      <p:sp>
+        <p:nvSpPr>
+          <p:cNvPr id="3" name="文本框 2"/>
           <p:cNvSpPr txBox="1"/>
           <p:nvPr/>
         </p:nvSpPr>
         <p:spPr>
           <a:xfrm>
-            <a:off x="4058444" y="2343152"/>
-            <a:ext cx="5385594" cy="2062103"/>
+            <a:off x="1054099" y="1645920"/>
+            <a:ext cx="10485120" cy="3831818"/>
           </a:xfrm>
           <a:prstGeom prst="rect">
             <a:avLst/>
@@ -15853,105 +15588,295 @@
           </a:bodyPr>
           <a:lstStyle/>
           <a:p>
-            <a:pPr marL="514350" indent="-514350">
+            <a:pPr marL="285750" indent="-285750">
               <a:lnSpc>
-                <a:spcPct val="200000"/>
+                <a:spcPct val="150000"/>
               </a:lnSpc>
-              <a:buFont typeface="+mj-ea"/>
-              <a:buAutoNum type="ea1JpnChsDbPeriod"/>
+              <a:buFont typeface="Arial" panose="020B0604020202020204" pitchFamily="34" charset="0"/>
+              <a:buChar char="•"/>
             </a:pPr>
             <a:r>
-              <a:rPr lang="zh-CN" altLang="en-US" sz="2000" dirty="0">
-                <a:solidFill>
-                  <a:schemeClr val="tx1">
-                    <a:lumMod val="65000"/>
-                    <a:lumOff val="35000"/>
-                  </a:schemeClr>
-                </a:solidFill>
-                <a:latin typeface="微软雅黑" panose="020B0503020204020204" pitchFamily="34" charset="-122"/>
+              <a:rPr lang="zh-CN" altLang="en-US" dirty="0">
+                <a:latin typeface="Calibri" panose="020F0502020204030204" pitchFamily="34" charset="0"/>
                 <a:ea typeface="微软雅黑" panose="020B0503020204020204" pitchFamily="34" charset="-122"/>
               </a:rPr>
-              <a:t>整体脉络</a:t>
-            </a:r>
-            <a:endParaRPr lang="en-US" altLang="zh-CN" sz="2000" dirty="0">
-              <a:solidFill>
-                <a:schemeClr val="tx1">
-                  <a:lumMod val="65000"/>
-                  <a:lumOff val="35000"/>
-                </a:schemeClr>
-              </a:solidFill>
-              <a:latin typeface="微软雅黑" panose="020B0503020204020204" pitchFamily="34" charset="-122"/>
+              <a:t>开发者配置要按照要求配置好，启用加密注意密钥的位数要求。</a:t>
+            </a:r>
+            <a:endParaRPr lang="en-US" altLang="zh-CN" dirty="0">
+              <a:latin typeface="Calibri" panose="020F0502020204030204" pitchFamily="34" charset="0"/>
               <a:ea typeface="微软雅黑" panose="020B0503020204020204" pitchFamily="34" charset="-122"/>
             </a:endParaRPr>
           </a:p>
           <a:p>
-            <a:pPr marL="514350" indent="-514350">
+            <a:pPr marL="285750" indent="-285750">
               <a:lnSpc>
-                <a:spcPct val="200000"/>
+                <a:spcPct val="150000"/>
               </a:lnSpc>
-              <a:buFont typeface="+mj-ea"/>
-              <a:buAutoNum type="ea1JpnChsDbPeriod"/>
+              <a:buFont typeface="Arial" panose="020B0604020202020204" pitchFamily="34" charset="0"/>
+              <a:buChar char="•"/>
             </a:pPr>
             <a:r>
-              <a:rPr lang="zh-CN" altLang="en-US" sz="2400" dirty="0">
-                <a:solidFill>
-                  <a:schemeClr val="accent6">
-                    <a:lumMod val="75000"/>
-                  </a:schemeClr>
-                </a:solidFill>
-                <a:latin typeface="微软雅黑" panose="020B0503020204020204" pitchFamily="34" charset="-122"/>
+              <a:rPr lang="zh-CN" altLang="en-US" dirty="0">
+                <a:latin typeface="Calibri" panose="020F0502020204030204" pitchFamily="34" charset="0"/>
                 <a:ea typeface="微软雅黑" panose="020B0503020204020204" pitchFamily="34" charset="-122"/>
               </a:rPr>
-              <a:t>重点回顾</a:t>
-            </a:r>
-            <a:endParaRPr lang="en-US" altLang="zh-CN" sz="2400" dirty="0">
-              <a:solidFill>
-                <a:schemeClr val="accent6">
-                  <a:lumMod val="75000"/>
-                </a:schemeClr>
-              </a:solidFill>
-              <a:latin typeface="微软雅黑" panose="020B0503020204020204" pitchFamily="34" charset="-122"/>
+              <a:t>开发者配置的</a:t>
+            </a:r>
+            <a:r>
+              <a:rPr lang="en-US" altLang="zh-CN" dirty="0">
+                <a:latin typeface="Calibri" panose="020F0502020204030204" pitchFamily="34" charset="0"/>
+                <a:ea typeface="微软雅黑" panose="020B0503020204020204" pitchFamily="34" charset="-122"/>
+              </a:rPr>
+              <a:t>URL</a:t>
+            </a:r>
+            <a:r>
+              <a:rPr lang="zh-CN" altLang="en-US" dirty="0">
+                <a:latin typeface="Calibri" panose="020F0502020204030204" pitchFamily="34" charset="0"/>
+                <a:ea typeface="微软雅黑" panose="020B0503020204020204" pitchFamily="34" charset="-122"/>
+              </a:rPr>
+              <a:t>验证与回复消息是互斥的，注意配置过程中修改代码。</a:t>
+            </a:r>
+            <a:endParaRPr lang="en-US" altLang="zh-CN" dirty="0">
+              <a:latin typeface="Calibri" panose="020F0502020204030204" pitchFamily="34" charset="0"/>
               <a:ea typeface="微软雅黑" panose="020B0503020204020204" pitchFamily="34" charset="-122"/>
             </a:endParaRPr>
           </a:p>
           <a:p>
-            <a:pPr marL="514350" indent="-514350">
+            <a:pPr marL="285750" indent="-285750">
               <a:lnSpc>
-                <a:spcPct val="200000"/>
+                <a:spcPct val="150000"/>
               </a:lnSpc>
-              <a:buFont typeface="+mj-ea"/>
-              <a:buAutoNum type="ea1JpnChsDbPeriod"/>
+              <a:buFont typeface="Arial" panose="020B0604020202020204" pitchFamily="34" charset="0"/>
+              <a:buChar char="•"/>
             </a:pPr>
             <a:r>
-              <a:rPr lang="zh-CN" altLang="en-US" sz="2000" dirty="0">
-                <a:solidFill>
-                  <a:schemeClr val="tx1">
-                    <a:lumMod val="65000"/>
-                    <a:lumOff val="35000"/>
-                  </a:schemeClr>
-                </a:solidFill>
-                <a:latin typeface="微软雅黑" panose="020B0503020204020204" pitchFamily="34" charset="-122"/>
+              <a:rPr lang="zh-CN" altLang="en-US" dirty="0">
+                <a:latin typeface="Calibri" panose="020F0502020204030204" pitchFamily="34" charset="0"/>
                 <a:ea typeface="微软雅黑" panose="020B0503020204020204" pitchFamily="34" charset="-122"/>
               </a:rPr>
-              <a:t>总结</a:t>
-            </a:r>
-            <a:endParaRPr lang="en-US" altLang="zh-CN" sz="2000" dirty="0">
-              <a:solidFill>
-                <a:schemeClr val="tx1">
-                  <a:lumMod val="65000"/>
-                  <a:lumOff val="35000"/>
-                </a:schemeClr>
-              </a:solidFill>
-              <a:latin typeface="微软雅黑" panose="020B0503020204020204" pitchFamily="34" charset="-122"/>
+              <a:t>注意</a:t>
+            </a:r>
+            <a:r>
+              <a:rPr lang="en-US" altLang="zh-CN" dirty="0">
+                <a:latin typeface="Calibri" panose="020F0502020204030204" pitchFamily="34" charset="0"/>
+                <a:ea typeface="微软雅黑" panose="020B0503020204020204" pitchFamily="34" charset="-122"/>
+              </a:rPr>
+              <a:t>PHP</a:t>
+            </a:r>
+            <a:r>
+              <a:rPr lang="zh-CN" altLang="en-US" dirty="0">
+                <a:latin typeface="Calibri" panose="020F0502020204030204" pitchFamily="34" charset="0"/>
+                <a:ea typeface="微软雅黑" panose="020B0503020204020204" pitchFamily="34" charset="-122"/>
+              </a:rPr>
+              <a:t>版本导致的处理错误，微信提供的</a:t>
+            </a:r>
+            <a:r>
+              <a:rPr lang="en-US" altLang="zh-CN" dirty="0">
+                <a:latin typeface="Calibri" panose="020F0502020204030204" pitchFamily="34" charset="0"/>
+                <a:ea typeface="微软雅黑" panose="020B0503020204020204" pitchFamily="34" charset="-122"/>
+              </a:rPr>
+              <a:t>SDK</a:t>
+            </a:r>
+            <a:r>
+              <a:rPr lang="zh-CN" altLang="en-US" dirty="0">
+                <a:latin typeface="Calibri" panose="020F0502020204030204" pitchFamily="34" charset="0"/>
+                <a:ea typeface="微软雅黑" panose="020B0503020204020204" pitchFamily="34" charset="-122"/>
+              </a:rPr>
+              <a:t>以及示例代码都是使用旧版本的</a:t>
+            </a:r>
+            <a:r>
+              <a:rPr lang="en-US" altLang="zh-CN" dirty="0">
+                <a:latin typeface="Calibri" panose="020F0502020204030204" pitchFamily="34" charset="0"/>
+                <a:ea typeface="微软雅黑" panose="020B0503020204020204" pitchFamily="34" charset="-122"/>
+              </a:rPr>
+              <a:t>PHP</a:t>
+            </a:r>
+            <a:r>
+              <a:rPr lang="zh-CN" altLang="en-US" dirty="0">
+                <a:latin typeface="Calibri" panose="020F0502020204030204" pitchFamily="34" charset="0"/>
+                <a:ea typeface="微软雅黑" panose="020B0503020204020204" pitchFamily="34" charset="-122"/>
+              </a:rPr>
+              <a:t>完成的，如果使用的话，注意修改相应的语法。</a:t>
+            </a:r>
+            <a:endParaRPr lang="en-US" altLang="zh-CN" dirty="0">
+              <a:latin typeface="Calibri" panose="020F0502020204030204" pitchFamily="34" charset="0"/>
               <a:ea typeface="微软雅黑" panose="020B0503020204020204" pitchFamily="34" charset="-122"/>
             </a:endParaRPr>
+          </a:p>
+          <a:p>
+            <a:pPr marL="285750" indent="-285750">
+              <a:lnSpc>
+                <a:spcPct val="150000"/>
+              </a:lnSpc>
+              <a:buFont typeface="Arial" panose="020B0604020202020204" pitchFamily="34" charset="0"/>
+              <a:buChar char="•"/>
+            </a:pPr>
+            <a:r>
+              <a:rPr lang="zh-CN" altLang="en-US" dirty="0">
+                <a:latin typeface="Calibri" panose="020F0502020204030204" pitchFamily="34" charset="0"/>
+                <a:ea typeface="微软雅黑" panose="020B0503020204020204" pitchFamily="34" charset="-122"/>
+              </a:rPr>
+              <a:t>注意接口调用的频次限制，对于需要缓存的数据要有缓存处理，避免频繁地发起请求。</a:t>
+            </a:r>
+            <a:endParaRPr lang="en-US" altLang="zh-CN" dirty="0">
+              <a:latin typeface="Calibri" panose="020F0502020204030204" pitchFamily="34" charset="0"/>
+              <a:ea typeface="微软雅黑" panose="020B0503020204020204" pitchFamily="34" charset="-122"/>
+            </a:endParaRPr>
+          </a:p>
+          <a:p>
+            <a:pPr marL="285750" indent="-285750">
+              <a:lnSpc>
+                <a:spcPct val="150000"/>
+              </a:lnSpc>
+              <a:buFont typeface="Arial" panose="020B0604020202020204" pitchFamily="34" charset="0"/>
+              <a:buChar char="•"/>
+            </a:pPr>
+            <a:r>
+              <a:rPr lang="zh-CN" altLang="en-US" dirty="0">
+                <a:latin typeface="Calibri" panose="020F0502020204030204" pitchFamily="34" charset="0"/>
+                <a:ea typeface="微软雅黑" panose="020B0503020204020204" pitchFamily="34" charset="-122"/>
+              </a:rPr>
+              <a:t>配置</a:t>
+            </a:r>
+            <a:r>
+              <a:rPr lang="en-US" altLang="zh-CN" dirty="0">
+                <a:latin typeface="Calibri" panose="020F0502020204030204" pitchFamily="34" charset="0"/>
+                <a:ea typeface="微软雅黑" panose="020B0503020204020204" pitchFamily="34" charset="-122"/>
+              </a:rPr>
+              <a:t>JS-SDK</a:t>
+            </a:r>
+            <a:r>
+              <a:rPr lang="zh-CN" altLang="en-US" dirty="0">
+                <a:latin typeface="Calibri" panose="020F0502020204030204" pitchFamily="34" charset="0"/>
+                <a:ea typeface="微软雅黑" panose="020B0503020204020204" pitchFamily="34" charset="-122"/>
+              </a:rPr>
+              <a:t>以及支付授权目录注意要求，填写域名要与格式对应，</a:t>
+            </a:r>
+            <a:r>
+              <a:rPr lang="en-US" altLang="zh-CN" dirty="0">
+                <a:latin typeface="Calibri" panose="020F0502020204030204" pitchFamily="34" charset="0"/>
+                <a:ea typeface="微软雅黑" panose="020B0503020204020204" pitchFamily="34" charset="-122"/>
+              </a:rPr>
+              <a:t>JS-SDK</a:t>
+            </a:r>
+            <a:r>
+              <a:rPr lang="zh-CN" altLang="en-US" dirty="0">
+                <a:latin typeface="Calibri" panose="020F0502020204030204" pitchFamily="34" charset="0"/>
+                <a:ea typeface="微软雅黑" panose="020B0503020204020204" pitchFamily="34" charset="-122"/>
+              </a:rPr>
+              <a:t>配置安全域名使用以及域名即可，后面无需加具体路径。</a:t>
+            </a:r>
+            <a:endParaRPr lang="en-US" altLang="zh-CN" dirty="0">
+              <a:latin typeface="Calibri" panose="020F0502020204030204" pitchFamily="34" charset="0"/>
+              <a:ea typeface="微软雅黑" panose="020B0503020204020204" pitchFamily="34" charset="-122"/>
+            </a:endParaRPr>
+          </a:p>
+          <a:p>
+            <a:pPr marL="285750" indent="-285750">
+              <a:lnSpc>
+                <a:spcPct val="150000"/>
+              </a:lnSpc>
+              <a:buFont typeface="Arial" panose="020B0604020202020204" pitchFamily="34" charset="0"/>
+              <a:buChar char="•"/>
+            </a:pPr>
+            <a:r>
+              <a:rPr lang="zh-CN" altLang="en-US" dirty="0">
+                <a:latin typeface="Calibri" panose="020F0502020204030204" pitchFamily="34" charset="0"/>
+                <a:ea typeface="微软雅黑" panose="020B0503020204020204" pitchFamily="34" charset="-122"/>
+              </a:rPr>
+              <a:t>调用接口提交</a:t>
+            </a:r>
+            <a:r>
+              <a:rPr lang="en-US" altLang="zh-CN" dirty="0">
+                <a:latin typeface="Calibri" panose="020F0502020204030204" pitchFamily="34" charset="0"/>
+                <a:ea typeface="微软雅黑" panose="020B0503020204020204" pitchFamily="34" charset="-122"/>
+              </a:rPr>
+              <a:t>POST</a:t>
+            </a:r>
+            <a:r>
+              <a:rPr lang="zh-CN" altLang="en-US" dirty="0">
+                <a:latin typeface="Calibri" panose="020F0502020204030204" pitchFamily="34" charset="0"/>
+                <a:ea typeface="微软雅黑" panose="020B0503020204020204" pitchFamily="34" charset="-122"/>
+              </a:rPr>
+              <a:t>数据，如果使用</a:t>
+            </a:r>
+            <a:r>
+              <a:rPr lang="en-US" altLang="zh-CN" dirty="0" err="1">
+                <a:latin typeface="Calibri" panose="020F0502020204030204" pitchFamily="34" charset="0"/>
+                <a:ea typeface="微软雅黑" panose="020B0503020204020204" pitchFamily="34" charset="-122"/>
+              </a:rPr>
+              <a:t>json_encode</a:t>
+            </a:r>
+            <a:r>
+              <a:rPr lang="zh-CN" altLang="en-US" dirty="0">
+                <a:latin typeface="Calibri" panose="020F0502020204030204" pitchFamily="34" charset="0"/>
+                <a:ea typeface="微软雅黑" panose="020B0503020204020204" pitchFamily="34" charset="-122"/>
+              </a:rPr>
+              <a:t>函数转换成</a:t>
+            </a:r>
+            <a:r>
+              <a:rPr lang="en-US" altLang="zh-CN" dirty="0">
+                <a:latin typeface="Calibri" panose="020F0502020204030204" pitchFamily="34" charset="0"/>
+                <a:ea typeface="微软雅黑" panose="020B0503020204020204" pitchFamily="34" charset="-122"/>
+              </a:rPr>
+              <a:t>JSON</a:t>
+            </a:r>
+            <a:r>
+              <a:rPr lang="zh-CN" altLang="en-US" dirty="0">
+                <a:latin typeface="Calibri" panose="020F0502020204030204" pitchFamily="34" charset="0"/>
+                <a:ea typeface="微软雅黑" panose="020B0503020204020204" pitchFamily="34" charset="-122"/>
+              </a:rPr>
+              <a:t>格式，则注意要加选项</a:t>
+            </a:r>
+            <a:r>
+              <a:rPr lang="en-US" altLang="zh-CN" dirty="0">
+                <a:latin typeface="Calibri" panose="020F0502020204030204" pitchFamily="34" charset="0"/>
+                <a:ea typeface="微软雅黑" panose="020B0503020204020204" pitchFamily="34" charset="-122"/>
+              </a:rPr>
+              <a:t>JSON_UNESCAPED_UNICODE</a:t>
+            </a:r>
+            <a:r>
+              <a:rPr lang="zh-CN" altLang="en-US" dirty="0">
+                <a:latin typeface="Calibri" panose="020F0502020204030204" pitchFamily="34" charset="0"/>
+                <a:ea typeface="微软雅黑" panose="020B0503020204020204" pitchFamily="34" charset="-122"/>
+              </a:rPr>
+              <a:t>选项，否则中文会被转化成</a:t>
+            </a:r>
+            <a:r>
+              <a:rPr lang="en-US" altLang="zh-CN" dirty="0">
+                <a:latin typeface="Calibri" panose="020F0502020204030204" pitchFamily="34" charset="0"/>
+                <a:ea typeface="微软雅黑" panose="020B0503020204020204" pitchFamily="34" charset="-122"/>
+              </a:rPr>
+              <a:t>\u</a:t>
+            </a:r>
+            <a:r>
+              <a:rPr lang="zh-CN" altLang="en-US" dirty="0">
+                <a:latin typeface="Calibri" panose="020F0502020204030204" pitchFamily="34" charset="0"/>
+                <a:ea typeface="微软雅黑" panose="020B0503020204020204" pitchFamily="34" charset="-122"/>
+              </a:rPr>
+              <a:t>开头的</a:t>
+            </a:r>
+            <a:r>
+              <a:rPr lang="en-US" altLang="zh-CN" dirty="0">
+                <a:latin typeface="Calibri" panose="020F0502020204030204" pitchFamily="34" charset="0"/>
+                <a:ea typeface="微软雅黑" panose="020B0503020204020204" pitchFamily="34" charset="-122"/>
+              </a:rPr>
+              <a:t>utf-8</a:t>
+            </a:r>
+            <a:r>
+              <a:rPr lang="zh-CN" altLang="en-US" dirty="0">
+                <a:latin typeface="Calibri" panose="020F0502020204030204" pitchFamily="34" charset="0"/>
+                <a:ea typeface="微软雅黑" panose="020B0503020204020204" pitchFamily="34" charset="-122"/>
+              </a:rPr>
+              <a:t>编码值，微信会提示错误。</a:t>
+            </a:r>
           </a:p>
         </p:txBody>
       </p:sp>
     </p:spTree>
     <p:extLst>
       <p:ext uri="{BB962C8B-B14F-4D97-AF65-F5344CB8AC3E}">
-        <p14:creationId xmlns:p14="http://schemas.microsoft.com/office/powerpoint/2010/main" val="2999457395"/>
+        <p14:creationId xmlns:p14="http://schemas.microsoft.com/office/powerpoint/2010/main" val="2902273865"/>
       </p:ext>
     </p:extLst>
   </p:cSld>
@@ -15988,33 +15913,38 @@
             <p:ph sz="quarter" idx="13"/>
           </p:nvPr>
         </p:nvSpPr>
+        <p:spPr/>
+        <p:txBody>
+          <a:bodyPr/>
+          <a:lstStyle/>
+          <a:p>
+            <a:r>
+              <a:rPr lang="en-US" altLang="zh-CN" b="0" dirty="0"/>
+              <a:t>CURL</a:t>
+            </a:r>
+            <a:r>
+              <a:rPr lang="zh-CN" altLang="en-US" b="0" dirty="0"/>
+              <a:t>重点</a:t>
+            </a:r>
+          </a:p>
+        </p:txBody>
+      </p:sp>
+      <p:sp>
+        <p:nvSpPr>
+          <p:cNvPr id="3" name="文本框 2">
+            <a:extLst>
+              <a:ext uri="{FF2B5EF4-FFF2-40B4-BE49-F238E27FC236}">
+                <a16:creationId xmlns:a16="http://schemas.microsoft.com/office/drawing/2014/main" id="{0C31CB6B-CC81-4C1B-9B8F-E22CECAB985E}"/>
+              </a:ext>
+            </a:extLst>
+          </p:cNvPr>
+          <p:cNvSpPr txBox="1"/>
+          <p:nvPr/>
+        </p:nvSpPr>
         <p:spPr>
           <a:xfrm>
-            <a:off x="1054099" y="543636"/>
-            <a:ext cx="7529461" cy="685800"/>
-          </a:xfrm>
-        </p:spPr>
-        <p:txBody>
-          <a:bodyPr/>
-          <a:lstStyle/>
-          <a:p>
-            <a:r>
-              <a:rPr lang="zh-CN" altLang="en-US" b="0" dirty="0"/>
-              <a:t>开发过程要注意的问题</a:t>
-            </a:r>
-          </a:p>
-        </p:txBody>
-      </p:sp>
-      <p:sp>
-        <p:nvSpPr>
-          <p:cNvPr id="3" name="文本框 2"/>
-          <p:cNvSpPr txBox="1"/>
-          <p:nvPr/>
-        </p:nvSpPr>
-        <p:spPr>
-          <a:xfrm>
-            <a:off x="1054099" y="1645920"/>
-            <a:ext cx="10485120" cy="3831818"/>
+            <a:off x="1140542" y="1838632"/>
+            <a:ext cx="10382864" cy="3831818"/>
           </a:xfrm>
           <a:prstGeom prst="rect">
             <a:avLst/>
@@ -16036,13 +15966,55 @@
             </a:pPr>
             <a:r>
               <a:rPr lang="zh-CN" altLang="en-US" dirty="0">
-                <a:latin typeface="Calibri" panose="020F0502020204030204" pitchFamily="34" charset="0"/>
+                <a:latin typeface="Consolas" panose="020B0609020204030204" pitchFamily="49" charset="0"/>
                 <a:ea typeface="微软雅黑" panose="020B0503020204020204" pitchFamily="34" charset="-122"/>
               </a:rPr>
-              <a:t>开发者配置要按照要求配置好，启用加密注意密钥的位数要求。</a:t>
+              <a:t>发起请求，注意选项，对于</a:t>
+            </a:r>
+            <a:r>
+              <a:rPr lang="en-US" altLang="zh-CN" dirty="0">
+                <a:latin typeface="Consolas" panose="020B0609020204030204" pitchFamily="49" charset="0"/>
+                <a:ea typeface="微软雅黑" panose="020B0503020204020204" pitchFamily="34" charset="-122"/>
+              </a:rPr>
+              <a:t>https</a:t>
+            </a:r>
+            <a:r>
+              <a:rPr lang="zh-CN" altLang="en-US" dirty="0">
+                <a:latin typeface="Consolas" panose="020B0609020204030204" pitchFamily="49" charset="0"/>
+                <a:ea typeface="微软雅黑" panose="020B0503020204020204" pitchFamily="34" charset="-122"/>
+              </a:rPr>
+              <a:t>连接要使用</a:t>
+            </a:r>
+            <a:r>
+              <a:rPr lang="en-US" altLang="zh-CN" dirty="0">
+                <a:latin typeface="Consolas" panose="020B0609020204030204" pitchFamily="49" charset="0"/>
+                <a:ea typeface="微软雅黑" panose="020B0503020204020204" pitchFamily="34" charset="-122"/>
+              </a:rPr>
+              <a:t>CURLOPT_SSL_VERIFYPEER</a:t>
+            </a:r>
+            <a:r>
+              <a:rPr lang="zh-CN" altLang="en-US" dirty="0">
+                <a:latin typeface="Consolas" panose="020B0609020204030204" pitchFamily="49" charset="0"/>
+                <a:ea typeface="微软雅黑" panose="020B0503020204020204" pitchFamily="34" charset="-122"/>
+              </a:rPr>
+              <a:t>为</a:t>
+            </a:r>
+            <a:r>
+              <a:rPr lang="en-US" altLang="zh-CN" dirty="0">
+                <a:latin typeface="Consolas" panose="020B0609020204030204" pitchFamily="49" charset="0"/>
+                <a:ea typeface="微软雅黑" panose="020B0503020204020204" pitchFamily="34" charset="-122"/>
+              </a:rPr>
+              <a:t>false</a:t>
+            </a:r>
+            <a:r>
+              <a:rPr lang="zh-CN" altLang="en-US" dirty="0">
+                <a:latin typeface="Consolas" panose="020B0609020204030204" pitchFamily="49" charset="0"/>
+                <a:ea typeface="微软雅黑" panose="020B0503020204020204" pitchFamily="34" charset="-122"/>
+              </a:rPr>
+              <a:t>。</a:t>
             </a:r>
             <a:endParaRPr lang="en-US" altLang="zh-CN" dirty="0">
-              <a:latin typeface="Calibri" panose="020F0502020204030204" pitchFamily="34" charset="0"/>
+              <a:latin typeface="Consolas" panose="020B0609020204030204" pitchFamily="49" charset="0"/>
               <a:ea typeface="微软雅黑" panose="020B0503020204020204" pitchFamily="34" charset="-122"/>
             </a:endParaRPr>
           </a:p>
@@ -16056,27 +16028,41 @@
             </a:pPr>
             <a:r>
               <a:rPr lang="zh-CN" altLang="en-US" dirty="0">
-                <a:latin typeface="Calibri" panose="020F0502020204030204" pitchFamily="34" charset="0"/>
+                <a:latin typeface="Consolas" panose="020B0609020204030204" pitchFamily="49" charset="0"/>
                 <a:ea typeface="微软雅黑" panose="020B0503020204020204" pitchFamily="34" charset="-122"/>
               </a:rPr>
-              <a:t>开发者配置的</a:t>
-            </a:r>
-            <a:r>
-              <a:rPr lang="en-US" altLang="zh-CN" dirty="0">
-                <a:latin typeface="Calibri" panose="020F0502020204030204" pitchFamily="34" charset="0"/>
+              <a:t>上传文件请使用</a:t>
+            </a:r>
+            <a:r>
+              <a:rPr lang="en-US" altLang="zh-CN" dirty="0" err="1">
+                <a:latin typeface="Consolas" panose="020B0609020204030204" pitchFamily="49" charset="0"/>
                 <a:ea typeface="微软雅黑" panose="020B0503020204020204" pitchFamily="34" charset="-122"/>
               </a:rPr>
-              <a:t>URL</a:t>
+              <a:t>CURLFile</a:t>
             </a:r>
             <a:r>
               <a:rPr lang="zh-CN" altLang="en-US" dirty="0">
-                <a:latin typeface="Calibri" panose="020F0502020204030204" pitchFamily="34" charset="0"/>
+                <a:latin typeface="Consolas" panose="020B0609020204030204" pitchFamily="49" charset="0"/>
                 <a:ea typeface="微软雅黑" panose="020B0503020204020204" pitchFamily="34" charset="-122"/>
               </a:rPr>
-              <a:t>验证与回复消息是互斥的，注意配置过程中修改代码。</a:t>
+              <a:t>初始化文件对象，</a:t>
+            </a:r>
+            <a:r>
+              <a:rPr lang="en-US" altLang="zh-CN" dirty="0">
+                <a:latin typeface="Consolas" panose="020B0609020204030204" pitchFamily="49" charset="0"/>
+                <a:ea typeface="微软雅黑" panose="020B0503020204020204" pitchFamily="34" charset="-122"/>
+              </a:rPr>
+              <a:t>PHP7.0+</a:t>
+            </a:r>
+            <a:r>
+              <a:rPr lang="zh-CN" altLang="en-US" dirty="0">
+                <a:latin typeface="Consolas" panose="020B0609020204030204" pitchFamily="49" charset="0"/>
+                <a:ea typeface="微软雅黑" panose="020B0503020204020204" pitchFamily="34" charset="-122"/>
+              </a:rPr>
+              <a:t>版本以上已经不支持老式的上传方式。</a:t>
             </a:r>
             <a:endParaRPr lang="en-US" altLang="zh-CN" dirty="0">
-              <a:latin typeface="Calibri" panose="020F0502020204030204" pitchFamily="34" charset="0"/>
+              <a:latin typeface="Consolas" panose="020B0609020204030204" pitchFamily="49" charset="0"/>
               <a:ea typeface="微软雅黑" panose="020B0503020204020204" pitchFamily="34" charset="-122"/>
             </a:endParaRPr>
           </a:p>
@@ -16090,55 +16076,83 @@
             </a:pPr>
             <a:r>
               <a:rPr lang="zh-CN" altLang="en-US" dirty="0">
-                <a:latin typeface="Calibri" panose="020F0502020204030204" pitchFamily="34" charset="0"/>
+                <a:latin typeface="Consolas" panose="020B0609020204030204" pitchFamily="49" charset="0"/>
                 <a:ea typeface="微软雅黑" panose="020B0503020204020204" pitchFamily="34" charset="-122"/>
               </a:rPr>
-              <a:t>注意</a:t>
+              <a:t>如果使用内置</a:t>
             </a:r>
             <a:r>
               <a:rPr lang="en-US" altLang="zh-CN" dirty="0">
-                <a:latin typeface="Calibri" panose="020F0502020204030204" pitchFamily="34" charset="0"/>
+                <a:latin typeface="Consolas" panose="020B0609020204030204" pitchFamily="49" charset="0"/>
                 <a:ea typeface="微软雅黑" panose="020B0503020204020204" pitchFamily="34" charset="-122"/>
               </a:rPr>
-              <a:t>PHP</a:t>
+              <a:t>CURL</a:t>
             </a:r>
             <a:r>
               <a:rPr lang="zh-CN" altLang="en-US" dirty="0">
-                <a:latin typeface="Calibri" panose="020F0502020204030204" pitchFamily="34" charset="0"/>
+                <a:latin typeface="Consolas" panose="020B0609020204030204" pitchFamily="49" charset="0"/>
                 <a:ea typeface="微软雅黑" panose="020B0503020204020204" pitchFamily="34" charset="-122"/>
               </a:rPr>
-              <a:t>版本导致的处理错误，微信提供的</a:t>
+              <a:t>扩展，进行</a:t>
             </a:r>
             <a:r>
               <a:rPr lang="en-US" altLang="zh-CN" dirty="0">
-                <a:latin typeface="Calibri" panose="020F0502020204030204" pitchFamily="34" charset="0"/>
+                <a:latin typeface="Consolas" panose="020B0609020204030204" pitchFamily="49" charset="0"/>
                 <a:ea typeface="微软雅黑" panose="020B0503020204020204" pitchFamily="34" charset="-122"/>
               </a:rPr>
-              <a:t>SDK</a:t>
+              <a:t>RAW </a:t>
             </a:r>
             <a:r>
               <a:rPr lang="zh-CN" altLang="en-US" dirty="0">
-                <a:latin typeface="Calibri" panose="020F0502020204030204" pitchFamily="34" charset="0"/>
+                <a:latin typeface="Consolas" panose="020B0609020204030204" pitchFamily="49" charset="0"/>
                 <a:ea typeface="微软雅黑" panose="020B0503020204020204" pitchFamily="34" charset="-122"/>
               </a:rPr>
-              <a:t>以及示例代码都是使用旧版本的</a:t>
+              <a:t>格式的</a:t>
             </a:r>
             <a:r>
               <a:rPr lang="en-US" altLang="zh-CN" dirty="0">
-                <a:latin typeface="Calibri" panose="020F0502020204030204" pitchFamily="34" charset="0"/>
+                <a:latin typeface="Consolas" panose="020B0609020204030204" pitchFamily="49" charset="0"/>
                 <a:ea typeface="微软雅黑" panose="020B0503020204020204" pitchFamily="34" charset="-122"/>
               </a:rPr>
-              <a:t>PHP</a:t>
+              <a:t>POST</a:t>
             </a:r>
             <a:r>
               <a:rPr lang="zh-CN" altLang="en-US" dirty="0">
-                <a:latin typeface="Calibri" panose="020F0502020204030204" pitchFamily="34" charset="0"/>
+                <a:latin typeface="Consolas" panose="020B0609020204030204" pitchFamily="49" charset="0"/>
                 <a:ea typeface="微软雅黑" panose="020B0503020204020204" pitchFamily="34" charset="-122"/>
               </a:rPr>
-              <a:t>完成的，如果使用的话，注意修改相应的语法。</a:t>
+              <a:t>提交，则需要设置</a:t>
+            </a:r>
+            <a:r>
+              <a:rPr lang="en-US" altLang="zh-CN" dirty="0">
+                <a:latin typeface="Consolas" panose="020B0609020204030204" pitchFamily="49" charset="0"/>
+                <a:ea typeface="微软雅黑" panose="020B0503020204020204" pitchFamily="34" charset="-122"/>
+              </a:rPr>
+              <a:t>CURLOPT_HTTPHEADER</a:t>
+            </a:r>
+            <a:r>
+              <a:rPr lang="zh-CN" altLang="en-US" dirty="0">
+                <a:latin typeface="Consolas" panose="020B0609020204030204" pitchFamily="49" charset="0"/>
+                <a:ea typeface="微软雅黑" panose="020B0503020204020204" pitchFamily="34" charset="-122"/>
+              </a:rPr>
+              <a:t>选项加入</a:t>
+            </a:r>
+            <a:r>
+              <a:rPr lang="en-US" altLang="zh-CN" dirty="0">
+                <a:latin typeface="Consolas" panose="020B0609020204030204" pitchFamily="49" charset="0"/>
+                <a:ea typeface="微软雅黑" panose="020B0503020204020204" pitchFamily="34" charset="-122"/>
+              </a:rPr>
+              <a:t>”Content-Type: text/plain”</a:t>
+            </a:r>
+            <a:r>
+              <a:rPr lang="zh-CN" altLang="en-US" dirty="0">
+                <a:latin typeface="Consolas" panose="020B0609020204030204" pitchFamily="49" charset="0"/>
+                <a:ea typeface="微软雅黑" panose="020B0503020204020204" pitchFamily="34" charset="-122"/>
+              </a:rPr>
+              <a:t>。</a:t>
             </a:r>
             <a:endParaRPr lang="en-US" altLang="zh-CN" dirty="0">
-              <a:latin typeface="Calibri" panose="020F0502020204030204" pitchFamily="34" charset="0"/>
+              <a:latin typeface="Consolas" panose="020B0609020204030204" pitchFamily="49" charset="0"/>
               <a:ea typeface="微软雅黑" panose="020B0503020204020204" pitchFamily="34" charset="-122"/>
             </a:endParaRPr>
           </a:p>
@@ -16152,13 +16166,69 @@
             </a:pPr>
             <a:r>
               <a:rPr lang="zh-CN" altLang="en-US" dirty="0">
-                <a:latin typeface="Calibri" panose="020F0502020204030204" pitchFamily="34" charset="0"/>
+                <a:latin typeface="Consolas" panose="020B0609020204030204" pitchFamily="49" charset="0"/>
                 <a:ea typeface="微软雅黑" panose="020B0503020204020204" pitchFamily="34" charset="-122"/>
               </a:rPr>
-              <a:t>注意接口调用的频次限制，对于需要缓存的数据要有缓存处理，避免频繁地发起请求。</a:t>
+              <a:t>下载数据，根据文件大小选择不同的方法，最好方式是让</a:t>
+            </a:r>
+            <a:r>
+              <a:rPr lang="en-US" altLang="zh-CN" dirty="0">
+                <a:latin typeface="Consolas" panose="020B0609020204030204" pitchFamily="49" charset="0"/>
+                <a:ea typeface="微软雅黑" panose="020B0503020204020204" pitchFamily="34" charset="-122"/>
+              </a:rPr>
+              <a:t>CURL</a:t>
+            </a:r>
+            <a:r>
+              <a:rPr lang="zh-CN" altLang="en-US" dirty="0">
+                <a:latin typeface="Consolas" panose="020B0609020204030204" pitchFamily="49" charset="0"/>
+                <a:ea typeface="微软雅黑" panose="020B0503020204020204" pitchFamily="34" charset="-122"/>
+              </a:rPr>
+              <a:t>自动处理数据流：</a:t>
+            </a:r>
+            <a:r>
+              <a:rPr lang="en-US" altLang="zh-CN" dirty="0">
+                <a:latin typeface="Consolas" panose="020B0609020204030204" pitchFamily="49" charset="0"/>
+                <a:ea typeface="微软雅黑" panose="020B0503020204020204" pitchFamily="34" charset="-122"/>
+              </a:rPr>
+              <a:t>CURLOPT_FILE</a:t>
+            </a:r>
+            <a:r>
+              <a:rPr lang="zh-CN" altLang="en-US" dirty="0">
+                <a:latin typeface="Consolas" panose="020B0609020204030204" pitchFamily="49" charset="0"/>
+                <a:ea typeface="微软雅黑" panose="020B0503020204020204" pitchFamily="34" charset="-122"/>
+              </a:rPr>
+              <a:t>设置为一个已打开的具有写权限的文件描述符。并且要把</a:t>
+            </a:r>
+            <a:r>
+              <a:rPr lang="en-US" altLang="zh-CN" dirty="0">
+                <a:latin typeface="Consolas" panose="020B0609020204030204" pitchFamily="49" charset="0"/>
+                <a:ea typeface="微软雅黑" panose="020B0503020204020204" pitchFamily="34" charset="-122"/>
+              </a:rPr>
+              <a:t>CURLOPT_RETURNTRANSFER</a:t>
+            </a:r>
+            <a:r>
+              <a:rPr lang="zh-CN" altLang="en-US" dirty="0">
+                <a:latin typeface="Consolas" panose="020B0609020204030204" pitchFamily="49" charset="0"/>
+                <a:ea typeface="微软雅黑" panose="020B0503020204020204" pitchFamily="34" charset="-122"/>
+              </a:rPr>
+              <a:t>设置为</a:t>
+            </a:r>
+            <a:r>
+              <a:rPr lang="en-US" altLang="zh-CN" dirty="0">
+                <a:latin typeface="Consolas" panose="020B0609020204030204" pitchFamily="49" charset="0"/>
+                <a:ea typeface="微软雅黑" panose="020B0503020204020204" pitchFamily="34" charset="-122"/>
+              </a:rPr>
+              <a:t>false</a:t>
+            </a:r>
+            <a:r>
+              <a:rPr lang="zh-CN" altLang="en-US" dirty="0">
+                <a:latin typeface="Consolas" panose="020B0609020204030204" pitchFamily="49" charset="0"/>
+                <a:ea typeface="微软雅黑" panose="020B0503020204020204" pitchFamily="34" charset="-122"/>
+              </a:rPr>
+              <a:t>。</a:t>
             </a:r>
             <a:endParaRPr lang="en-US" altLang="zh-CN" dirty="0">
-              <a:latin typeface="Calibri" panose="020F0502020204030204" pitchFamily="34" charset="0"/>
+              <a:latin typeface="Consolas" panose="020B0609020204030204" pitchFamily="49" charset="0"/>
               <a:ea typeface="微软雅黑" panose="020B0503020204020204" pitchFamily="34" charset="-122"/>
             </a:endParaRPr>
           </a:p>
@@ -16172,150 +16242,92 @@
             </a:pPr>
             <a:r>
               <a:rPr lang="zh-CN" altLang="en-US" dirty="0">
-                <a:latin typeface="Calibri" panose="020F0502020204030204" pitchFamily="34" charset="0"/>
+                <a:latin typeface="Consolas" panose="020B0609020204030204" pitchFamily="49" charset="0"/>
                 <a:ea typeface="微软雅黑" panose="020B0503020204020204" pitchFamily="34" charset="-122"/>
               </a:rPr>
-              <a:t>配置</a:t>
-            </a:r>
-            <a:r>
-              <a:rPr lang="en-US" altLang="zh-CN" dirty="0">
-                <a:latin typeface="Calibri" panose="020F0502020204030204" pitchFamily="34" charset="0"/>
+              <a:t>使用第三方扩展要注意扩展的使用方式，同时，本课程使用的</a:t>
+            </a:r>
+            <a:r>
+              <a:rPr lang="en-US" altLang="zh-CN" dirty="0" err="1">
+                <a:latin typeface="Consolas" panose="020B0609020204030204" pitchFamily="49" charset="0"/>
                 <a:ea typeface="微软雅黑" panose="020B0503020204020204" pitchFamily="34" charset="-122"/>
               </a:rPr>
-              <a:t>JS-SDK</a:t>
-            </a:r>
-            <a:r>
-              <a:rPr lang="zh-CN" altLang="en-US" dirty="0">
-                <a:latin typeface="Calibri" panose="020F0502020204030204" pitchFamily="34" charset="0"/>
+              <a:t>anlutro</a:t>
+            </a:r>
+            <a:r>
+              <a:rPr lang="en-US" altLang="zh-CN" dirty="0">
+                <a:latin typeface="Consolas" panose="020B0609020204030204" pitchFamily="49" charset="0"/>
                 <a:ea typeface="微软雅黑" panose="020B0503020204020204" pitchFamily="34" charset="-122"/>
               </a:rPr>
-              <a:t>以及支付授权目录注意要求，填写域名要与格式对应，</a:t>
-            </a:r>
-            <a:r>
-              <a:rPr lang="en-US" altLang="zh-CN" dirty="0">
-                <a:latin typeface="Calibri" panose="020F0502020204030204" pitchFamily="34" charset="0"/>
+              <a:t>\</a:t>
+            </a:r>
+            <a:r>
+              <a:rPr lang="en-US" altLang="zh-CN" dirty="0" err="1">
+                <a:latin typeface="Consolas" panose="020B0609020204030204" pitchFamily="49" charset="0"/>
                 <a:ea typeface="微软雅黑" panose="020B0503020204020204" pitchFamily="34" charset="-122"/>
               </a:rPr>
-              <a:t>JS-SDK</a:t>
+              <a:t>cURL</a:t>
             </a:r>
             <a:r>
               <a:rPr lang="zh-CN" altLang="en-US" dirty="0">
-                <a:latin typeface="Calibri" panose="020F0502020204030204" pitchFamily="34" charset="0"/>
+                <a:latin typeface="Consolas" panose="020B0609020204030204" pitchFamily="49" charset="0"/>
                 <a:ea typeface="微软雅黑" panose="020B0503020204020204" pitchFamily="34" charset="-122"/>
               </a:rPr>
-              <a:t>配置安全域名使用以及域名即可，后面无需加具体路径。</a:t>
+              <a:t>扩展在默认情况下会把</a:t>
+            </a:r>
+            <a:r>
+              <a:rPr lang="en-US" altLang="zh-CN" dirty="0">
+                <a:latin typeface="Consolas" panose="020B0609020204030204" pitchFamily="49" charset="0"/>
+                <a:ea typeface="微软雅黑" panose="020B0503020204020204" pitchFamily="34" charset="-122"/>
+              </a:rPr>
+              <a:t>CURLOPT_RETURNTRANSFER</a:t>
+            </a:r>
+            <a:r>
+              <a:rPr lang="zh-CN" altLang="en-US" dirty="0">
+                <a:latin typeface="Consolas" panose="020B0609020204030204" pitchFamily="49" charset="0"/>
+                <a:ea typeface="微软雅黑" panose="020B0503020204020204" pitchFamily="34" charset="-122"/>
+              </a:rPr>
+              <a:t>设置为</a:t>
+            </a:r>
+            <a:r>
+              <a:rPr lang="en-US" altLang="zh-CN" dirty="0">
+                <a:latin typeface="Consolas" panose="020B0609020204030204" pitchFamily="49" charset="0"/>
+                <a:ea typeface="微软雅黑" panose="020B0503020204020204" pitchFamily="34" charset="-122"/>
+              </a:rPr>
+              <a:t>true</a:t>
+            </a:r>
+            <a:r>
+              <a:rPr lang="zh-CN" altLang="en-US" dirty="0">
+                <a:latin typeface="Consolas" panose="020B0609020204030204" pitchFamily="49" charset="0"/>
+                <a:ea typeface="微软雅黑" panose="020B0503020204020204" pitchFamily="34" charset="-122"/>
+              </a:rPr>
+              <a:t>，而且无法设置为</a:t>
+            </a:r>
+            <a:r>
+              <a:rPr lang="en-US" altLang="zh-CN" dirty="0">
+                <a:latin typeface="Consolas" panose="020B0609020204030204" pitchFamily="49" charset="0"/>
+                <a:ea typeface="微软雅黑" panose="020B0503020204020204" pitchFamily="34" charset="-122"/>
+              </a:rPr>
+              <a:t>false</a:t>
+            </a:r>
+            <a:r>
+              <a:rPr lang="zh-CN" altLang="en-US" dirty="0">
+                <a:latin typeface="Consolas" panose="020B0609020204030204" pitchFamily="49" charset="0"/>
+                <a:ea typeface="微软雅黑" panose="020B0503020204020204" pitchFamily="34" charset="-122"/>
+              </a:rPr>
+              <a:t>，在上传文件时会出现问题，此问题可以通过修改代码解决，可以加入一个不进行默认设置的就发起请求的函数解决。</a:t>
             </a:r>
             <a:endParaRPr lang="en-US" altLang="zh-CN" dirty="0">
-              <a:latin typeface="Calibri" panose="020F0502020204030204" pitchFamily="34" charset="0"/>
+              <a:latin typeface="Consolas" panose="020B0609020204030204" pitchFamily="49" charset="0"/>
               <a:ea typeface="微软雅黑" panose="020B0503020204020204" pitchFamily="34" charset="-122"/>
             </a:endParaRPr>
-          </a:p>
-          <a:p>
-            <a:pPr marL="285750" indent="-285750">
-              <a:lnSpc>
-                <a:spcPct val="150000"/>
-              </a:lnSpc>
-              <a:buFont typeface="Arial" panose="020B0604020202020204" pitchFamily="34" charset="0"/>
-              <a:buChar char="•"/>
-            </a:pPr>
-            <a:r>
-              <a:rPr lang="zh-CN" altLang="en-US" dirty="0">
-                <a:latin typeface="Calibri" panose="020F0502020204030204" pitchFamily="34" charset="0"/>
-                <a:ea typeface="微软雅黑" panose="020B0503020204020204" pitchFamily="34" charset="-122"/>
-              </a:rPr>
-              <a:t>调用接口提交</a:t>
-            </a:r>
-            <a:r>
-              <a:rPr lang="en-US" altLang="zh-CN" dirty="0">
-                <a:latin typeface="Calibri" panose="020F0502020204030204" pitchFamily="34" charset="0"/>
-                <a:ea typeface="微软雅黑" panose="020B0503020204020204" pitchFamily="34" charset="-122"/>
-              </a:rPr>
-              <a:t>POST</a:t>
-            </a:r>
-            <a:r>
-              <a:rPr lang="zh-CN" altLang="en-US" dirty="0">
-                <a:latin typeface="Calibri" panose="020F0502020204030204" pitchFamily="34" charset="0"/>
-                <a:ea typeface="微软雅黑" panose="020B0503020204020204" pitchFamily="34" charset="-122"/>
-              </a:rPr>
-              <a:t>数据，如果使用</a:t>
-            </a:r>
-            <a:r>
-              <a:rPr lang="en-US" altLang="zh-CN" dirty="0" err="1">
-                <a:latin typeface="Calibri" panose="020F0502020204030204" pitchFamily="34" charset="0"/>
-                <a:ea typeface="微软雅黑" panose="020B0503020204020204" pitchFamily="34" charset="-122"/>
-              </a:rPr>
-              <a:t>json_encode</a:t>
-            </a:r>
-            <a:r>
-              <a:rPr lang="zh-CN" altLang="en-US" dirty="0">
-                <a:latin typeface="Calibri" panose="020F0502020204030204" pitchFamily="34" charset="0"/>
-                <a:ea typeface="微软雅黑" panose="020B0503020204020204" pitchFamily="34" charset="-122"/>
-              </a:rPr>
-              <a:t>函数转换成</a:t>
-            </a:r>
-            <a:r>
-              <a:rPr lang="en-US" altLang="zh-CN" dirty="0">
-                <a:latin typeface="Calibri" panose="020F0502020204030204" pitchFamily="34" charset="0"/>
-                <a:ea typeface="微软雅黑" panose="020B0503020204020204" pitchFamily="34" charset="-122"/>
-              </a:rPr>
-              <a:t>JSON</a:t>
-            </a:r>
-            <a:r>
-              <a:rPr lang="zh-CN" altLang="en-US" dirty="0">
-                <a:latin typeface="Calibri" panose="020F0502020204030204" pitchFamily="34" charset="0"/>
-                <a:ea typeface="微软雅黑" panose="020B0503020204020204" pitchFamily="34" charset="-122"/>
-              </a:rPr>
-              <a:t>格式，则注意要加选项</a:t>
-            </a:r>
-            <a:r>
-              <a:rPr lang="en-US" altLang="zh-CN" dirty="0">
-                <a:latin typeface="Calibri" panose="020F0502020204030204" pitchFamily="34" charset="0"/>
-                <a:ea typeface="微软雅黑" panose="020B0503020204020204" pitchFamily="34" charset="-122"/>
-              </a:rPr>
-              <a:t>JSON_UNESCAPED_UNICODE</a:t>
-            </a:r>
-            <a:r>
-              <a:rPr lang="zh-CN" altLang="en-US" dirty="0">
-                <a:latin typeface="Calibri" panose="020F0502020204030204" pitchFamily="34" charset="0"/>
-                <a:ea typeface="微软雅黑" panose="020B0503020204020204" pitchFamily="34" charset="-122"/>
-              </a:rPr>
-              <a:t>选项，否则中文会被转化成</a:t>
-            </a:r>
-            <a:r>
-              <a:rPr lang="en-US" altLang="zh-CN" dirty="0">
-                <a:latin typeface="Calibri" panose="020F0502020204030204" pitchFamily="34" charset="0"/>
-                <a:ea typeface="微软雅黑" panose="020B0503020204020204" pitchFamily="34" charset="-122"/>
-              </a:rPr>
-              <a:t>\u</a:t>
-            </a:r>
-            <a:r>
-              <a:rPr lang="zh-CN" altLang="en-US" dirty="0">
-                <a:latin typeface="Calibri" panose="020F0502020204030204" pitchFamily="34" charset="0"/>
-                <a:ea typeface="微软雅黑" panose="020B0503020204020204" pitchFamily="34" charset="-122"/>
-              </a:rPr>
-              <a:t>开头的</a:t>
-            </a:r>
-            <a:r>
-              <a:rPr lang="en-US" altLang="zh-CN" dirty="0">
-                <a:latin typeface="Calibri" panose="020F0502020204030204" pitchFamily="34" charset="0"/>
-                <a:ea typeface="微软雅黑" panose="020B0503020204020204" pitchFamily="34" charset="-122"/>
-              </a:rPr>
-              <a:t>utf-8</a:t>
-            </a:r>
-            <a:r>
-              <a:rPr lang="zh-CN" altLang="en-US" dirty="0">
-                <a:latin typeface="Calibri" panose="020F0502020204030204" pitchFamily="34" charset="0"/>
-                <a:ea typeface="微软雅黑" panose="020B0503020204020204" pitchFamily="34" charset="-122"/>
-              </a:rPr>
-              <a:t>编码值，微信会提示错误。</a:t>
-            </a:r>
           </a:p>
         </p:txBody>
       </p:sp>
     </p:spTree>
     <p:extLst>
       <p:ext uri="{BB962C8B-B14F-4D97-AF65-F5344CB8AC3E}">
-        <p14:creationId xmlns:p14="http://schemas.microsoft.com/office/powerpoint/2010/main" val="2902273865"/>
+        <p14:creationId xmlns:p14="http://schemas.microsoft.com/office/powerpoint/2010/main" val="2699412093"/>
       </p:ext>
     </p:extLst>
   </p:cSld>

--- a/meterials/slides/ch12-revise-and-think.pptx
+++ b/meterials/slides/ch12-revise-and-think.pptx
@@ -9,10 +9,10 @@
     <p:sldMasterId id="2147483691" r:id="rId5"/>
   </p:sldMasterIdLst>
   <p:notesMasterIdLst>
-    <p:notesMasterId r:id="rId20"/>
+    <p:notesMasterId r:id="rId19"/>
   </p:notesMasterIdLst>
   <p:handoutMasterIdLst>
-    <p:handoutMasterId r:id="rId21"/>
+    <p:handoutMasterId r:id="rId20"/>
   </p:handoutMasterIdLst>
   <p:sldIdLst>
     <p:sldId id="257" r:id="rId6"/>
@@ -26,14 +26,13 @@
     <p:sldId id="480" r:id="rId14"/>
     <p:sldId id="440" r:id="rId15"/>
     <p:sldId id="452" r:id="rId16"/>
-    <p:sldId id="486" r:id="rId17"/>
-    <p:sldId id="487" r:id="rId18"/>
-    <p:sldId id="311" r:id="rId19"/>
+    <p:sldId id="487" r:id="rId17"/>
+    <p:sldId id="311" r:id="rId18"/>
   </p:sldIdLst>
   <p:sldSz cx="12192000" cy="6858000"/>
   <p:notesSz cx="6858000" cy="9144000"/>
   <p:custDataLst>
-    <p:tags r:id="rId22"/>
+    <p:tags r:id="rId21"/>
   </p:custDataLst>
   <p:defaultTextStyle>
     <a:defPPr>
@@ -264,7 +263,7 @@
           <a:p>
             <a:fld id="{2B71C804-97F5-4B36-A7AC-EEEC7F44F6C2}" type="datetimeFigureOut">
               <a:rPr lang="zh-CN" altLang="en-US" smtClean="0"/>
-              <a:t>2017/9/7</a:t>
+              <a:t>2017/10/31</a:t>
             </a:fld>
             <a:endParaRPr lang="zh-CN" altLang="en-US"/>
           </a:p>
@@ -430,7 +429,7 @@
           <a:p>
             <a:fld id="{0568D9C6-D8DC-4CC3-8480-E0C4DBA1CC07}" type="datetimeFigureOut">
               <a:rPr lang="zh-CN" altLang="en-US" smtClean="0"/>
-              <a:t>2017/9/7</a:t>
+              <a:t>2017/10/31</a:t>
             </a:fld>
             <a:endParaRPr lang="zh-CN" altLang="en-US"/>
           </a:p>
@@ -941,7 +940,7 @@
                 <a:ea typeface="宋体" charset="-122"/>
               </a:rPr>
               <a:pPr algn="r" eaLnBrk="1" hangingPunct="1"/>
-              <a:t>14</a:t>
+              <a:t>13</a:t>
             </a:fld>
             <a:endParaRPr lang="zh-CN" altLang="en-US" sz="1200">
               <a:latin typeface="Calibri" pitchFamily="34" charset="0"/>
@@ -1043,7 +1042,7 @@
           <a:p>
             <a:fld id="{DB9D664F-4C68-42D2-B189-678958EFAFDA}" type="datetime1">
               <a:rPr lang="zh-CN" altLang="en-US" smtClean="0"/>
-              <a:t>2017/9/7</a:t>
+              <a:t>2017/10/31</a:t>
             </a:fld>
             <a:endParaRPr lang="zh-CN" altLang="en-US"/>
           </a:p>
@@ -2025,7 +2024,7 @@
           <a:p>
             <a:fld id="{ED5513C8-E3A4-4D78-B249-887659A958FF}" type="datetime1">
               <a:rPr lang="en-US" altLang="zh-CN" smtClean="0"/>
-              <a:t>9/7/2017</a:t>
+              <a:t>10/31/2017</a:t>
             </a:fld>
             <a:endParaRPr lang="en-US"/>
           </a:p>
@@ -2203,7 +2202,7 @@
           <a:p>
             <a:fld id="{EBEDA52C-3EEE-4289-818C-901C0A7814FE}" type="datetime1">
               <a:rPr lang="en-US" altLang="zh-CN" smtClean="0"/>
-              <a:t>9/7/2017</a:t>
+              <a:t>10/31/2017</a:t>
             </a:fld>
             <a:endParaRPr lang="en-US"/>
           </a:p>
@@ -2457,7 +2456,7 @@
           <a:p>
             <a:fld id="{09EF5D7F-EA15-485C-85DD-8FDC010A62D4}" type="datetime1">
               <a:rPr lang="en-US" altLang="zh-CN" smtClean="0"/>
-              <a:t>9/7/2017</a:t>
+              <a:t>10/31/2017</a:t>
             </a:fld>
             <a:endParaRPr lang="en-US"/>
           </a:p>
@@ -2697,7 +2696,7 @@
           <a:p>
             <a:fld id="{9541C2B2-0BAB-4CD4-83EE-25F1A7138896}" type="datetime1">
               <a:rPr lang="en-US" altLang="zh-CN" smtClean="0"/>
-              <a:t>9/7/2017</a:t>
+              <a:t>10/31/2017</a:t>
             </a:fld>
             <a:endParaRPr lang="en-US"/>
           </a:p>
@@ -3072,7 +3071,7 @@
           <a:p>
             <a:fld id="{7DEA23E7-D0FC-41DC-8745-BE6FC447B182}" type="datetime1">
               <a:rPr lang="en-US" altLang="zh-CN" smtClean="0"/>
-              <a:t>9/7/2017</a:t>
+              <a:t>10/31/2017</a:t>
             </a:fld>
             <a:endParaRPr lang="en-US"/>
           </a:p>
@@ -3857,7 +3856,7 @@
           <a:p>
             <a:fld id="{5DEA8378-5F33-490B-8120-8DE6B7EE2781}" type="datetime1">
               <a:rPr lang="en-US" altLang="zh-CN" smtClean="0"/>
-              <a:t>9/7/2017</a:t>
+              <a:t>10/31/2017</a:t>
             </a:fld>
             <a:endParaRPr lang="en-US"/>
           </a:p>
@@ -4111,7 +4110,7 @@
           <a:p>
             <a:fld id="{38DD30CF-78A7-4C73-91B4-38D3E3317745}" type="datetime1">
               <a:rPr lang="en-US" altLang="zh-CN" smtClean="0"/>
-              <a:t>9/7/2017</a:t>
+              <a:t>10/31/2017</a:t>
             </a:fld>
             <a:endParaRPr lang="en-US"/>
           </a:p>
@@ -4214,7 +4213,7 @@
           <a:p>
             <a:fld id="{A1BE0A72-8501-4974-A7B7-5BD248ABBAFC}" type="datetime1">
               <a:rPr lang="zh-CN" altLang="en-US" smtClean="0"/>
-              <a:t>2017/9/7</a:t>
+              <a:t>2017/10/31</a:t>
             </a:fld>
             <a:endParaRPr lang="zh-CN" altLang="en-US"/>
           </a:p>
@@ -4475,7 +4474,7 @@
           <a:p>
             <a:fld id="{0B7E01DD-16D0-4DBA-9C1A-51468BA0B73A}" type="datetime1">
               <a:rPr lang="en-US" altLang="zh-CN" smtClean="0"/>
-              <a:t>9/7/2017</a:t>
+              <a:t>10/31/2017</a:t>
             </a:fld>
             <a:endParaRPr lang="en-US"/>
           </a:p>
@@ -4653,7 +4652,7 @@
           <a:p>
             <a:fld id="{B587E63F-0E62-4A50-901F-E071D77F7634}" type="datetime1">
               <a:rPr lang="en-US" altLang="zh-CN" smtClean="0"/>
-              <a:t>9/7/2017</a:t>
+              <a:t>10/31/2017</a:t>
             </a:fld>
             <a:endParaRPr lang="en-US"/>
           </a:p>
@@ -4841,7 +4840,7 @@
           <a:p>
             <a:fld id="{BD8521E8-9297-400B-AD8C-0A4D05699D33}" type="datetime1">
               <a:rPr lang="en-US" altLang="zh-CN" smtClean="0"/>
-              <a:t>9/7/2017</a:t>
+              <a:t>10/31/2017</a:t>
             </a:fld>
             <a:endParaRPr lang="en-US"/>
           </a:p>
@@ -5072,7 +5071,7 @@
           <a:p>
             <a:fld id="{ED5513C8-E3A4-4D78-B249-887659A958FF}" type="datetime1">
               <a:rPr lang="en-US" altLang="zh-CN" smtClean="0"/>
-              <a:t>9/7/2017</a:t>
+              <a:t>10/31/2017</a:t>
             </a:fld>
             <a:endParaRPr lang="en-US"/>
           </a:p>
@@ -5250,7 +5249,7 @@
           <a:p>
             <a:fld id="{EBEDA52C-3EEE-4289-818C-901C0A7814FE}" type="datetime1">
               <a:rPr lang="en-US" altLang="zh-CN" smtClean="0"/>
-              <a:t>9/7/2017</a:t>
+              <a:t>10/31/2017</a:t>
             </a:fld>
             <a:endParaRPr lang="en-US"/>
           </a:p>
@@ -5504,7 +5503,7 @@
           <a:p>
             <a:fld id="{09EF5D7F-EA15-485C-85DD-8FDC010A62D4}" type="datetime1">
               <a:rPr lang="en-US" altLang="zh-CN" smtClean="0"/>
-              <a:t>9/7/2017</a:t>
+              <a:t>10/31/2017</a:t>
             </a:fld>
             <a:endParaRPr lang="en-US"/>
           </a:p>
@@ -5744,7 +5743,7 @@
           <a:p>
             <a:fld id="{9541C2B2-0BAB-4CD4-83EE-25F1A7138896}" type="datetime1">
               <a:rPr lang="en-US" altLang="zh-CN" smtClean="0"/>
-              <a:t>9/7/2017</a:t>
+              <a:t>10/31/2017</a:t>
             </a:fld>
             <a:endParaRPr lang="en-US"/>
           </a:p>
@@ -6119,7 +6118,7 @@
           <a:p>
             <a:fld id="{7DEA23E7-D0FC-41DC-8745-BE6FC447B182}" type="datetime1">
               <a:rPr lang="en-US" altLang="zh-CN" smtClean="0"/>
-              <a:t>9/7/2017</a:t>
+              <a:t>10/31/2017</a:t>
             </a:fld>
             <a:endParaRPr lang="en-US"/>
           </a:p>
@@ -6904,7 +6903,7 @@
           <a:p>
             <a:fld id="{A1BE0A72-8501-4974-A7B7-5BD248ABBAFC}" type="datetime1">
               <a:rPr lang="zh-CN" altLang="en-US" smtClean="0"/>
-              <a:t>2017/9/7</a:t>
+              <a:t>2017/10/31</a:t>
             </a:fld>
             <a:endParaRPr lang="zh-CN" altLang="en-US"/>
           </a:p>
@@ -6957,7 +6956,7 @@
           <a:p>
             <a:fld id="{5DEA8378-5F33-490B-8120-8DE6B7EE2781}" type="datetime1">
               <a:rPr lang="en-US" altLang="zh-CN" smtClean="0"/>
-              <a:t>9/7/2017</a:t>
+              <a:t>10/31/2017</a:t>
             </a:fld>
             <a:endParaRPr lang="en-US"/>
           </a:p>
@@ -7211,7 +7210,7 @@
           <a:p>
             <a:fld id="{38DD30CF-78A7-4C73-91B4-38D3E3317745}" type="datetime1">
               <a:rPr lang="en-US" altLang="zh-CN" smtClean="0"/>
-              <a:t>9/7/2017</a:t>
+              <a:t>10/31/2017</a:t>
             </a:fld>
             <a:endParaRPr lang="en-US"/>
           </a:p>
@@ -7476,7 +7475,7 @@
           <a:p>
             <a:fld id="{0B7E01DD-16D0-4DBA-9C1A-51468BA0B73A}" type="datetime1">
               <a:rPr lang="en-US" altLang="zh-CN" smtClean="0"/>
-              <a:t>9/7/2017</a:t>
+              <a:t>10/31/2017</a:t>
             </a:fld>
             <a:endParaRPr lang="en-US"/>
           </a:p>
@@ -7654,7 +7653,7 @@
           <a:p>
             <a:fld id="{B587E63F-0E62-4A50-901F-E071D77F7634}" type="datetime1">
               <a:rPr lang="en-US" altLang="zh-CN" smtClean="0"/>
-              <a:t>9/7/2017</a:t>
+              <a:t>10/31/2017</a:t>
             </a:fld>
             <a:endParaRPr lang="en-US"/>
           </a:p>
@@ -7842,7 +7841,7 @@
           <a:p>
             <a:fld id="{BD8521E8-9297-400B-AD8C-0A4D05699D33}" type="datetime1">
               <a:rPr lang="en-US" altLang="zh-CN" smtClean="0"/>
-              <a:t>9/7/2017</a:t>
+              <a:t>10/31/2017</a:t>
             </a:fld>
             <a:endParaRPr lang="en-US"/>
           </a:p>
@@ -7945,7 +7944,7 @@
           <a:p>
             <a:fld id="{EF452D9C-F9EB-4417-9C3A-C876C2AF9415}" type="datetime1">
               <a:rPr lang="zh-CN" altLang="en-US" smtClean="0"/>
-              <a:t>2017/9/7</a:t>
+              <a:t>2017/10/31</a:t>
             </a:fld>
             <a:endParaRPr lang="zh-CN" altLang="en-US"/>
           </a:p>
@@ -8131,7 +8130,7 @@
           <a:p>
             <a:fld id="{2F2E9289-9B4C-49AE-BDDA-70D6EDC89D17}" type="datetime1">
               <a:rPr lang="zh-CN" altLang="en-US" smtClean="0"/>
-              <a:t>2017/9/7</a:t>
+              <a:t>2017/10/31</a:t>
             </a:fld>
             <a:endParaRPr lang="zh-CN" altLang="en-US"/>
           </a:p>
@@ -8301,7 +8300,7 @@
           <a:p>
             <a:fld id="{2F2E9289-9B4C-49AE-BDDA-70D6EDC89D17}" type="datetime1">
               <a:rPr lang="zh-CN" altLang="en-US" smtClean="0"/>
-              <a:t>2017/9/7</a:t>
+              <a:t>2017/10/31</a:t>
             </a:fld>
             <a:endParaRPr lang="zh-CN" altLang="en-US"/>
           </a:p>
@@ -8537,7 +8536,7 @@
           <a:p>
             <a:fld id="{8C5BA751-A251-47D6-8494-C134D9EBED5F}" type="datetime1">
               <a:rPr lang="zh-CN" altLang="en-US" smtClean="0"/>
-              <a:t>2017/9/7</a:t>
+              <a:t>2017/10/31</a:t>
             </a:fld>
             <a:endParaRPr lang="zh-CN" altLang="en-US"/>
           </a:p>
@@ -8893,7 +8892,7 @@
           <a:p>
             <a:fld id="{C46E2078-F302-4651-A2A2-2FC6C4E1A3F1}" type="datetime1">
               <a:rPr lang="zh-CN" altLang="en-US" smtClean="0"/>
-              <a:t>2017/9/7</a:t>
+              <a:t>2017/10/31</a:t>
             </a:fld>
             <a:endParaRPr lang="zh-CN" altLang="en-US"/>
           </a:p>
@@ -9015,7 +9014,7 @@
               <a:pPr>
                 <a:defRPr/>
               </a:pPr>
-              <a:t>2017/9/7</a:t>
+              <a:t>2017/10/31</a:t>
             </a:fld>
             <a:endParaRPr lang="zh-CN" altLang="en-US"/>
           </a:p>
@@ -9163,7 +9162,7 @@
           <a:p>
             <a:fld id="{A1BE0A72-8501-4974-A7B7-5BD248ABBAFC}" type="datetime1">
               <a:rPr lang="zh-CN" altLang="en-US" smtClean="0"/>
-              <a:t>2017/9/7</a:t>
+              <a:t>2017/10/31</a:t>
             </a:fld>
             <a:endParaRPr lang="zh-CN" altLang="en-US"/>
           </a:p>
@@ -9677,7 +9676,7 @@
           <a:p>
             <a:fld id="{A1BE0A72-8501-4974-A7B7-5BD248ABBAFC}" type="datetime1">
               <a:rPr lang="zh-CN" altLang="en-US" smtClean="0"/>
-              <a:t>2017/9/7</a:t>
+              <a:t>2017/10/31</a:t>
             </a:fld>
             <a:endParaRPr lang="zh-CN" altLang="en-US"/>
           </a:p>
@@ -10283,7 +10282,7 @@
           <a:p>
             <a:fld id="{7A78726F-0AD2-4A20-BC72-263D2D3F3A2F}" type="datetime1">
               <a:rPr lang="en-US" altLang="zh-CN" smtClean="0"/>
-              <a:t>9/7/2017</a:t>
+              <a:t>10/31/2017</a:t>
             </a:fld>
             <a:endParaRPr lang="en-US"/>
           </a:p>
@@ -11264,7 +11263,7 @@
           <a:p>
             <a:fld id="{A1BE0A72-8501-4974-A7B7-5BD248ABBAFC}" type="datetime1">
               <a:rPr lang="zh-CN" altLang="en-US" smtClean="0"/>
-              <a:t>2017/9/7</a:t>
+              <a:t>2017/10/31</a:t>
             </a:fld>
             <a:endParaRPr lang="zh-CN" altLang="en-US"/>
           </a:p>
@@ -11870,7 +11869,7 @@
           <a:p>
             <a:fld id="{7A78726F-0AD2-4A20-BC72-263D2D3F3A2F}" type="datetime1">
               <a:rPr lang="en-US" altLang="zh-CN" smtClean="0"/>
-              <a:t>9/7/2017</a:t>
+              <a:t>10/31/2017</a:t>
             </a:fld>
             <a:endParaRPr lang="en-US"/>
           </a:p>
@@ -13329,140 +13328,6 @@
         <p:spPr>
           <a:xfrm>
             <a:off x="917622" y="516340"/>
-            <a:ext cx="8236210" cy="685800"/>
-          </a:xfrm>
-        </p:spPr>
-        <p:txBody>
-          <a:bodyPr/>
-          <a:lstStyle/>
-          <a:p>
-            <a:r>
-              <a:rPr lang="zh-CN" altLang="en-US" b="0" dirty="0"/>
-              <a:t>公众号管理后台</a:t>
-            </a:r>
-          </a:p>
-        </p:txBody>
-      </p:sp>
-      <p:sp>
-        <p:nvSpPr>
-          <p:cNvPr id="2" name="文本框 1"/>
-          <p:cNvSpPr txBox="1"/>
-          <p:nvPr/>
-        </p:nvSpPr>
-        <p:spPr>
-          <a:xfrm>
-            <a:off x="917622" y="1686724"/>
-            <a:ext cx="9568754" cy="1445717"/>
-          </a:xfrm>
-          <a:prstGeom prst="rect">
-            <a:avLst/>
-          </a:prstGeom>
-          <a:noFill/>
-        </p:spPr>
-        <p:txBody>
-          <a:bodyPr wrap="square" rtlCol="0">
-            <a:spAutoFit/>
-          </a:bodyPr>
-          <a:lstStyle/>
-          <a:p>
-            <a:pPr marL="285750" indent="-285750">
-              <a:lnSpc>
-                <a:spcPts val="2700"/>
-              </a:lnSpc>
-              <a:buFont typeface="Arial" panose="020B0604020202020204" pitchFamily="34" charset="0"/>
-              <a:buChar char="•"/>
-            </a:pPr>
-            <a:r>
-              <a:rPr lang="zh-CN" altLang="en-US" dirty="0">
-                <a:latin typeface="微软雅黑" panose="020B0503020204020204" pitchFamily="34" charset="-122"/>
-                <a:ea typeface="微软雅黑" panose="020B0503020204020204" pitchFamily="34" charset="-122"/>
-              </a:rPr>
-              <a:t>公众号管理后台已经实现了大部分运用公众号的基本操作，大部分操作直接登录完成即可，比自己开发一套出来要方便省时。</a:t>
-            </a:r>
-            <a:endParaRPr lang="en-US" altLang="zh-CN" dirty="0">
-              <a:latin typeface="微软雅黑" panose="020B0503020204020204" pitchFamily="34" charset="-122"/>
-              <a:ea typeface="微软雅黑" panose="020B0503020204020204" pitchFamily="34" charset="-122"/>
-            </a:endParaRPr>
-          </a:p>
-          <a:p>
-            <a:pPr marL="285750" indent="-285750">
-              <a:lnSpc>
-                <a:spcPts val="2700"/>
-              </a:lnSpc>
-              <a:buFont typeface="Arial" panose="020B0604020202020204" pitchFamily="34" charset="0"/>
-              <a:buChar char="•"/>
-            </a:pPr>
-            <a:r>
-              <a:rPr lang="zh-CN" altLang="en-US" dirty="0">
-                <a:latin typeface="微软雅黑" panose="020B0503020204020204" pitchFamily="34" charset="-122"/>
-                <a:ea typeface="微软雅黑" panose="020B0503020204020204" pitchFamily="34" charset="-122"/>
-              </a:rPr>
-              <a:t>如果是需要原始的</a:t>
-            </a:r>
-            <a:r>
-              <a:rPr lang="en-US" altLang="zh-CN" dirty="0">
-                <a:latin typeface="微软雅黑" panose="020B0503020204020204" pitchFamily="34" charset="-122"/>
-                <a:ea typeface="微软雅黑" panose="020B0503020204020204" pitchFamily="34" charset="-122"/>
-              </a:rPr>
-              <a:t>JSON</a:t>
-            </a:r>
-            <a:r>
-              <a:rPr lang="zh-CN" altLang="en-US" dirty="0">
-                <a:latin typeface="微软雅黑" panose="020B0503020204020204" pitchFamily="34" charset="-122"/>
-                <a:ea typeface="微软雅黑" panose="020B0503020204020204" pitchFamily="34" charset="-122"/>
-              </a:rPr>
-              <a:t>格式的数据，则需要调用接口查询数据然后返回。回复消息希望更加智能则需要配置接入服务器。</a:t>
-            </a:r>
-            <a:endParaRPr lang="en-US" altLang="zh-CN" dirty="0">
-              <a:latin typeface="微软雅黑" panose="020B0503020204020204" pitchFamily="34" charset="-122"/>
-              <a:ea typeface="微软雅黑" panose="020B0503020204020204" pitchFamily="34" charset="-122"/>
-            </a:endParaRPr>
-          </a:p>
-        </p:txBody>
-      </p:sp>
-    </p:spTree>
-    <p:extLst>
-      <p:ext uri="{BB962C8B-B14F-4D97-AF65-F5344CB8AC3E}">
-        <p14:creationId xmlns:p14="http://schemas.microsoft.com/office/powerpoint/2010/main" val="247829176"/>
-      </p:ext>
-    </p:extLst>
-  </p:cSld>
-  <p:clrMapOvr>
-    <a:masterClrMapping/>
-  </p:clrMapOvr>
-</p:sld>
-</file>
-
-<file path=ppt/slides/slide13.xml><?xml version="1.0" encoding="utf-8"?>
-<p:sld xmlns:a="http://schemas.openxmlformats.org/drawingml/2006/main" xmlns:r="http://schemas.openxmlformats.org/officeDocument/2006/relationships" xmlns:p="http://schemas.openxmlformats.org/presentationml/2006/main">
-  <p:cSld>
-    <p:spTree>
-      <p:nvGrpSpPr>
-        <p:cNvPr id="1" name=""/>
-        <p:cNvGrpSpPr/>
-        <p:nvPr/>
-      </p:nvGrpSpPr>
-      <p:grpSpPr>
-        <a:xfrm>
-          <a:off x="0" y="0"/>
-          <a:ext cx="0" cy="0"/>
-          <a:chOff x="0" y="0"/>
-          <a:chExt cx="0" cy="0"/>
-        </a:xfrm>
-      </p:grpSpPr>
-      <p:sp>
-        <p:nvSpPr>
-          <p:cNvPr id="3" name="内容占位符 2"/>
-          <p:cNvSpPr>
-            <a:spLocks noGrp="1"/>
-          </p:cNvSpPr>
-          <p:nvPr>
-            <p:ph sz="quarter" idx="15"/>
-          </p:nvPr>
-        </p:nvSpPr>
-        <p:spPr>
-          <a:xfrm>
-            <a:off x="917622" y="516340"/>
             <a:ext cx="4450791" cy="685800"/>
           </a:xfrm>
         </p:spPr>
@@ -13671,7 +13536,7 @@
 </p:sld>
 </file>
 
-<file path=ppt/slides/slide14.xml><?xml version="1.0" encoding="utf-8"?>
+<file path=ppt/slides/slide13.xml><?xml version="1.0" encoding="utf-8"?>
 <p:sld xmlns:a="http://schemas.openxmlformats.org/drawingml/2006/main" xmlns:r="http://schemas.openxmlformats.org/officeDocument/2006/relationships" xmlns:p="http://schemas.openxmlformats.org/presentationml/2006/main">
   <p:cSld>
     <p:spTree>

--- a/meterials/slides/ch12-revise-and-think.pptx
+++ b/meterials/slides/ch12-revise-and-think.pptx
@@ -9,10 +9,10 @@
     <p:sldMasterId id="2147483691" r:id="rId5"/>
   </p:sldMasterIdLst>
   <p:notesMasterIdLst>
-    <p:notesMasterId r:id="rId19"/>
+    <p:notesMasterId r:id="rId22"/>
   </p:notesMasterIdLst>
   <p:handoutMasterIdLst>
-    <p:handoutMasterId r:id="rId20"/>
+    <p:handoutMasterId r:id="rId23"/>
   </p:handoutMasterIdLst>
   <p:sldIdLst>
     <p:sldId id="257" r:id="rId6"/>
@@ -20,19 +20,22 @@
     <p:sldId id="451" r:id="rId8"/>
     <p:sldId id="466" r:id="rId9"/>
     <p:sldId id="481" r:id="rId10"/>
-    <p:sldId id="482" r:id="rId11"/>
-    <p:sldId id="460" r:id="rId12"/>
-    <p:sldId id="456" r:id="rId13"/>
-    <p:sldId id="480" r:id="rId14"/>
+    <p:sldId id="460" r:id="rId11"/>
+    <p:sldId id="456" r:id="rId12"/>
+    <p:sldId id="480" r:id="rId13"/>
+    <p:sldId id="489" r:id="rId14"/>
     <p:sldId id="440" r:id="rId15"/>
-    <p:sldId id="452" r:id="rId16"/>
-    <p:sldId id="487" r:id="rId17"/>
-    <p:sldId id="311" r:id="rId18"/>
+    <p:sldId id="487" r:id="rId16"/>
+    <p:sldId id="490" r:id="rId17"/>
+    <p:sldId id="491" r:id="rId18"/>
+    <p:sldId id="452" r:id="rId19"/>
+    <p:sldId id="488" r:id="rId20"/>
+    <p:sldId id="311" r:id="rId21"/>
   </p:sldIdLst>
   <p:sldSz cx="12192000" cy="6858000"/>
   <p:notesSz cx="6858000" cy="9144000"/>
   <p:custDataLst>
-    <p:tags r:id="rId21"/>
+    <p:tags r:id="rId24"/>
   </p:custDataLst>
   <p:defaultTextStyle>
     <a:defPPr>
@@ -263,7 +266,7 @@
           <a:p>
             <a:fld id="{2B71C804-97F5-4B36-A7AC-EEEC7F44F6C2}" type="datetimeFigureOut">
               <a:rPr lang="zh-CN" altLang="en-US" smtClean="0"/>
-              <a:t>2017/10/31</a:t>
+              <a:t>2017/11/8</a:t>
             </a:fld>
             <a:endParaRPr lang="zh-CN" altLang="en-US"/>
           </a:p>
@@ -429,7 +432,7 @@
           <a:p>
             <a:fld id="{0568D9C6-D8DC-4CC3-8480-E0C4DBA1CC07}" type="datetimeFigureOut">
               <a:rPr lang="zh-CN" altLang="en-US" smtClean="0"/>
-              <a:t>2017/10/31</a:t>
+              <a:t>2017/11/8</a:t>
             </a:fld>
             <a:endParaRPr lang="zh-CN" altLang="en-US"/>
           </a:p>
@@ -940,7 +943,7 @@
                 <a:ea typeface="宋体" charset="-122"/>
               </a:rPr>
               <a:pPr algn="r" eaLnBrk="1" hangingPunct="1"/>
-              <a:t>13</a:t>
+              <a:t>16</a:t>
             </a:fld>
             <a:endParaRPr lang="zh-CN" altLang="en-US" sz="1200">
               <a:latin typeface="Calibri" pitchFamily="34" charset="0"/>
@@ -1042,7 +1045,7 @@
           <a:p>
             <a:fld id="{DB9D664F-4C68-42D2-B189-678958EFAFDA}" type="datetime1">
               <a:rPr lang="zh-CN" altLang="en-US" smtClean="0"/>
-              <a:t>2017/10/31</a:t>
+              <a:t>2017/11/8</a:t>
             </a:fld>
             <a:endParaRPr lang="zh-CN" altLang="en-US"/>
           </a:p>
@@ -2024,7 +2027,7 @@
           <a:p>
             <a:fld id="{ED5513C8-E3A4-4D78-B249-887659A958FF}" type="datetime1">
               <a:rPr lang="en-US" altLang="zh-CN" smtClean="0"/>
-              <a:t>10/31/2017</a:t>
+              <a:t>11/8/2017</a:t>
             </a:fld>
             <a:endParaRPr lang="en-US"/>
           </a:p>
@@ -2202,7 +2205,7 @@
           <a:p>
             <a:fld id="{EBEDA52C-3EEE-4289-818C-901C0A7814FE}" type="datetime1">
               <a:rPr lang="en-US" altLang="zh-CN" smtClean="0"/>
-              <a:t>10/31/2017</a:t>
+              <a:t>11/8/2017</a:t>
             </a:fld>
             <a:endParaRPr lang="en-US"/>
           </a:p>
@@ -2456,7 +2459,7 @@
           <a:p>
             <a:fld id="{09EF5D7F-EA15-485C-85DD-8FDC010A62D4}" type="datetime1">
               <a:rPr lang="en-US" altLang="zh-CN" smtClean="0"/>
-              <a:t>10/31/2017</a:t>
+              <a:t>11/8/2017</a:t>
             </a:fld>
             <a:endParaRPr lang="en-US"/>
           </a:p>
@@ -2696,7 +2699,7 @@
           <a:p>
             <a:fld id="{9541C2B2-0BAB-4CD4-83EE-25F1A7138896}" type="datetime1">
               <a:rPr lang="en-US" altLang="zh-CN" smtClean="0"/>
-              <a:t>10/31/2017</a:t>
+              <a:t>11/8/2017</a:t>
             </a:fld>
             <a:endParaRPr lang="en-US"/>
           </a:p>
@@ -3071,7 +3074,7 @@
           <a:p>
             <a:fld id="{7DEA23E7-D0FC-41DC-8745-BE6FC447B182}" type="datetime1">
               <a:rPr lang="en-US" altLang="zh-CN" smtClean="0"/>
-              <a:t>10/31/2017</a:t>
+              <a:t>11/8/2017</a:t>
             </a:fld>
             <a:endParaRPr lang="en-US"/>
           </a:p>
@@ -3856,7 +3859,7 @@
           <a:p>
             <a:fld id="{5DEA8378-5F33-490B-8120-8DE6B7EE2781}" type="datetime1">
               <a:rPr lang="en-US" altLang="zh-CN" smtClean="0"/>
-              <a:t>10/31/2017</a:t>
+              <a:t>11/8/2017</a:t>
             </a:fld>
             <a:endParaRPr lang="en-US"/>
           </a:p>
@@ -4110,7 +4113,7 @@
           <a:p>
             <a:fld id="{38DD30CF-78A7-4C73-91B4-38D3E3317745}" type="datetime1">
               <a:rPr lang="en-US" altLang="zh-CN" smtClean="0"/>
-              <a:t>10/31/2017</a:t>
+              <a:t>11/8/2017</a:t>
             </a:fld>
             <a:endParaRPr lang="en-US"/>
           </a:p>
@@ -4213,7 +4216,7 @@
           <a:p>
             <a:fld id="{A1BE0A72-8501-4974-A7B7-5BD248ABBAFC}" type="datetime1">
               <a:rPr lang="zh-CN" altLang="en-US" smtClean="0"/>
-              <a:t>2017/10/31</a:t>
+              <a:t>2017/11/8</a:t>
             </a:fld>
             <a:endParaRPr lang="zh-CN" altLang="en-US"/>
           </a:p>
@@ -4474,7 +4477,7 @@
           <a:p>
             <a:fld id="{0B7E01DD-16D0-4DBA-9C1A-51468BA0B73A}" type="datetime1">
               <a:rPr lang="en-US" altLang="zh-CN" smtClean="0"/>
-              <a:t>10/31/2017</a:t>
+              <a:t>11/8/2017</a:t>
             </a:fld>
             <a:endParaRPr lang="en-US"/>
           </a:p>
@@ -4652,7 +4655,7 @@
           <a:p>
             <a:fld id="{B587E63F-0E62-4A50-901F-E071D77F7634}" type="datetime1">
               <a:rPr lang="en-US" altLang="zh-CN" smtClean="0"/>
-              <a:t>10/31/2017</a:t>
+              <a:t>11/8/2017</a:t>
             </a:fld>
             <a:endParaRPr lang="en-US"/>
           </a:p>
@@ -4840,7 +4843,7 @@
           <a:p>
             <a:fld id="{BD8521E8-9297-400B-AD8C-0A4D05699D33}" type="datetime1">
               <a:rPr lang="en-US" altLang="zh-CN" smtClean="0"/>
-              <a:t>10/31/2017</a:t>
+              <a:t>11/8/2017</a:t>
             </a:fld>
             <a:endParaRPr lang="en-US"/>
           </a:p>
@@ -5071,7 +5074,7 @@
           <a:p>
             <a:fld id="{ED5513C8-E3A4-4D78-B249-887659A958FF}" type="datetime1">
               <a:rPr lang="en-US" altLang="zh-CN" smtClean="0"/>
-              <a:t>10/31/2017</a:t>
+              <a:t>11/8/2017</a:t>
             </a:fld>
             <a:endParaRPr lang="en-US"/>
           </a:p>
@@ -5249,7 +5252,7 @@
           <a:p>
             <a:fld id="{EBEDA52C-3EEE-4289-818C-901C0A7814FE}" type="datetime1">
               <a:rPr lang="en-US" altLang="zh-CN" smtClean="0"/>
-              <a:t>10/31/2017</a:t>
+              <a:t>11/8/2017</a:t>
             </a:fld>
             <a:endParaRPr lang="en-US"/>
           </a:p>
@@ -5503,7 +5506,7 @@
           <a:p>
             <a:fld id="{09EF5D7F-EA15-485C-85DD-8FDC010A62D4}" type="datetime1">
               <a:rPr lang="en-US" altLang="zh-CN" smtClean="0"/>
-              <a:t>10/31/2017</a:t>
+              <a:t>11/8/2017</a:t>
             </a:fld>
             <a:endParaRPr lang="en-US"/>
           </a:p>
@@ -5743,7 +5746,7 @@
           <a:p>
             <a:fld id="{9541C2B2-0BAB-4CD4-83EE-25F1A7138896}" type="datetime1">
               <a:rPr lang="en-US" altLang="zh-CN" smtClean="0"/>
-              <a:t>10/31/2017</a:t>
+              <a:t>11/8/2017</a:t>
             </a:fld>
             <a:endParaRPr lang="en-US"/>
           </a:p>
@@ -6118,7 +6121,7 @@
           <a:p>
             <a:fld id="{7DEA23E7-D0FC-41DC-8745-BE6FC447B182}" type="datetime1">
               <a:rPr lang="en-US" altLang="zh-CN" smtClean="0"/>
-              <a:t>10/31/2017</a:t>
+              <a:t>11/8/2017</a:t>
             </a:fld>
             <a:endParaRPr lang="en-US"/>
           </a:p>
@@ -6903,7 +6906,7 @@
           <a:p>
             <a:fld id="{A1BE0A72-8501-4974-A7B7-5BD248ABBAFC}" type="datetime1">
               <a:rPr lang="zh-CN" altLang="en-US" smtClean="0"/>
-              <a:t>2017/10/31</a:t>
+              <a:t>2017/11/8</a:t>
             </a:fld>
             <a:endParaRPr lang="zh-CN" altLang="en-US"/>
           </a:p>
@@ -6956,7 +6959,7 @@
           <a:p>
             <a:fld id="{5DEA8378-5F33-490B-8120-8DE6B7EE2781}" type="datetime1">
               <a:rPr lang="en-US" altLang="zh-CN" smtClean="0"/>
-              <a:t>10/31/2017</a:t>
+              <a:t>11/8/2017</a:t>
             </a:fld>
             <a:endParaRPr lang="en-US"/>
           </a:p>
@@ -7210,7 +7213,7 @@
           <a:p>
             <a:fld id="{38DD30CF-78A7-4C73-91B4-38D3E3317745}" type="datetime1">
               <a:rPr lang="en-US" altLang="zh-CN" smtClean="0"/>
-              <a:t>10/31/2017</a:t>
+              <a:t>11/8/2017</a:t>
             </a:fld>
             <a:endParaRPr lang="en-US"/>
           </a:p>
@@ -7475,7 +7478,7 @@
           <a:p>
             <a:fld id="{0B7E01DD-16D0-4DBA-9C1A-51468BA0B73A}" type="datetime1">
               <a:rPr lang="en-US" altLang="zh-CN" smtClean="0"/>
-              <a:t>10/31/2017</a:t>
+              <a:t>11/8/2017</a:t>
             </a:fld>
             <a:endParaRPr lang="en-US"/>
           </a:p>
@@ -7653,7 +7656,7 @@
           <a:p>
             <a:fld id="{B587E63F-0E62-4A50-901F-E071D77F7634}" type="datetime1">
               <a:rPr lang="en-US" altLang="zh-CN" smtClean="0"/>
-              <a:t>10/31/2017</a:t>
+              <a:t>11/8/2017</a:t>
             </a:fld>
             <a:endParaRPr lang="en-US"/>
           </a:p>
@@ -7841,7 +7844,7 @@
           <a:p>
             <a:fld id="{BD8521E8-9297-400B-AD8C-0A4D05699D33}" type="datetime1">
               <a:rPr lang="en-US" altLang="zh-CN" smtClean="0"/>
-              <a:t>10/31/2017</a:t>
+              <a:t>11/8/2017</a:t>
             </a:fld>
             <a:endParaRPr lang="en-US"/>
           </a:p>
@@ -7944,7 +7947,7 @@
           <a:p>
             <a:fld id="{EF452D9C-F9EB-4417-9C3A-C876C2AF9415}" type="datetime1">
               <a:rPr lang="zh-CN" altLang="en-US" smtClean="0"/>
-              <a:t>2017/10/31</a:t>
+              <a:t>2017/11/8</a:t>
             </a:fld>
             <a:endParaRPr lang="zh-CN" altLang="en-US"/>
           </a:p>
@@ -8130,7 +8133,7 @@
           <a:p>
             <a:fld id="{2F2E9289-9B4C-49AE-BDDA-70D6EDC89D17}" type="datetime1">
               <a:rPr lang="zh-CN" altLang="en-US" smtClean="0"/>
-              <a:t>2017/10/31</a:t>
+              <a:t>2017/11/8</a:t>
             </a:fld>
             <a:endParaRPr lang="zh-CN" altLang="en-US"/>
           </a:p>
@@ -8300,7 +8303,7 @@
           <a:p>
             <a:fld id="{2F2E9289-9B4C-49AE-BDDA-70D6EDC89D17}" type="datetime1">
               <a:rPr lang="zh-CN" altLang="en-US" smtClean="0"/>
-              <a:t>2017/10/31</a:t>
+              <a:t>2017/11/8</a:t>
             </a:fld>
             <a:endParaRPr lang="zh-CN" altLang="en-US"/>
           </a:p>
@@ -8536,7 +8539,7 @@
           <a:p>
             <a:fld id="{8C5BA751-A251-47D6-8494-C134D9EBED5F}" type="datetime1">
               <a:rPr lang="zh-CN" altLang="en-US" smtClean="0"/>
-              <a:t>2017/10/31</a:t>
+              <a:t>2017/11/8</a:t>
             </a:fld>
             <a:endParaRPr lang="zh-CN" altLang="en-US"/>
           </a:p>
@@ -8892,7 +8895,7 @@
           <a:p>
             <a:fld id="{C46E2078-F302-4651-A2A2-2FC6C4E1A3F1}" type="datetime1">
               <a:rPr lang="zh-CN" altLang="en-US" smtClean="0"/>
-              <a:t>2017/10/31</a:t>
+              <a:t>2017/11/8</a:t>
             </a:fld>
             <a:endParaRPr lang="zh-CN" altLang="en-US"/>
           </a:p>
@@ -9014,7 +9017,7 @@
               <a:pPr>
                 <a:defRPr/>
               </a:pPr>
-              <a:t>2017/10/31</a:t>
+              <a:t>2017/11/8</a:t>
             </a:fld>
             <a:endParaRPr lang="zh-CN" altLang="en-US"/>
           </a:p>
@@ -9162,7 +9165,7 @@
           <a:p>
             <a:fld id="{A1BE0A72-8501-4974-A7B7-5BD248ABBAFC}" type="datetime1">
               <a:rPr lang="zh-CN" altLang="en-US" smtClean="0"/>
-              <a:t>2017/10/31</a:t>
+              <a:t>2017/11/8</a:t>
             </a:fld>
             <a:endParaRPr lang="zh-CN" altLang="en-US"/>
           </a:p>
@@ -9676,7 +9679,7 @@
           <a:p>
             <a:fld id="{A1BE0A72-8501-4974-A7B7-5BD248ABBAFC}" type="datetime1">
               <a:rPr lang="zh-CN" altLang="en-US" smtClean="0"/>
-              <a:t>2017/10/31</a:t>
+              <a:t>2017/11/8</a:t>
             </a:fld>
             <a:endParaRPr lang="zh-CN" altLang="en-US"/>
           </a:p>
@@ -10282,7 +10285,7 @@
           <a:p>
             <a:fld id="{7A78726F-0AD2-4A20-BC72-263D2D3F3A2F}" type="datetime1">
               <a:rPr lang="en-US" altLang="zh-CN" smtClean="0"/>
-              <a:t>10/31/2017</a:t>
+              <a:t>11/8/2017</a:t>
             </a:fld>
             <a:endParaRPr lang="en-US"/>
           </a:p>
@@ -11263,7 +11266,7 @@
           <a:p>
             <a:fld id="{A1BE0A72-8501-4974-A7B7-5BD248ABBAFC}" type="datetime1">
               <a:rPr lang="zh-CN" altLang="en-US" smtClean="0"/>
-              <a:t>2017/10/31</a:t>
+              <a:t>2017/11/8</a:t>
             </a:fld>
             <a:endParaRPr lang="zh-CN" altLang="en-US"/>
           </a:p>
@@ -11869,7 +11872,7 @@
           <a:p>
             <a:fld id="{7A78726F-0AD2-4A20-BC72-263D2D3F3A2F}" type="datetime1">
               <a:rPr lang="en-US" altLang="zh-CN" smtClean="0"/>
-              <a:t>10/31/2017</a:t>
+              <a:t>11/8/2017</a:t>
             </a:fld>
             <a:endParaRPr lang="en-US"/>
           </a:p>
@@ -12869,7 +12872,7 @@
         <p:spPr>
           <a:xfrm>
             <a:off x="1170039" y="1750142"/>
-            <a:ext cx="8495071" cy="2585323"/>
+            <a:ext cx="8495071" cy="4247317"/>
           </a:xfrm>
           <a:prstGeom prst="rect">
             <a:avLst/>
@@ -13102,6 +13105,105 @@
               </a:rPr>
               <a:t>函数中进行配置。</a:t>
             </a:r>
+            <a:endParaRPr lang="en-US" altLang="zh-CN" dirty="0">
+              <a:latin typeface="Consolas" panose="020B0609020204030204" pitchFamily="49" charset="0"/>
+              <a:ea typeface="微软雅黑" panose="020B0503020204020204" pitchFamily="34" charset="-122"/>
+            </a:endParaRPr>
+          </a:p>
+          <a:p>
+            <a:pPr marL="285750" indent="-285750">
+              <a:lnSpc>
+                <a:spcPct val="150000"/>
+              </a:lnSpc>
+              <a:buFont typeface="Arial" panose="020B0604020202020204" pitchFamily="34" charset="0"/>
+              <a:buChar char="•"/>
+            </a:pPr>
+            <a:r>
+              <a:rPr lang="zh-CN" altLang="en-US" dirty="0">
+                <a:latin typeface="Consolas" panose="020B0609020204030204" pitchFamily="49" charset="0"/>
+                <a:ea typeface="微软雅黑" panose="020B0503020204020204" pitchFamily="34" charset="-122"/>
+              </a:rPr>
+              <a:t>注意配置提示错误如何去处理</a:t>
+            </a:r>
+            <a:endParaRPr lang="en-US" altLang="zh-CN" dirty="0">
+              <a:latin typeface="Consolas" panose="020B0609020204030204" pitchFamily="49" charset="0"/>
+              <a:ea typeface="微软雅黑" panose="020B0503020204020204" pitchFamily="34" charset="-122"/>
+            </a:endParaRPr>
+          </a:p>
+          <a:p>
+            <a:pPr lvl="1">
+              <a:lnSpc>
+                <a:spcPct val="150000"/>
+              </a:lnSpc>
+            </a:pPr>
+            <a:r>
+              <a:rPr lang="en-US" altLang="zh-CN" dirty="0" err="1">
+                <a:latin typeface="Consolas" panose="020B0609020204030204" pitchFamily="49" charset="0"/>
+                <a:ea typeface="微软雅黑" panose="020B0503020204020204" pitchFamily="34" charset="-122"/>
+              </a:rPr>
+              <a:t>Appid</a:t>
+            </a:r>
+            <a:r>
+              <a:rPr lang="zh-CN" altLang="en-US" dirty="0">
+                <a:latin typeface="Consolas" panose="020B0609020204030204" pitchFamily="49" charset="0"/>
+                <a:ea typeface="微软雅黑" panose="020B0503020204020204" pitchFamily="34" charset="-122"/>
+              </a:rPr>
+              <a:t>填写错误</a:t>
+            </a:r>
+            <a:endParaRPr lang="en-US" altLang="zh-CN" dirty="0">
+              <a:latin typeface="Consolas" panose="020B0609020204030204" pitchFamily="49" charset="0"/>
+              <a:ea typeface="微软雅黑" panose="020B0503020204020204" pitchFamily="34" charset="-122"/>
+            </a:endParaRPr>
+          </a:p>
+          <a:p>
+            <a:pPr lvl="1">
+              <a:lnSpc>
+                <a:spcPct val="150000"/>
+              </a:lnSpc>
+            </a:pPr>
+            <a:r>
+              <a:rPr lang="zh-CN" altLang="en-US" dirty="0">
+                <a:latin typeface="Consolas" panose="020B0609020204030204" pitchFamily="49" charset="0"/>
+                <a:ea typeface="微软雅黑" panose="020B0503020204020204" pitchFamily="34" charset="-122"/>
+              </a:rPr>
+              <a:t>验证流程处理有问题</a:t>
+            </a:r>
+            <a:endParaRPr lang="en-US" altLang="zh-CN" dirty="0">
+              <a:latin typeface="Consolas" panose="020B0609020204030204" pitchFamily="49" charset="0"/>
+              <a:ea typeface="微软雅黑" panose="020B0503020204020204" pitchFamily="34" charset="-122"/>
+            </a:endParaRPr>
+          </a:p>
+          <a:p>
+            <a:pPr lvl="1">
+              <a:lnSpc>
+                <a:spcPct val="150000"/>
+              </a:lnSpc>
+            </a:pPr>
+            <a:r>
+              <a:rPr lang="zh-CN" altLang="en-US" dirty="0">
+                <a:latin typeface="Consolas" panose="020B0609020204030204" pitchFamily="49" charset="0"/>
+                <a:ea typeface="微软雅黑" panose="020B0503020204020204" pitchFamily="34" charset="-122"/>
+              </a:rPr>
+              <a:t>验证</a:t>
+            </a:r>
+            <a:r>
+              <a:rPr lang="en-US" altLang="zh-CN" dirty="0" err="1">
+                <a:latin typeface="Consolas" panose="020B0609020204030204" pitchFamily="49" charset="0"/>
+                <a:ea typeface="微软雅黑" panose="020B0503020204020204" pitchFamily="34" charset="-122"/>
+              </a:rPr>
+              <a:t>url</a:t>
+            </a:r>
+            <a:r>
+              <a:rPr lang="zh-CN" altLang="en-US" dirty="0">
+                <a:latin typeface="Consolas" panose="020B0609020204030204" pitchFamily="49" charset="0"/>
+                <a:ea typeface="微软雅黑" panose="020B0503020204020204" pitchFamily="34" charset="-122"/>
+              </a:rPr>
+              <a:t>的域名和配置填写的域名不一致</a:t>
+            </a:r>
+            <a:endParaRPr lang="en-US" altLang="zh-CN" dirty="0">
+              <a:latin typeface="Consolas" panose="020B0609020204030204" pitchFamily="49" charset="0"/>
+              <a:ea typeface="微软雅黑" panose="020B0503020204020204" pitchFamily="34" charset="-122"/>
+            </a:endParaRPr>
           </a:p>
         </p:txBody>
       </p:sp>
@@ -13137,18 +13239,18 @@
       </p:grpSpPr>
       <p:sp>
         <p:nvSpPr>
-          <p:cNvPr id="2" name="内容占位符 1"/>
+          <p:cNvPr id="3" name="内容占位符 2"/>
           <p:cNvSpPr>
             <a:spLocks noGrp="1"/>
           </p:cNvSpPr>
           <p:nvPr>
-            <p:ph sz="quarter" idx="13"/>
+            <p:ph sz="quarter" idx="15"/>
           </p:nvPr>
         </p:nvSpPr>
         <p:spPr>
           <a:xfrm>
-            <a:off x="1054100" y="543636"/>
-            <a:ext cx="7304088" cy="685800"/>
+            <a:off x="917622" y="516340"/>
+            <a:ext cx="4450791" cy="685800"/>
           </a:xfrm>
         </p:spPr>
         <p:txBody>
@@ -13157,17 +13259,17 @@
           <a:p>
             <a:r>
               <a:rPr lang="zh-CN" altLang="en-US" b="0" dirty="0"/>
-              <a:t>第三讲</a:t>
-            </a:r>
-          </a:p>
-        </p:txBody>
-      </p:sp>
-      <p:sp>
-        <p:nvSpPr>
-          <p:cNvPr id="4" name="文本框 3">
+              <a:t>重点知识总结</a:t>
+            </a:r>
+          </a:p>
+        </p:txBody>
+      </p:sp>
+      <p:sp>
+        <p:nvSpPr>
+          <p:cNvPr id="2" name="文本框 1">
             <a:extLst>
               <a:ext uri="{FF2B5EF4-FFF2-40B4-BE49-F238E27FC236}">
-                <a16:creationId xmlns:a16="http://schemas.microsoft.com/office/drawing/2014/main" id="{881044DB-5DAA-45FE-B324-1F8A47186361}"/>
+                <a16:creationId xmlns:a16="http://schemas.microsoft.com/office/drawing/2014/main" id="{7AD75054-8DC1-4463-9168-E869037F7160}"/>
               </a:ext>
             </a:extLst>
           </p:cNvPr>
@@ -13176,8 +13278,8 @@
         </p:nvSpPr>
         <p:spPr>
           <a:xfrm>
-            <a:off x="4058444" y="2343152"/>
-            <a:ext cx="5385594" cy="2062103"/>
+            <a:off x="1061884" y="1700980"/>
+            <a:ext cx="9340645" cy="4662815"/>
           </a:xfrm>
           <a:prstGeom prst="rect">
             <a:avLst/>
@@ -13190,105 +13292,307 @@
           </a:bodyPr>
           <a:lstStyle/>
           <a:p>
-            <a:pPr marL="514350" indent="-514350">
+            <a:pPr marL="285750" indent="-285750">
               <a:lnSpc>
-                <a:spcPct val="200000"/>
+                <a:spcPct val="150000"/>
               </a:lnSpc>
-              <a:buFont typeface="+mj-ea"/>
-              <a:buAutoNum type="ea1JpnChsDbPeriod"/>
+              <a:buFont typeface="Arial" panose="020B0604020202020204" pitchFamily="34" charset="0"/>
+              <a:buChar char="•"/>
             </a:pPr>
             <a:r>
-              <a:rPr lang="zh-CN" altLang="en-US" sz="2000" dirty="0">
-                <a:solidFill>
-                  <a:schemeClr val="tx1">
-                    <a:lumMod val="65000"/>
-                    <a:lumOff val="35000"/>
-                  </a:schemeClr>
-                </a:solidFill>
+              <a:rPr lang="zh-CN" altLang="en-US" dirty="0">
                 <a:latin typeface="微软雅黑" panose="020B0503020204020204" pitchFamily="34" charset="-122"/>
                 <a:ea typeface="微软雅黑" panose="020B0503020204020204" pitchFamily="34" charset="-122"/>
               </a:rPr>
-              <a:t>整体脉络</a:t>
-            </a:r>
-            <a:endParaRPr lang="en-US" altLang="zh-CN" sz="2000" dirty="0">
-              <a:solidFill>
-                <a:schemeClr val="tx1">
-                  <a:lumMod val="65000"/>
-                  <a:lumOff val="35000"/>
-                </a:schemeClr>
-              </a:solidFill>
+              <a:t>了解几种服务器类型以及</a:t>
+            </a:r>
+            <a:r>
+              <a:rPr lang="en-US" altLang="zh-CN" dirty="0" err="1">
+                <a:latin typeface="微软雅黑" panose="020B0503020204020204" pitchFamily="34" charset="-122"/>
+                <a:ea typeface="微软雅黑" panose="020B0503020204020204" pitchFamily="34" charset="-122"/>
+              </a:rPr>
+              <a:t>php</a:t>
+            </a:r>
+            <a:r>
+              <a:rPr lang="zh-CN" altLang="en-US" dirty="0">
+                <a:latin typeface="微软雅黑" panose="020B0503020204020204" pitchFamily="34" charset="-122"/>
+                <a:ea typeface="微软雅黑" panose="020B0503020204020204" pitchFamily="34" charset="-122"/>
+              </a:rPr>
+              <a:t>程序运行过程和基本流程</a:t>
+            </a:r>
+            <a:endParaRPr lang="en-US" altLang="zh-CN" dirty="0">
               <a:latin typeface="微软雅黑" panose="020B0503020204020204" pitchFamily="34" charset="-122"/>
               <a:ea typeface="微软雅黑" panose="020B0503020204020204" pitchFamily="34" charset="-122"/>
             </a:endParaRPr>
           </a:p>
           <a:p>
-            <a:pPr marL="514350" indent="-514350">
+            <a:pPr marL="285750" indent="-285750">
               <a:lnSpc>
-                <a:spcPct val="200000"/>
+                <a:spcPct val="150000"/>
               </a:lnSpc>
-              <a:buFont typeface="+mj-ea"/>
-              <a:buAutoNum type="ea1JpnChsDbPeriod"/>
+              <a:buFont typeface="Arial" panose="020B0604020202020204" pitchFamily="34" charset="0"/>
+              <a:buChar char="•"/>
             </a:pPr>
             <a:r>
-              <a:rPr lang="zh-CN" altLang="en-US" sz="2000" dirty="0">
-                <a:solidFill>
-                  <a:schemeClr val="tx1">
-                    <a:lumMod val="65000"/>
-                    <a:lumOff val="35000"/>
-                  </a:schemeClr>
-                </a:solidFill>
+              <a:rPr lang="zh-CN" altLang="en-US" dirty="0">
                 <a:latin typeface="微软雅黑" panose="020B0503020204020204" pitchFamily="34" charset="-122"/>
                 <a:ea typeface="微软雅黑" panose="020B0503020204020204" pitchFamily="34" charset="-122"/>
               </a:rPr>
-              <a:t>重点回顾</a:t>
-            </a:r>
-            <a:endParaRPr lang="en-US" altLang="zh-CN" sz="2000" dirty="0">
-              <a:solidFill>
-                <a:schemeClr val="tx1">
-                  <a:lumMod val="65000"/>
-                  <a:lumOff val="35000"/>
-                </a:schemeClr>
-              </a:solidFill>
+              <a:t>要了解微信公众号几种类型以及区别和定位。</a:t>
+            </a:r>
+            <a:endParaRPr lang="en-US" altLang="zh-CN" dirty="0">
               <a:latin typeface="微软雅黑" panose="020B0503020204020204" pitchFamily="34" charset="-122"/>
               <a:ea typeface="微软雅黑" panose="020B0503020204020204" pitchFamily="34" charset="-122"/>
             </a:endParaRPr>
           </a:p>
           <a:p>
-            <a:pPr marL="514350" indent="-514350">
+            <a:pPr marL="285750" indent="-285750">
               <a:lnSpc>
-                <a:spcPct val="200000"/>
+                <a:spcPct val="150000"/>
               </a:lnSpc>
-              <a:buFont typeface="+mj-ea"/>
-              <a:buAutoNum type="ea1JpnChsDbPeriod"/>
+              <a:buFont typeface="Arial" panose="020B0604020202020204" pitchFamily="34" charset="0"/>
+              <a:buChar char="•"/>
             </a:pPr>
             <a:r>
-              <a:rPr lang="zh-CN" altLang="en-US" sz="2400" dirty="0">
-                <a:solidFill>
-                  <a:schemeClr val="accent6">
-                    <a:lumMod val="75000"/>
-                  </a:schemeClr>
-                </a:solidFill>
+              <a:rPr lang="zh-CN" altLang="en-US" dirty="0">
                 <a:latin typeface="微软雅黑" panose="020B0503020204020204" pitchFamily="34" charset="-122"/>
                 <a:ea typeface="微软雅黑" panose="020B0503020204020204" pitchFamily="34" charset="-122"/>
               </a:rPr>
-              <a:t>总结</a:t>
-            </a:r>
-            <a:endParaRPr lang="en-US" altLang="zh-CN" sz="2400" dirty="0">
-              <a:solidFill>
-                <a:schemeClr val="accent6">
-                  <a:lumMod val="75000"/>
-                </a:schemeClr>
-              </a:solidFill>
+              <a:t>开发者服务器被动回复消息，微信服务器不支持表情消息。</a:t>
+            </a:r>
+            <a:endParaRPr lang="en-US" altLang="zh-CN" dirty="0">
               <a:latin typeface="微软雅黑" panose="020B0503020204020204" pitchFamily="34" charset="-122"/>
               <a:ea typeface="微软雅黑" panose="020B0503020204020204" pitchFamily="34" charset="-122"/>
             </a:endParaRPr>
           </a:p>
+          <a:p>
+            <a:pPr marL="285750" indent="-285750">
+              <a:lnSpc>
+                <a:spcPct val="150000"/>
+              </a:lnSpc>
+              <a:buFont typeface="Arial" panose="020B0604020202020204" pitchFamily="34" charset="0"/>
+              <a:buChar char="•"/>
+            </a:pPr>
+            <a:r>
+              <a:rPr lang="zh-CN" altLang="en-US" dirty="0">
+                <a:latin typeface="微软雅黑" panose="020B0503020204020204" pitchFamily="34" charset="-122"/>
+                <a:ea typeface="微软雅黑" panose="020B0503020204020204" pitchFamily="34" charset="-122"/>
+              </a:rPr>
+              <a:t>熟悉服务器配置验证流程</a:t>
+            </a:r>
+            <a:endParaRPr lang="en-US" altLang="zh-CN" dirty="0">
+              <a:latin typeface="微软雅黑" panose="020B0503020204020204" pitchFamily="34" charset="-122"/>
+              <a:ea typeface="微软雅黑" panose="020B0503020204020204" pitchFamily="34" charset="-122"/>
+            </a:endParaRPr>
+          </a:p>
+          <a:p>
+            <a:pPr marL="285750" indent="-285750">
+              <a:lnSpc>
+                <a:spcPct val="150000"/>
+              </a:lnSpc>
+              <a:buFont typeface="Arial" panose="020B0604020202020204" pitchFamily="34" charset="0"/>
+              <a:buChar char="•"/>
+            </a:pPr>
+            <a:r>
+              <a:rPr lang="zh-CN" altLang="en-US" dirty="0">
+                <a:latin typeface="微软雅黑" panose="020B0503020204020204" pitchFamily="34" charset="-122"/>
+                <a:ea typeface="微软雅黑" panose="020B0503020204020204" pitchFamily="34" charset="-122"/>
+              </a:rPr>
+              <a:t>熟悉</a:t>
+            </a:r>
+            <a:r>
+              <a:rPr lang="en-US" altLang="zh-CN" dirty="0">
+                <a:latin typeface="微软雅黑" panose="020B0503020204020204" pitchFamily="34" charset="-122"/>
+                <a:ea typeface="微软雅黑" panose="020B0503020204020204" pitchFamily="34" charset="-122"/>
+              </a:rPr>
+              <a:t>JSSDK</a:t>
+            </a:r>
+            <a:r>
+              <a:rPr lang="zh-CN" altLang="en-US" dirty="0">
+                <a:latin typeface="微软雅黑" panose="020B0503020204020204" pitchFamily="34" charset="-122"/>
+                <a:ea typeface="微软雅黑" panose="020B0503020204020204" pitchFamily="34" charset="-122"/>
+              </a:rPr>
+              <a:t>配置验证流程</a:t>
+            </a:r>
+            <a:endParaRPr lang="en-US" altLang="zh-CN" dirty="0">
+              <a:latin typeface="微软雅黑" panose="020B0503020204020204" pitchFamily="34" charset="-122"/>
+              <a:ea typeface="微软雅黑" panose="020B0503020204020204" pitchFamily="34" charset="-122"/>
+            </a:endParaRPr>
+          </a:p>
+          <a:p>
+            <a:pPr marL="285750" indent="-285750">
+              <a:lnSpc>
+                <a:spcPct val="150000"/>
+              </a:lnSpc>
+              <a:buFont typeface="Arial" panose="020B0604020202020204" pitchFamily="34" charset="0"/>
+              <a:buChar char="•"/>
+            </a:pPr>
+            <a:r>
+              <a:rPr lang="zh-CN" altLang="en-US" dirty="0">
+                <a:latin typeface="微软雅黑" panose="020B0503020204020204" pitchFamily="34" charset="-122"/>
+                <a:ea typeface="微软雅黑" panose="020B0503020204020204" pitchFamily="34" charset="-122"/>
+              </a:rPr>
+              <a:t>了解微信服务器转发消息是</a:t>
+            </a:r>
+            <a:r>
+              <a:rPr lang="en-US" altLang="zh-CN" dirty="0">
+                <a:latin typeface="微软雅黑" panose="020B0503020204020204" pitchFamily="34" charset="-122"/>
+                <a:ea typeface="微软雅黑" panose="020B0503020204020204" pitchFamily="34" charset="-122"/>
+              </a:rPr>
+              <a:t>XML</a:t>
+            </a:r>
+            <a:r>
+              <a:rPr lang="zh-CN" altLang="en-US" dirty="0">
+                <a:latin typeface="微软雅黑" panose="020B0503020204020204" pitchFamily="34" charset="-122"/>
+                <a:ea typeface="微软雅黑" panose="020B0503020204020204" pitchFamily="34" charset="-122"/>
+              </a:rPr>
+              <a:t>格式，微信接口返回数据是</a:t>
+            </a:r>
+            <a:r>
+              <a:rPr lang="en-US" altLang="zh-CN" dirty="0">
+                <a:latin typeface="微软雅黑" panose="020B0503020204020204" pitchFamily="34" charset="-122"/>
+                <a:ea typeface="微软雅黑" panose="020B0503020204020204" pitchFamily="34" charset="-122"/>
+              </a:rPr>
+              <a:t>JSON</a:t>
+            </a:r>
+            <a:r>
+              <a:rPr lang="zh-CN" altLang="en-US" dirty="0">
+                <a:latin typeface="微软雅黑" panose="020B0503020204020204" pitchFamily="34" charset="-122"/>
+                <a:ea typeface="微软雅黑" panose="020B0503020204020204" pitchFamily="34" charset="-122"/>
+              </a:rPr>
+              <a:t>格式</a:t>
+            </a:r>
+            <a:endParaRPr lang="en-US" altLang="zh-CN" dirty="0">
+              <a:latin typeface="微软雅黑" panose="020B0503020204020204" pitchFamily="34" charset="-122"/>
+              <a:ea typeface="微软雅黑" panose="020B0503020204020204" pitchFamily="34" charset="-122"/>
+            </a:endParaRPr>
+          </a:p>
+          <a:p>
+            <a:pPr marL="285750" indent="-285750">
+              <a:lnSpc>
+                <a:spcPct val="150000"/>
+              </a:lnSpc>
+              <a:buFont typeface="Arial" panose="020B0604020202020204" pitchFamily="34" charset="0"/>
+              <a:buChar char="•"/>
+            </a:pPr>
+            <a:r>
+              <a:rPr lang="zh-CN" altLang="en-US" dirty="0">
+                <a:latin typeface="微软雅黑" panose="020B0503020204020204" pitchFamily="34" charset="-122"/>
+                <a:ea typeface="微软雅黑" panose="020B0503020204020204" pitchFamily="34" charset="-122"/>
+              </a:rPr>
+              <a:t>了解微信网页授权的流程</a:t>
+            </a:r>
+            <a:endParaRPr lang="en-US" altLang="zh-CN" dirty="0">
+              <a:latin typeface="微软雅黑" panose="020B0503020204020204" pitchFamily="34" charset="-122"/>
+              <a:ea typeface="微软雅黑" panose="020B0503020204020204" pitchFamily="34" charset="-122"/>
+            </a:endParaRPr>
+          </a:p>
+          <a:p>
+            <a:pPr lvl="1">
+              <a:lnSpc>
+                <a:spcPct val="150000"/>
+              </a:lnSpc>
+            </a:pPr>
+            <a:r>
+              <a:rPr lang="zh-CN" altLang="en-US" dirty="0">
+                <a:latin typeface="微软雅黑" panose="020B0503020204020204" pitchFamily="34" charset="-122"/>
+                <a:ea typeface="微软雅黑" panose="020B0503020204020204" pitchFamily="34" charset="-122"/>
+              </a:rPr>
+              <a:t>客户端跳转微信授权页面发起调用请求</a:t>
+            </a:r>
+            <a:endParaRPr lang="en-US" altLang="zh-CN" dirty="0">
+              <a:latin typeface="微软雅黑" panose="020B0503020204020204" pitchFamily="34" charset="-122"/>
+              <a:ea typeface="微软雅黑" panose="020B0503020204020204" pitchFamily="34" charset="-122"/>
+            </a:endParaRPr>
+          </a:p>
+          <a:p>
+            <a:pPr lvl="1">
+              <a:lnSpc>
+                <a:spcPct val="150000"/>
+              </a:lnSpc>
+            </a:pPr>
+            <a:r>
+              <a:rPr lang="zh-CN" altLang="en-US" dirty="0">
+                <a:latin typeface="微软雅黑" panose="020B0503020204020204" pitchFamily="34" charset="-122"/>
+                <a:ea typeface="微软雅黑" panose="020B0503020204020204" pitchFamily="34" charset="-122"/>
+              </a:rPr>
+              <a:t>用户同意后客户端获取授权码</a:t>
+            </a:r>
+            <a:endParaRPr lang="en-US" altLang="zh-CN" dirty="0">
+              <a:latin typeface="微软雅黑" panose="020B0503020204020204" pitchFamily="34" charset="-122"/>
+              <a:ea typeface="微软雅黑" panose="020B0503020204020204" pitchFamily="34" charset="-122"/>
+            </a:endParaRPr>
+          </a:p>
+          <a:p>
+            <a:pPr lvl="1">
+              <a:lnSpc>
+                <a:spcPct val="150000"/>
+              </a:lnSpc>
+            </a:pPr>
+            <a:r>
+              <a:rPr lang="zh-CN" altLang="en-US" dirty="0">
+                <a:latin typeface="微软雅黑" panose="020B0503020204020204" pitchFamily="34" charset="-122"/>
+                <a:ea typeface="微软雅黑" panose="020B0503020204020204" pitchFamily="34" charset="-122"/>
+              </a:rPr>
+              <a:t>客户端使用授权码以及其他参数调用</a:t>
+            </a:r>
+            <a:r>
+              <a:rPr lang="en-US" altLang="zh-CN" dirty="0" err="1">
+                <a:latin typeface="微软雅黑" panose="020B0503020204020204" pitchFamily="34" charset="-122"/>
+                <a:ea typeface="微软雅黑" panose="020B0503020204020204" pitchFamily="34" charset="-122"/>
+              </a:rPr>
+              <a:t>access_token</a:t>
+            </a:r>
+            <a:r>
+              <a:rPr lang="zh-CN" altLang="en-US" dirty="0">
+                <a:latin typeface="微软雅黑" panose="020B0503020204020204" pitchFamily="34" charset="-122"/>
+                <a:ea typeface="微软雅黑" panose="020B0503020204020204" pitchFamily="34" charset="-122"/>
+              </a:rPr>
+              <a:t>接口获取令牌</a:t>
+            </a:r>
+            <a:endParaRPr lang="en-US" altLang="zh-CN" dirty="0">
+              <a:latin typeface="微软雅黑" panose="020B0503020204020204" pitchFamily="34" charset="-122"/>
+              <a:ea typeface="微软雅黑" panose="020B0503020204020204" pitchFamily="34" charset="-122"/>
+            </a:endParaRPr>
+          </a:p>
+          <a:p>
+            <a:pPr lvl="1">
+              <a:lnSpc>
+                <a:spcPct val="150000"/>
+              </a:lnSpc>
+            </a:pPr>
+            <a:r>
+              <a:rPr lang="zh-CN" altLang="en-US" dirty="0">
+                <a:latin typeface="微软雅黑" panose="020B0503020204020204" pitchFamily="34" charset="-122"/>
+                <a:ea typeface="微软雅黑" panose="020B0503020204020204" pitchFamily="34" charset="-122"/>
+              </a:rPr>
+              <a:t>使用</a:t>
+            </a:r>
+            <a:r>
+              <a:rPr lang="en-US" altLang="zh-CN" dirty="0" err="1">
+                <a:latin typeface="微软雅黑" panose="020B0503020204020204" pitchFamily="34" charset="-122"/>
+                <a:ea typeface="微软雅黑" panose="020B0503020204020204" pitchFamily="34" charset="-122"/>
+              </a:rPr>
+              <a:t>access_token</a:t>
+            </a:r>
+            <a:r>
+              <a:rPr lang="zh-CN" altLang="en-US" dirty="0">
+                <a:latin typeface="微软雅黑" panose="020B0503020204020204" pitchFamily="34" charset="-122"/>
+                <a:ea typeface="微软雅黑" panose="020B0503020204020204" pitchFamily="34" charset="-122"/>
+              </a:rPr>
+              <a:t>获取用户信息</a:t>
+            </a:r>
+            <a:endParaRPr lang="en-US" altLang="zh-CN" dirty="0">
+              <a:latin typeface="微软雅黑" panose="020B0503020204020204" pitchFamily="34" charset="-122"/>
+              <a:ea typeface="微软雅黑" panose="020B0503020204020204" pitchFamily="34" charset="-122"/>
+            </a:endParaRPr>
+          </a:p>
         </p:txBody>
       </p:sp>
     </p:spTree>
     <p:extLst>
       <p:ext uri="{BB962C8B-B14F-4D97-AF65-F5344CB8AC3E}">
-        <p14:creationId xmlns:p14="http://schemas.microsoft.com/office/powerpoint/2010/main" val="1928010297"/>
+        <p14:creationId xmlns:p14="http://schemas.microsoft.com/office/powerpoint/2010/main" val="1443497594"/>
       </p:ext>
     </p:extLst>
   </p:cSld>
@@ -13328,7 +13632,7 @@
         <p:spPr>
           <a:xfrm>
             <a:off x="917622" y="516340"/>
-            <a:ext cx="4450791" cy="685800"/>
+            <a:ext cx="7685604" cy="685800"/>
           </a:xfrm>
         </p:spPr>
         <p:txBody>
@@ -13337,7 +13641,7 @@
           <a:p>
             <a:r>
               <a:rPr lang="zh-CN" altLang="en-US" b="0" dirty="0"/>
-              <a:t>课程总结</a:t>
+              <a:t>开发者服务器配置验证的流程</a:t>
             </a:r>
           </a:p>
         </p:txBody>
@@ -13356,8 +13660,8 @@
         </p:nvSpPr>
         <p:spPr>
           <a:xfrm>
-            <a:off x="1111045" y="1995948"/>
-            <a:ext cx="10284542" cy="2120902"/>
+            <a:off x="1061884" y="1700980"/>
+            <a:ext cx="9340645" cy="1754326"/>
           </a:xfrm>
           <a:prstGeom prst="rect">
             <a:avLst/>
@@ -13382,26 +13686,29 @@
                 <a:latin typeface="微软雅黑" panose="020B0503020204020204" pitchFamily="34" charset="-122"/>
                 <a:ea typeface="微软雅黑" panose="020B0503020204020204" pitchFamily="34" charset="-122"/>
               </a:rPr>
-              <a:t>微信与移动</a:t>
+              <a:t>开启服务器配置填好参数并确认，微信后台会把验证签名与签名参数以</a:t>
             </a:r>
             <a:r>
               <a:rPr lang="en-US" altLang="zh-CN" dirty="0">
                 <a:latin typeface="微软雅黑" panose="020B0503020204020204" pitchFamily="34" charset="-122"/>
                 <a:ea typeface="微软雅黑" panose="020B0503020204020204" pitchFamily="34" charset="-122"/>
               </a:rPr>
-              <a:t>web</a:t>
+              <a:t>GET</a:t>
             </a:r>
             <a:r>
               <a:rPr lang="zh-CN" altLang="en-US" dirty="0">
                 <a:latin typeface="微软雅黑" panose="020B0503020204020204" pitchFamily="34" charset="-122"/>
                 <a:ea typeface="微软雅黑" panose="020B0503020204020204" pitchFamily="34" charset="-122"/>
               </a:rPr>
-              <a:t>开发课程到此就要结束了。</a:t>
-            </a:r>
-            <a:endParaRPr lang="en-US" altLang="zh-CN" dirty="0">
-              <a:latin typeface="微软雅黑" panose="020B0503020204020204" pitchFamily="34" charset="-122"/>
-              <a:ea typeface="微软雅黑" panose="020B0503020204020204" pitchFamily="34" charset="-122"/>
-            </a:endParaRPr>
+              <a:t>参数形式提交到开发者</a:t>
+            </a:r>
+            <a:r>
+              <a:rPr lang="en-US" altLang="zh-CN" dirty="0">
+                <a:latin typeface="微软雅黑" panose="020B0503020204020204" pitchFamily="34" charset="-122"/>
+                <a:ea typeface="微软雅黑" panose="020B0503020204020204" pitchFamily="34" charset="-122"/>
+              </a:rPr>
+              <a:t>URL</a:t>
+            </a:r>
           </a:p>
           <a:p>
             <a:pPr marL="285750" indent="-285750">
@@ -13416,7 +13723,7 @@
                 <a:latin typeface="微软雅黑" panose="020B0503020204020204" pitchFamily="34" charset="-122"/>
                 <a:ea typeface="微软雅黑" panose="020B0503020204020204" pitchFamily="34" charset="-122"/>
               </a:rPr>
-              <a:t>本课程讲解了如何配置开发环境，如何调试。</a:t>
+              <a:t>开发者服务器程序使用和微信相同的签名流程进行签名并对比提交过来的签名参数</a:t>
             </a:r>
             <a:endParaRPr lang="en-US" altLang="zh-CN" dirty="0">
               <a:latin typeface="微软雅黑" panose="020B0503020204020204" pitchFamily="34" charset="-122"/>
@@ -13436,97 +13743,19 @@
                 <a:latin typeface="微软雅黑" panose="020B0503020204020204" pitchFamily="34" charset="-122"/>
                 <a:ea typeface="微软雅黑" panose="020B0503020204020204" pitchFamily="34" charset="-122"/>
               </a:rPr>
-              <a:t>然后配置开发者服务器，进行消息回复处理与事件消息处理。</a:t>
+              <a:t>如果签名相同则返回随机字符串参数，否则配置失败</a:t>
             </a:r>
             <a:endParaRPr lang="en-US" altLang="zh-CN" dirty="0">
               <a:latin typeface="微软雅黑" panose="020B0503020204020204" pitchFamily="34" charset="-122"/>
               <a:ea typeface="微软雅黑" panose="020B0503020204020204" pitchFamily="34" charset="-122"/>
             </a:endParaRPr>
           </a:p>
-          <a:p>
-            <a:pPr marL="285750" indent="-285750">
-              <a:lnSpc>
-                <a:spcPct val="150000"/>
-              </a:lnSpc>
-              <a:buFont typeface="Arial" panose="020B0604020202020204" pitchFamily="34" charset="0"/>
-              <a:buChar char="•"/>
-            </a:pPr>
-            <a:r>
-              <a:rPr lang="zh-CN" altLang="en-US" dirty="0">
-                <a:latin typeface="微软雅黑" panose="020B0503020204020204" pitchFamily="34" charset="-122"/>
-                <a:ea typeface="微软雅黑" panose="020B0503020204020204" pitchFamily="34" charset="-122"/>
-              </a:rPr>
-              <a:t>之后讲解了如何调用微信的接口，同时在调用接口的过程中扩展了</a:t>
-            </a:r>
-            <a:r>
-              <a:rPr lang="en-US" altLang="zh-CN" dirty="0">
-                <a:latin typeface="微软雅黑" panose="020B0503020204020204" pitchFamily="34" charset="-122"/>
-                <a:ea typeface="微软雅黑" panose="020B0503020204020204" pitchFamily="34" charset="-122"/>
-              </a:rPr>
-              <a:t>CURL</a:t>
-            </a:r>
-            <a:r>
-              <a:rPr lang="zh-CN" altLang="en-US" dirty="0">
-                <a:latin typeface="微软雅黑" panose="020B0503020204020204" pitchFamily="34" charset="-122"/>
-                <a:ea typeface="微软雅黑" panose="020B0503020204020204" pitchFamily="34" charset="-122"/>
-              </a:rPr>
-              <a:t>，</a:t>
-            </a:r>
-            <a:r>
-              <a:rPr lang="en-US" altLang="zh-CN" dirty="0">
-                <a:latin typeface="微软雅黑" panose="020B0503020204020204" pitchFamily="34" charset="-122"/>
-                <a:ea typeface="微软雅黑" panose="020B0503020204020204" pitchFamily="34" charset="-122"/>
-              </a:rPr>
-              <a:t>XML</a:t>
-            </a:r>
-            <a:r>
-              <a:rPr lang="zh-CN" altLang="en-US" dirty="0">
-                <a:latin typeface="微软雅黑" panose="020B0503020204020204" pitchFamily="34" charset="-122"/>
-                <a:ea typeface="微软雅黑" panose="020B0503020204020204" pitchFamily="34" charset="-122"/>
-              </a:rPr>
-              <a:t>，</a:t>
-            </a:r>
-            <a:r>
-              <a:rPr lang="en-US" altLang="zh-CN" dirty="0">
-                <a:latin typeface="微软雅黑" panose="020B0503020204020204" pitchFamily="34" charset="-122"/>
-                <a:ea typeface="微软雅黑" panose="020B0503020204020204" pitchFamily="34" charset="-122"/>
-              </a:rPr>
-              <a:t>JSON</a:t>
-            </a:r>
-            <a:r>
-              <a:rPr lang="zh-CN" altLang="en-US" dirty="0">
-                <a:latin typeface="微软雅黑" panose="020B0503020204020204" pitchFamily="34" charset="-122"/>
-                <a:ea typeface="微软雅黑" panose="020B0503020204020204" pitchFamily="34" charset="-122"/>
-              </a:rPr>
-              <a:t>等知识。</a:t>
-            </a:r>
-            <a:endParaRPr lang="en-US" altLang="zh-CN" dirty="0">
-              <a:latin typeface="微软雅黑" panose="020B0503020204020204" pitchFamily="34" charset="-122"/>
-              <a:ea typeface="微软雅黑" panose="020B0503020204020204" pitchFamily="34" charset="-122"/>
-            </a:endParaRPr>
-          </a:p>
-          <a:p>
-            <a:pPr marL="285750" indent="-285750">
-              <a:lnSpc>
-                <a:spcPct val="150000"/>
-              </a:lnSpc>
-              <a:buFont typeface="Arial" panose="020B0604020202020204" pitchFamily="34" charset="0"/>
-              <a:buChar char="•"/>
-            </a:pPr>
-            <a:r>
-              <a:rPr lang="zh-CN" altLang="en-US" dirty="0">
-                <a:latin typeface="微软雅黑" panose="020B0503020204020204" pitchFamily="34" charset="-122"/>
-                <a:ea typeface="微软雅黑" panose="020B0503020204020204" pitchFamily="34" charset="-122"/>
-              </a:rPr>
-              <a:t>本次课程结束，学生已具备完成微信开发的能力，并在实际业务场景中使用。</a:t>
-            </a:r>
-          </a:p>
         </p:txBody>
       </p:sp>
     </p:spTree>
     <p:extLst>
       <p:ext uri="{BB962C8B-B14F-4D97-AF65-F5344CB8AC3E}">
-        <p14:creationId xmlns:p14="http://schemas.microsoft.com/office/powerpoint/2010/main" val="1443497594"/>
+        <p14:creationId xmlns:p14="http://schemas.microsoft.com/office/powerpoint/2010/main" val="3458739212"/>
       </p:ext>
     </p:extLst>
   </p:cSld>
@@ -13537,6 +13766,509 @@
 </file>
 
 <file path=ppt/slides/slide13.xml><?xml version="1.0" encoding="utf-8"?>
+<p:sld xmlns:a="http://schemas.openxmlformats.org/drawingml/2006/main" xmlns:r="http://schemas.openxmlformats.org/officeDocument/2006/relationships" xmlns:p="http://schemas.openxmlformats.org/presentationml/2006/main">
+  <p:cSld>
+    <p:spTree>
+      <p:nvGrpSpPr>
+        <p:cNvPr id="1" name=""/>
+        <p:cNvGrpSpPr/>
+        <p:nvPr/>
+      </p:nvGrpSpPr>
+      <p:grpSpPr>
+        <a:xfrm>
+          <a:off x="0" y="0"/>
+          <a:ext cx="0" cy="0"/>
+          <a:chOff x="0" y="0"/>
+          <a:chExt cx="0" cy="0"/>
+        </a:xfrm>
+      </p:grpSpPr>
+      <p:sp>
+        <p:nvSpPr>
+          <p:cNvPr id="3" name="内容占位符 2"/>
+          <p:cNvSpPr>
+            <a:spLocks noGrp="1"/>
+          </p:cNvSpPr>
+          <p:nvPr>
+            <p:ph sz="quarter" idx="15"/>
+          </p:nvPr>
+        </p:nvSpPr>
+        <p:spPr>
+          <a:xfrm>
+            <a:off x="917622" y="516340"/>
+            <a:ext cx="5660159" cy="685800"/>
+          </a:xfrm>
+        </p:spPr>
+        <p:txBody>
+          <a:bodyPr/>
+          <a:lstStyle/>
+          <a:p>
+            <a:r>
+              <a:rPr lang="en-US" altLang="zh-CN" b="0" dirty="0"/>
+              <a:t>JSSDK</a:t>
+            </a:r>
+            <a:r>
+              <a:rPr lang="zh-CN" altLang="en-US" b="0" dirty="0"/>
+              <a:t>配置验证流程</a:t>
+            </a:r>
+          </a:p>
+        </p:txBody>
+      </p:sp>
+      <p:sp>
+        <p:nvSpPr>
+          <p:cNvPr id="2" name="文本框 1">
+            <a:extLst>
+              <a:ext uri="{FF2B5EF4-FFF2-40B4-BE49-F238E27FC236}">
+                <a16:creationId xmlns:a16="http://schemas.microsoft.com/office/drawing/2014/main" id="{7AD75054-8DC1-4463-9168-E869037F7160}"/>
+              </a:ext>
+            </a:extLst>
+          </p:cNvPr>
+          <p:cNvSpPr txBox="1"/>
+          <p:nvPr/>
+        </p:nvSpPr>
+        <p:spPr>
+          <a:xfrm>
+            <a:off x="1061884" y="1700980"/>
+            <a:ext cx="9340645" cy="1754326"/>
+          </a:xfrm>
+          <a:prstGeom prst="rect">
+            <a:avLst/>
+          </a:prstGeom>
+          <a:noFill/>
+        </p:spPr>
+        <p:txBody>
+          <a:bodyPr wrap="square" rtlCol="0">
+            <a:spAutoFit/>
+          </a:bodyPr>
+          <a:lstStyle/>
+          <a:p>
+            <a:pPr marL="285750" indent="-285750">
+              <a:lnSpc>
+                <a:spcPct val="150000"/>
+              </a:lnSpc>
+              <a:buFont typeface="Arial" panose="020B0604020202020204" pitchFamily="34" charset="0"/>
+              <a:buChar char="•"/>
+            </a:pPr>
+            <a:r>
+              <a:rPr lang="zh-CN" altLang="en-US" dirty="0">
+                <a:latin typeface="微软雅黑" panose="020B0503020204020204" pitchFamily="34" charset="-122"/>
+                <a:ea typeface="微软雅黑" panose="020B0503020204020204" pitchFamily="34" charset="-122"/>
+              </a:rPr>
+              <a:t>公众号页面功能设置填写</a:t>
+            </a:r>
+            <a:r>
+              <a:rPr lang="en-US" altLang="zh-CN" dirty="0">
+                <a:latin typeface="微软雅黑" panose="020B0503020204020204" pitchFamily="34" charset="-122"/>
+                <a:ea typeface="微软雅黑" panose="020B0503020204020204" pitchFamily="34" charset="-122"/>
+              </a:rPr>
+              <a:t>JSSDK</a:t>
+            </a:r>
+            <a:r>
+              <a:rPr lang="zh-CN" altLang="en-US" dirty="0">
+                <a:latin typeface="微软雅黑" panose="020B0503020204020204" pitchFamily="34" charset="-122"/>
+                <a:ea typeface="微软雅黑" panose="020B0503020204020204" pitchFamily="34" charset="-122"/>
+              </a:rPr>
+              <a:t>的调用安全域名</a:t>
+            </a:r>
+            <a:endParaRPr lang="en-US" altLang="zh-CN" dirty="0">
+              <a:latin typeface="微软雅黑" panose="020B0503020204020204" pitchFamily="34" charset="-122"/>
+              <a:ea typeface="微软雅黑" panose="020B0503020204020204" pitchFamily="34" charset="-122"/>
+            </a:endParaRPr>
+          </a:p>
+          <a:p>
+            <a:pPr marL="285750" indent="-285750">
+              <a:lnSpc>
+                <a:spcPct val="150000"/>
+              </a:lnSpc>
+              <a:buFont typeface="Arial" panose="020B0604020202020204" pitchFamily="34" charset="0"/>
+              <a:buChar char="•"/>
+            </a:pPr>
+            <a:r>
+              <a:rPr lang="zh-CN" altLang="en-US" dirty="0">
+                <a:latin typeface="微软雅黑" panose="020B0503020204020204" pitchFamily="34" charset="-122"/>
+                <a:ea typeface="微软雅黑" panose="020B0503020204020204" pitchFamily="34" charset="-122"/>
+              </a:rPr>
+              <a:t>使用微信开发者文档提供的签名参数以及流程进行签名操作</a:t>
+            </a:r>
+            <a:endParaRPr lang="en-US" altLang="zh-CN" dirty="0">
+              <a:latin typeface="微软雅黑" panose="020B0503020204020204" pitchFamily="34" charset="-122"/>
+              <a:ea typeface="微软雅黑" panose="020B0503020204020204" pitchFamily="34" charset="-122"/>
+            </a:endParaRPr>
+          </a:p>
+          <a:p>
+            <a:pPr marL="285750" indent="-285750">
+              <a:lnSpc>
+                <a:spcPct val="150000"/>
+              </a:lnSpc>
+              <a:buFont typeface="Arial" panose="020B0604020202020204" pitchFamily="34" charset="0"/>
+              <a:buChar char="•"/>
+            </a:pPr>
+            <a:r>
+              <a:rPr lang="zh-CN" altLang="en-US" dirty="0">
+                <a:latin typeface="微软雅黑" panose="020B0503020204020204" pitchFamily="34" charset="-122"/>
+                <a:ea typeface="微软雅黑" panose="020B0503020204020204" pitchFamily="34" charset="-122"/>
+              </a:rPr>
+              <a:t>在页面中把签名以及签名需要的参数传递到</a:t>
+            </a:r>
+            <a:r>
+              <a:rPr lang="en-US" altLang="zh-CN" dirty="0" err="1">
+                <a:latin typeface="微软雅黑" panose="020B0503020204020204" pitchFamily="34" charset="-122"/>
+                <a:ea typeface="微软雅黑" panose="020B0503020204020204" pitchFamily="34" charset="-122"/>
+              </a:rPr>
+              <a:t>jssdk</a:t>
+            </a:r>
+            <a:r>
+              <a:rPr lang="zh-CN" altLang="en-US" dirty="0">
+                <a:latin typeface="微软雅黑" panose="020B0503020204020204" pitchFamily="34" charset="-122"/>
+                <a:ea typeface="微软雅黑" panose="020B0503020204020204" pitchFamily="34" charset="-122"/>
+              </a:rPr>
+              <a:t>的</a:t>
+            </a:r>
+            <a:r>
+              <a:rPr lang="en-US" altLang="zh-CN" dirty="0">
+                <a:latin typeface="微软雅黑" panose="020B0503020204020204" pitchFamily="34" charset="-122"/>
+                <a:ea typeface="微软雅黑" panose="020B0503020204020204" pitchFamily="34" charset="-122"/>
+              </a:rPr>
+              <a:t>config</a:t>
+            </a:r>
+            <a:r>
+              <a:rPr lang="zh-CN" altLang="en-US" dirty="0">
+                <a:latin typeface="微软雅黑" panose="020B0503020204020204" pitchFamily="34" charset="-122"/>
+                <a:ea typeface="微软雅黑" panose="020B0503020204020204" pitchFamily="34" charset="-122"/>
+              </a:rPr>
+              <a:t>接口中</a:t>
+            </a:r>
+            <a:endParaRPr lang="en-US" altLang="zh-CN" dirty="0">
+              <a:latin typeface="微软雅黑" panose="020B0503020204020204" pitchFamily="34" charset="-122"/>
+              <a:ea typeface="微软雅黑" panose="020B0503020204020204" pitchFamily="34" charset="-122"/>
+            </a:endParaRPr>
+          </a:p>
+          <a:p>
+            <a:pPr marL="285750" indent="-285750">
+              <a:lnSpc>
+                <a:spcPct val="150000"/>
+              </a:lnSpc>
+              <a:buFont typeface="Arial" panose="020B0604020202020204" pitchFamily="34" charset="0"/>
+              <a:buChar char="•"/>
+            </a:pPr>
+            <a:r>
+              <a:rPr lang="en-US" altLang="zh-CN" dirty="0">
+                <a:latin typeface="微软雅黑" panose="020B0503020204020204" pitchFamily="34" charset="-122"/>
+                <a:ea typeface="微软雅黑" panose="020B0503020204020204" pitchFamily="34" charset="-122"/>
+              </a:rPr>
+              <a:t>config</a:t>
+            </a:r>
+            <a:r>
+              <a:rPr lang="zh-CN" altLang="en-US" dirty="0">
+                <a:latin typeface="微软雅黑" panose="020B0503020204020204" pitchFamily="34" charset="-122"/>
+                <a:ea typeface="微软雅黑" panose="020B0503020204020204" pitchFamily="34" charset="-122"/>
+              </a:rPr>
+              <a:t>接口验证以后会提示是否验证成功</a:t>
+            </a:r>
+            <a:endParaRPr lang="en-US" altLang="zh-CN" dirty="0">
+              <a:latin typeface="微软雅黑" panose="020B0503020204020204" pitchFamily="34" charset="-122"/>
+              <a:ea typeface="微软雅黑" panose="020B0503020204020204" pitchFamily="34" charset="-122"/>
+            </a:endParaRPr>
+          </a:p>
+        </p:txBody>
+      </p:sp>
+    </p:spTree>
+    <p:extLst>
+      <p:ext uri="{BB962C8B-B14F-4D97-AF65-F5344CB8AC3E}">
+        <p14:creationId xmlns:p14="http://schemas.microsoft.com/office/powerpoint/2010/main" val="238803515"/>
+      </p:ext>
+    </p:extLst>
+  </p:cSld>
+  <p:clrMapOvr>
+    <a:masterClrMapping/>
+  </p:clrMapOvr>
+</p:sld>
+</file>
+
+<file path=ppt/slides/slide14.xml><?xml version="1.0" encoding="utf-8"?>
+<p:sld xmlns:a="http://schemas.openxmlformats.org/drawingml/2006/main" xmlns:r="http://schemas.openxmlformats.org/officeDocument/2006/relationships" xmlns:p="http://schemas.openxmlformats.org/presentationml/2006/main">
+  <p:cSld>
+    <p:spTree>
+      <p:nvGrpSpPr>
+        <p:cNvPr id="1" name=""/>
+        <p:cNvGrpSpPr/>
+        <p:nvPr/>
+      </p:nvGrpSpPr>
+      <p:grpSpPr>
+        <a:xfrm>
+          <a:off x="0" y="0"/>
+          <a:ext cx="0" cy="0"/>
+          <a:chOff x="0" y="0"/>
+          <a:chExt cx="0" cy="0"/>
+        </a:xfrm>
+      </p:grpSpPr>
+      <p:sp>
+        <p:nvSpPr>
+          <p:cNvPr id="2" name="内容占位符 1"/>
+          <p:cNvSpPr>
+            <a:spLocks noGrp="1"/>
+          </p:cNvSpPr>
+          <p:nvPr>
+            <p:ph sz="quarter" idx="13"/>
+          </p:nvPr>
+        </p:nvSpPr>
+        <p:spPr>
+          <a:xfrm>
+            <a:off x="1054100" y="543636"/>
+            <a:ext cx="7304088" cy="685800"/>
+          </a:xfrm>
+        </p:spPr>
+        <p:txBody>
+          <a:bodyPr/>
+          <a:lstStyle/>
+          <a:p>
+            <a:r>
+              <a:rPr lang="zh-CN" altLang="en-US" b="0" dirty="0"/>
+              <a:t>第三讲</a:t>
+            </a:r>
+          </a:p>
+        </p:txBody>
+      </p:sp>
+      <p:sp>
+        <p:nvSpPr>
+          <p:cNvPr id="4" name="文本框 3">
+            <a:extLst>
+              <a:ext uri="{FF2B5EF4-FFF2-40B4-BE49-F238E27FC236}">
+                <a16:creationId xmlns:a16="http://schemas.microsoft.com/office/drawing/2014/main" id="{881044DB-5DAA-45FE-B324-1F8A47186361}"/>
+              </a:ext>
+            </a:extLst>
+          </p:cNvPr>
+          <p:cNvSpPr txBox="1"/>
+          <p:nvPr/>
+        </p:nvSpPr>
+        <p:spPr>
+          <a:xfrm>
+            <a:off x="4058444" y="2343152"/>
+            <a:ext cx="5385594" cy="2062103"/>
+          </a:xfrm>
+          <a:prstGeom prst="rect">
+            <a:avLst/>
+          </a:prstGeom>
+          <a:noFill/>
+        </p:spPr>
+        <p:txBody>
+          <a:bodyPr wrap="square" rtlCol="0">
+            <a:spAutoFit/>
+          </a:bodyPr>
+          <a:lstStyle/>
+          <a:p>
+            <a:pPr marL="514350" indent="-514350">
+              <a:lnSpc>
+                <a:spcPct val="200000"/>
+              </a:lnSpc>
+              <a:buFont typeface="+mj-ea"/>
+              <a:buAutoNum type="ea1JpnChsDbPeriod"/>
+            </a:pPr>
+            <a:r>
+              <a:rPr lang="zh-CN" altLang="en-US" sz="2000" dirty="0">
+                <a:solidFill>
+                  <a:schemeClr val="tx1">
+                    <a:lumMod val="65000"/>
+                    <a:lumOff val="35000"/>
+                  </a:schemeClr>
+                </a:solidFill>
+                <a:latin typeface="微软雅黑" panose="020B0503020204020204" pitchFamily="34" charset="-122"/>
+                <a:ea typeface="微软雅黑" panose="020B0503020204020204" pitchFamily="34" charset="-122"/>
+              </a:rPr>
+              <a:t>整体脉络</a:t>
+            </a:r>
+            <a:endParaRPr lang="en-US" altLang="zh-CN" sz="2000" dirty="0">
+              <a:solidFill>
+                <a:schemeClr val="tx1">
+                  <a:lumMod val="65000"/>
+                  <a:lumOff val="35000"/>
+                </a:schemeClr>
+              </a:solidFill>
+              <a:latin typeface="微软雅黑" panose="020B0503020204020204" pitchFamily="34" charset="-122"/>
+              <a:ea typeface="微软雅黑" panose="020B0503020204020204" pitchFamily="34" charset="-122"/>
+            </a:endParaRPr>
+          </a:p>
+          <a:p>
+            <a:pPr marL="514350" indent="-514350">
+              <a:lnSpc>
+                <a:spcPct val="200000"/>
+              </a:lnSpc>
+              <a:buFont typeface="+mj-ea"/>
+              <a:buAutoNum type="ea1JpnChsDbPeriod"/>
+            </a:pPr>
+            <a:r>
+              <a:rPr lang="zh-CN" altLang="en-US" sz="2000" dirty="0">
+                <a:solidFill>
+                  <a:schemeClr val="tx1">
+                    <a:lumMod val="65000"/>
+                    <a:lumOff val="35000"/>
+                  </a:schemeClr>
+                </a:solidFill>
+                <a:latin typeface="微软雅黑" panose="020B0503020204020204" pitchFamily="34" charset="-122"/>
+                <a:ea typeface="微软雅黑" panose="020B0503020204020204" pitchFamily="34" charset="-122"/>
+              </a:rPr>
+              <a:t>重点回顾</a:t>
+            </a:r>
+            <a:endParaRPr lang="en-US" altLang="zh-CN" sz="2000" dirty="0">
+              <a:solidFill>
+                <a:schemeClr val="tx1">
+                  <a:lumMod val="65000"/>
+                  <a:lumOff val="35000"/>
+                </a:schemeClr>
+              </a:solidFill>
+              <a:latin typeface="微软雅黑" panose="020B0503020204020204" pitchFamily="34" charset="-122"/>
+              <a:ea typeface="微软雅黑" panose="020B0503020204020204" pitchFamily="34" charset="-122"/>
+            </a:endParaRPr>
+          </a:p>
+          <a:p>
+            <a:pPr marL="514350" indent="-514350">
+              <a:lnSpc>
+                <a:spcPct val="200000"/>
+              </a:lnSpc>
+              <a:buFont typeface="+mj-ea"/>
+              <a:buAutoNum type="ea1JpnChsDbPeriod"/>
+            </a:pPr>
+            <a:r>
+              <a:rPr lang="zh-CN" altLang="en-US" sz="2400" dirty="0">
+                <a:solidFill>
+                  <a:schemeClr val="accent6">
+                    <a:lumMod val="75000"/>
+                  </a:schemeClr>
+                </a:solidFill>
+                <a:latin typeface="微软雅黑" panose="020B0503020204020204" pitchFamily="34" charset="-122"/>
+                <a:ea typeface="微软雅黑" panose="020B0503020204020204" pitchFamily="34" charset="-122"/>
+              </a:rPr>
+              <a:t>总结</a:t>
+            </a:r>
+            <a:endParaRPr lang="en-US" altLang="zh-CN" sz="2400" dirty="0">
+              <a:solidFill>
+                <a:schemeClr val="accent6">
+                  <a:lumMod val="75000"/>
+                </a:schemeClr>
+              </a:solidFill>
+              <a:latin typeface="微软雅黑" panose="020B0503020204020204" pitchFamily="34" charset="-122"/>
+              <a:ea typeface="微软雅黑" panose="020B0503020204020204" pitchFamily="34" charset="-122"/>
+            </a:endParaRPr>
+          </a:p>
+        </p:txBody>
+      </p:sp>
+    </p:spTree>
+    <p:extLst>
+      <p:ext uri="{BB962C8B-B14F-4D97-AF65-F5344CB8AC3E}">
+        <p14:creationId xmlns:p14="http://schemas.microsoft.com/office/powerpoint/2010/main" val="1928010297"/>
+      </p:ext>
+    </p:extLst>
+  </p:cSld>
+  <p:clrMapOvr>
+    <a:masterClrMapping/>
+  </p:clrMapOvr>
+</p:sld>
+</file>
+
+<file path=ppt/slides/slide15.xml><?xml version="1.0" encoding="utf-8"?>
+<p:sld xmlns:a="http://schemas.openxmlformats.org/drawingml/2006/main" xmlns:r="http://schemas.openxmlformats.org/officeDocument/2006/relationships" xmlns:p="http://schemas.openxmlformats.org/presentationml/2006/main">
+  <p:cSld>
+    <p:spTree>
+      <p:nvGrpSpPr>
+        <p:cNvPr id="1" name=""/>
+        <p:cNvGrpSpPr/>
+        <p:nvPr/>
+      </p:nvGrpSpPr>
+      <p:grpSpPr>
+        <a:xfrm>
+          <a:off x="0" y="0"/>
+          <a:ext cx="0" cy="0"/>
+          <a:chOff x="0" y="0"/>
+          <a:chExt cx="0" cy="0"/>
+        </a:xfrm>
+      </p:grpSpPr>
+      <p:sp>
+        <p:nvSpPr>
+          <p:cNvPr id="3" name="内容占位符 2"/>
+          <p:cNvSpPr>
+            <a:spLocks noGrp="1"/>
+          </p:cNvSpPr>
+          <p:nvPr>
+            <p:ph sz="quarter" idx="15"/>
+          </p:nvPr>
+        </p:nvSpPr>
+        <p:spPr>
+          <a:xfrm>
+            <a:off x="917622" y="516340"/>
+            <a:ext cx="4450791" cy="685800"/>
+          </a:xfrm>
+        </p:spPr>
+        <p:txBody>
+          <a:bodyPr/>
+          <a:lstStyle/>
+          <a:p>
+            <a:r>
+              <a:rPr lang="zh-CN" altLang="en-US" b="0" dirty="0"/>
+              <a:t>总结</a:t>
+            </a:r>
+          </a:p>
+        </p:txBody>
+      </p:sp>
+      <p:sp>
+        <p:nvSpPr>
+          <p:cNvPr id="2" name="文本框 1">
+            <a:extLst>
+              <a:ext uri="{FF2B5EF4-FFF2-40B4-BE49-F238E27FC236}">
+                <a16:creationId xmlns:a16="http://schemas.microsoft.com/office/drawing/2014/main" id="{7AD75054-8DC1-4463-9168-E869037F7160}"/>
+              </a:ext>
+            </a:extLst>
+          </p:cNvPr>
+          <p:cNvSpPr txBox="1"/>
+          <p:nvPr/>
+        </p:nvSpPr>
+        <p:spPr>
+          <a:xfrm>
+            <a:off x="4178710" y="3156155"/>
+            <a:ext cx="4404852" cy="581057"/>
+          </a:xfrm>
+          <a:prstGeom prst="rect">
+            <a:avLst/>
+          </a:prstGeom>
+          <a:noFill/>
+        </p:spPr>
+        <p:txBody>
+          <a:bodyPr wrap="square" rtlCol="0">
+            <a:spAutoFit/>
+          </a:bodyPr>
+          <a:lstStyle/>
+          <a:p>
+            <a:pPr>
+              <a:lnSpc>
+                <a:spcPct val="150000"/>
+              </a:lnSpc>
+            </a:pPr>
+            <a:r>
+              <a:rPr lang="en-US" altLang="zh-CN" sz="2400" dirty="0">
+                <a:latin typeface="微软雅黑" panose="020B0503020204020204" pitchFamily="34" charset="-122"/>
+                <a:ea typeface="微软雅黑" panose="020B0503020204020204" pitchFamily="34" charset="-122"/>
+              </a:rPr>
+              <a:t>         -- The end --</a:t>
+            </a:r>
+            <a:endParaRPr lang="zh-CN" altLang="en-US" sz="2400" dirty="0">
+              <a:latin typeface="微软雅黑" panose="020B0503020204020204" pitchFamily="34" charset="-122"/>
+              <a:ea typeface="微软雅黑" panose="020B0503020204020204" pitchFamily="34" charset="-122"/>
+            </a:endParaRPr>
+          </a:p>
+        </p:txBody>
+      </p:sp>
+    </p:spTree>
+    <p:extLst>
+      <p:ext uri="{BB962C8B-B14F-4D97-AF65-F5344CB8AC3E}">
+        <p14:creationId xmlns:p14="http://schemas.microsoft.com/office/powerpoint/2010/main" val="2270885236"/>
+      </p:ext>
+    </p:extLst>
+  </p:cSld>
+  <p:clrMapOvr>
+    <a:masterClrMapping/>
+  </p:clrMapOvr>
+</p:sld>
+</file>
+
+<file path=ppt/slides/slide16.xml><?xml version="1.0" encoding="utf-8"?>
 <p:sld xmlns:a="http://schemas.openxmlformats.org/drawingml/2006/main" xmlns:r="http://schemas.openxmlformats.org/officeDocument/2006/relationships" xmlns:p="http://schemas.openxmlformats.org/presentationml/2006/main">
   <p:cSld>
     <p:spTree>
@@ -14877,7 +15609,7 @@
         <p:spPr>
           <a:xfrm>
             <a:off x="1327355" y="1769806"/>
-            <a:ext cx="9733935" cy="4062651"/>
+            <a:ext cx="9733935" cy="3231654"/>
           </a:xfrm>
           <a:prstGeom prst="rect">
             <a:avLst/>
@@ -15019,26 +15751,6 @@
                 <a:ea typeface="微软雅黑" panose="020B0503020204020204" pitchFamily="34" charset="-122"/>
               </a:rPr>
               <a:t>，这些都是微信为了方便开发者而提供的前端工具。</a:t>
-            </a:r>
-            <a:endParaRPr lang="en-US" altLang="zh-CN" dirty="0">
-              <a:latin typeface="微软雅黑" panose="020B0503020204020204" pitchFamily="34" charset="-122"/>
-              <a:ea typeface="微软雅黑" panose="020B0503020204020204" pitchFamily="34" charset="-122"/>
-            </a:endParaRPr>
-          </a:p>
-          <a:p>
-            <a:pPr marL="285750" indent="-285750">
-              <a:lnSpc>
-                <a:spcPct val="150000"/>
-              </a:lnSpc>
-              <a:buFont typeface="Arial" panose="020B0604020202020204" pitchFamily="34" charset="0"/>
-              <a:buChar char="•"/>
-            </a:pPr>
-            <a:r>
-              <a:rPr lang="zh-CN" altLang="en-US" dirty="0">
-                <a:latin typeface="微软雅黑" panose="020B0503020204020204" pitchFamily="34" charset="-122"/>
-                <a:ea typeface="微软雅黑" panose="020B0503020204020204" pitchFamily="34" charset="-122"/>
-              </a:rPr>
-              <a:t>实际上，微信支付并没有在微信开发者文档说明，而是独立的一个模块，在微信支付文档里有详细说明，但是和微信开发联系是很紧密的，实际的工作往往会涉及到微信支付的接口。</a:t>
             </a:r>
             <a:endParaRPr lang="en-US" altLang="zh-CN" dirty="0">
               <a:latin typeface="微软雅黑" panose="020B0503020204020204" pitchFamily="34" charset="-122"/>
@@ -15103,33 +15815,34 @@
             <p:ph sz="quarter" idx="13"/>
           </p:nvPr>
         </p:nvSpPr>
+        <p:spPr/>
+        <p:txBody>
+          <a:bodyPr/>
+          <a:lstStyle/>
+          <a:p>
+            <a:r>
+              <a:rPr lang="zh-CN" altLang="en-US" b="0" dirty="0"/>
+              <a:t>第二讲</a:t>
+            </a:r>
+          </a:p>
+        </p:txBody>
+      </p:sp>
+      <p:sp>
+        <p:nvSpPr>
+          <p:cNvPr id="5" name="文本框 4">
+            <a:extLst>
+              <a:ext uri="{FF2B5EF4-FFF2-40B4-BE49-F238E27FC236}">
+                <a16:creationId xmlns:a16="http://schemas.microsoft.com/office/drawing/2014/main" id="{DF540757-2DF2-4689-9860-0FF6F3C265D1}"/>
+              </a:ext>
+            </a:extLst>
+          </p:cNvPr>
+          <p:cNvSpPr txBox="1"/>
+          <p:nvPr/>
+        </p:nvSpPr>
         <p:spPr>
           <a:xfrm>
-            <a:off x="1054100" y="543636"/>
-            <a:ext cx="5818188" cy="685800"/>
-          </a:xfrm>
-        </p:spPr>
-        <p:txBody>
-          <a:bodyPr/>
-          <a:lstStyle/>
-          <a:p>
-            <a:r>
-              <a:rPr lang="zh-CN" altLang="en-US" b="0" dirty="0"/>
-              <a:t>组织方式</a:t>
-            </a:r>
-          </a:p>
-        </p:txBody>
-      </p:sp>
-      <p:sp>
-        <p:nvSpPr>
-          <p:cNvPr id="3" name="文本框 2"/>
-          <p:cNvSpPr txBox="1"/>
-          <p:nvPr/>
-        </p:nvSpPr>
-        <p:spPr>
-          <a:xfrm>
-            <a:off x="853440" y="1874520"/>
-            <a:ext cx="10073640" cy="2536400"/>
+            <a:off x="4058444" y="2343152"/>
+            <a:ext cx="5385594" cy="2062103"/>
           </a:xfrm>
           <a:prstGeom prst="rect">
             <a:avLst/>
@@ -15142,67 +15855,105 @@
           </a:bodyPr>
           <a:lstStyle/>
           <a:p>
-            <a:pPr marL="285750" indent="-285750">
+            <a:pPr marL="514350" indent="-514350">
               <a:lnSpc>
-                <a:spcPct val="150000"/>
+                <a:spcPct val="200000"/>
               </a:lnSpc>
-              <a:buFont typeface="Arial" panose="020B0604020202020204" pitchFamily="34" charset="0"/>
-              <a:buChar char="•"/>
+              <a:buFont typeface="+mj-ea"/>
+              <a:buAutoNum type="ea1JpnChsDbPeriod"/>
             </a:pPr>
             <a:r>
-              <a:rPr lang="zh-CN" altLang="en-US" dirty="0">
+              <a:rPr lang="zh-CN" altLang="en-US" sz="2000" dirty="0">
+                <a:solidFill>
+                  <a:schemeClr val="tx1">
+                    <a:lumMod val="65000"/>
+                    <a:lumOff val="35000"/>
+                  </a:schemeClr>
+                </a:solidFill>
                 <a:latin typeface="微软雅黑" panose="020B0503020204020204" pitchFamily="34" charset="-122"/>
                 <a:ea typeface="微软雅黑" panose="020B0503020204020204" pitchFamily="34" charset="-122"/>
               </a:rPr>
-              <a:t>微信服务器转发消息，事件消息通知，网页授权这些可以对接开发者服务器进行十分丰富的功能开发，完成更加完善的业务操作。</a:t>
-            </a:r>
-            <a:endParaRPr lang="en-US" altLang="zh-CN" dirty="0">
+              <a:t>整体脉络</a:t>
+            </a:r>
+            <a:endParaRPr lang="en-US" altLang="zh-CN" sz="2000" dirty="0">
+              <a:solidFill>
+                <a:schemeClr val="tx1">
+                  <a:lumMod val="65000"/>
+                  <a:lumOff val="35000"/>
+                </a:schemeClr>
+              </a:solidFill>
               <a:latin typeface="微软雅黑" panose="020B0503020204020204" pitchFamily="34" charset="-122"/>
               <a:ea typeface="微软雅黑" panose="020B0503020204020204" pitchFamily="34" charset="-122"/>
             </a:endParaRPr>
           </a:p>
           <a:p>
-            <a:pPr marL="285750" indent="-285750">
+            <a:pPr marL="514350" indent="-514350">
               <a:lnSpc>
-                <a:spcPct val="150000"/>
+                <a:spcPct val="200000"/>
               </a:lnSpc>
-              <a:buFont typeface="Arial" panose="020B0604020202020204" pitchFamily="34" charset="0"/>
-              <a:buChar char="•"/>
+              <a:buFont typeface="+mj-ea"/>
+              <a:buAutoNum type="ea1JpnChsDbPeriod"/>
             </a:pPr>
             <a:r>
-              <a:rPr lang="zh-CN" altLang="en-US" dirty="0">
+              <a:rPr lang="zh-CN" altLang="en-US" sz="2400" dirty="0">
+                <a:solidFill>
+                  <a:schemeClr val="accent6">
+                    <a:lumMod val="75000"/>
+                  </a:schemeClr>
+                </a:solidFill>
                 <a:latin typeface="微软雅黑" panose="020B0503020204020204" pitchFamily="34" charset="-122"/>
                 <a:ea typeface="微软雅黑" panose="020B0503020204020204" pitchFamily="34" charset="-122"/>
               </a:rPr>
-              <a:t>微信接口的演示代码要组织成更完整的体系，完善后台的管理的功能，提供网页形式的快速操作工具。</a:t>
-            </a:r>
-            <a:endParaRPr lang="en-US" altLang="zh-CN" dirty="0">
+              <a:t>重点回顾</a:t>
+            </a:r>
+            <a:endParaRPr lang="en-US" altLang="zh-CN" sz="2400" dirty="0">
+              <a:solidFill>
+                <a:schemeClr val="accent6">
+                  <a:lumMod val="75000"/>
+                </a:schemeClr>
+              </a:solidFill>
               <a:latin typeface="微软雅黑" panose="020B0503020204020204" pitchFamily="34" charset="-122"/>
               <a:ea typeface="微软雅黑" panose="020B0503020204020204" pitchFamily="34" charset="-122"/>
             </a:endParaRPr>
           </a:p>
           <a:p>
-            <a:pPr marL="285750" indent="-285750">
+            <a:pPr marL="514350" indent="-514350">
               <a:lnSpc>
-                <a:spcPct val="150000"/>
+                <a:spcPct val="200000"/>
               </a:lnSpc>
-              <a:buFont typeface="Arial" panose="020B0604020202020204" pitchFamily="34" charset="0"/>
-              <a:buChar char="•"/>
+              <a:buFont typeface="+mj-ea"/>
+              <a:buAutoNum type="ea1JpnChsDbPeriod"/>
             </a:pPr>
             <a:r>
-              <a:rPr lang="zh-CN" altLang="en-US" dirty="0">
+              <a:rPr lang="zh-CN" altLang="en-US" sz="2000" dirty="0">
+                <a:solidFill>
+                  <a:schemeClr val="tx1">
+                    <a:lumMod val="65000"/>
+                    <a:lumOff val="35000"/>
+                  </a:schemeClr>
+                </a:solidFill>
                 <a:latin typeface="微软雅黑" panose="020B0503020204020204" pitchFamily="34" charset="-122"/>
                 <a:ea typeface="微软雅黑" panose="020B0503020204020204" pitchFamily="34" charset="-122"/>
               </a:rPr>
-              <a:t>微信服务器通知开发者服务器后，在必要的时候，可以调用微信接口，所以处理消息与调用接口可以完成非常复杂的功能。</a:t>
-            </a:r>
+              <a:t>总结</a:t>
+            </a:r>
+            <a:endParaRPr lang="en-US" altLang="zh-CN" sz="2000" dirty="0">
+              <a:solidFill>
+                <a:schemeClr val="tx1">
+                  <a:lumMod val="65000"/>
+                  <a:lumOff val="35000"/>
+                </a:schemeClr>
+              </a:solidFill>
+              <a:latin typeface="微软雅黑" panose="020B0503020204020204" pitchFamily="34" charset="-122"/>
+              <a:ea typeface="微软雅黑" panose="020B0503020204020204" pitchFamily="34" charset="-122"/>
+            </a:endParaRPr>
           </a:p>
         </p:txBody>
       </p:sp>
     </p:spTree>
     <p:extLst>
       <p:ext uri="{BB962C8B-B14F-4D97-AF65-F5344CB8AC3E}">
-        <p14:creationId xmlns:p14="http://schemas.microsoft.com/office/powerpoint/2010/main" val="2865911590"/>
+        <p14:creationId xmlns:p14="http://schemas.microsoft.com/office/powerpoint/2010/main" val="2999457395"/>
       </p:ext>
     </p:extLst>
   </p:cSld>
@@ -15239,34 +15990,33 @@
             <p:ph sz="quarter" idx="13"/>
           </p:nvPr>
         </p:nvSpPr>
-        <p:spPr/>
+        <p:spPr>
+          <a:xfrm>
+            <a:off x="1054099" y="543636"/>
+            <a:ext cx="7529461" cy="685800"/>
+          </a:xfrm>
+        </p:spPr>
         <p:txBody>
           <a:bodyPr/>
           <a:lstStyle/>
           <a:p>
             <a:r>
               <a:rPr lang="zh-CN" altLang="en-US" b="0" dirty="0"/>
-              <a:t>第二讲</a:t>
-            </a:r>
-          </a:p>
-        </p:txBody>
-      </p:sp>
-      <p:sp>
-        <p:nvSpPr>
-          <p:cNvPr id="5" name="文本框 4">
-            <a:extLst>
-              <a:ext uri="{FF2B5EF4-FFF2-40B4-BE49-F238E27FC236}">
-                <a16:creationId xmlns:a16="http://schemas.microsoft.com/office/drawing/2014/main" id="{DF540757-2DF2-4689-9860-0FF6F3C265D1}"/>
-              </a:ext>
-            </a:extLst>
-          </p:cNvPr>
+              <a:t>开发过程要注意的问题</a:t>
+            </a:r>
+          </a:p>
+        </p:txBody>
+      </p:sp>
+      <p:sp>
+        <p:nvSpPr>
+          <p:cNvPr id="3" name="文本框 2"/>
           <p:cNvSpPr txBox="1"/>
           <p:nvPr/>
         </p:nvSpPr>
         <p:spPr>
           <a:xfrm>
-            <a:off x="4058444" y="2343152"/>
-            <a:ext cx="5385594" cy="2062103"/>
+            <a:off x="1054099" y="1645920"/>
+            <a:ext cx="10485120" cy="3831818"/>
           </a:xfrm>
           <a:prstGeom prst="rect">
             <a:avLst/>
@@ -15279,105 +16029,295 @@
           </a:bodyPr>
           <a:lstStyle/>
           <a:p>
-            <a:pPr marL="514350" indent="-514350">
+            <a:pPr marL="285750" indent="-285750">
               <a:lnSpc>
-                <a:spcPct val="200000"/>
+                <a:spcPct val="150000"/>
               </a:lnSpc>
-              <a:buFont typeface="+mj-ea"/>
-              <a:buAutoNum type="ea1JpnChsDbPeriod"/>
+              <a:buFont typeface="Arial" panose="020B0604020202020204" pitchFamily="34" charset="0"/>
+              <a:buChar char="•"/>
             </a:pPr>
             <a:r>
-              <a:rPr lang="zh-CN" altLang="en-US" sz="2000" dirty="0">
-                <a:solidFill>
-                  <a:schemeClr val="tx1">
-                    <a:lumMod val="65000"/>
-                    <a:lumOff val="35000"/>
-                  </a:schemeClr>
-                </a:solidFill>
-                <a:latin typeface="微软雅黑" panose="020B0503020204020204" pitchFamily="34" charset="-122"/>
-                <a:ea typeface="微软雅黑" panose="020B0503020204020204" pitchFamily="34" charset="-122"/>
-              </a:rPr>
-              <a:t>整体脉络</a:t>
-            </a:r>
-            <a:endParaRPr lang="en-US" altLang="zh-CN" sz="2000" dirty="0">
-              <a:solidFill>
-                <a:schemeClr val="tx1">
-                  <a:lumMod val="65000"/>
-                  <a:lumOff val="35000"/>
-                </a:schemeClr>
-              </a:solidFill>
-              <a:latin typeface="微软雅黑" panose="020B0503020204020204" pitchFamily="34" charset="-122"/>
+              <a:rPr lang="zh-CN" altLang="en-US" dirty="0">
+                <a:latin typeface="Calibri" panose="020F0502020204030204" pitchFamily="34" charset="0"/>
+                <a:ea typeface="微软雅黑" panose="020B0503020204020204" pitchFamily="34" charset="-122"/>
+              </a:rPr>
+              <a:t>开发者配置要按照要求配置好，启用加密注意密钥的位数要求。</a:t>
+            </a:r>
+            <a:endParaRPr lang="en-US" altLang="zh-CN" dirty="0">
+              <a:latin typeface="Calibri" panose="020F0502020204030204" pitchFamily="34" charset="0"/>
               <a:ea typeface="微软雅黑" panose="020B0503020204020204" pitchFamily="34" charset="-122"/>
             </a:endParaRPr>
           </a:p>
           <a:p>
-            <a:pPr marL="514350" indent="-514350">
+            <a:pPr marL="285750" indent="-285750">
               <a:lnSpc>
-                <a:spcPct val="200000"/>
+                <a:spcPct val="150000"/>
               </a:lnSpc>
-              <a:buFont typeface="+mj-ea"/>
-              <a:buAutoNum type="ea1JpnChsDbPeriod"/>
+              <a:buFont typeface="Arial" panose="020B0604020202020204" pitchFamily="34" charset="0"/>
+              <a:buChar char="•"/>
             </a:pPr>
             <a:r>
-              <a:rPr lang="zh-CN" altLang="en-US" sz="2400" dirty="0">
-                <a:solidFill>
-                  <a:schemeClr val="accent6">
-                    <a:lumMod val="75000"/>
-                  </a:schemeClr>
-                </a:solidFill>
-                <a:latin typeface="微软雅黑" panose="020B0503020204020204" pitchFamily="34" charset="-122"/>
-                <a:ea typeface="微软雅黑" panose="020B0503020204020204" pitchFamily="34" charset="-122"/>
-              </a:rPr>
-              <a:t>重点回顾</a:t>
-            </a:r>
-            <a:endParaRPr lang="en-US" altLang="zh-CN" sz="2400" dirty="0">
-              <a:solidFill>
-                <a:schemeClr val="accent6">
-                  <a:lumMod val="75000"/>
-                </a:schemeClr>
-              </a:solidFill>
-              <a:latin typeface="微软雅黑" panose="020B0503020204020204" pitchFamily="34" charset="-122"/>
+              <a:rPr lang="zh-CN" altLang="en-US" dirty="0">
+                <a:latin typeface="Calibri" panose="020F0502020204030204" pitchFamily="34" charset="0"/>
+                <a:ea typeface="微软雅黑" panose="020B0503020204020204" pitchFamily="34" charset="-122"/>
+              </a:rPr>
+              <a:t>开发者配置的</a:t>
+            </a:r>
+            <a:r>
+              <a:rPr lang="en-US" altLang="zh-CN" dirty="0">
+                <a:latin typeface="Calibri" panose="020F0502020204030204" pitchFamily="34" charset="0"/>
+                <a:ea typeface="微软雅黑" panose="020B0503020204020204" pitchFamily="34" charset="-122"/>
+              </a:rPr>
+              <a:t>URL</a:t>
+            </a:r>
+            <a:r>
+              <a:rPr lang="zh-CN" altLang="en-US" dirty="0">
+                <a:latin typeface="Calibri" panose="020F0502020204030204" pitchFamily="34" charset="0"/>
+                <a:ea typeface="微软雅黑" panose="020B0503020204020204" pitchFamily="34" charset="-122"/>
+              </a:rPr>
+              <a:t>验证与回复消息是互斥的，注意配置过程中修改代码。</a:t>
+            </a:r>
+            <a:endParaRPr lang="en-US" altLang="zh-CN" dirty="0">
+              <a:latin typeface="Calibri" panose="020F0502020204030204" pitchFamily="34" charset="0"/>
               <a:ea typeface="微软雅黑" panose="020B0503020204020204" pitchFamily="34" charset="-122"/>
             </a:endParaRPr>
           </a:p>
           <a:p>
-            <a:pPr marL="514350" indent="-514350">
+            <a:pPr marL="285750" indent="-285750">
               <a:lnSpc>
-                <a:spcPct val="200000"/>
+                <a:spcPct val="150000"/>
               </a:lnSpc>
-              <a:buFont typeface="+mj-ea"/>
-              <a:buAutoNum type="ea1JpnChsDbPeriod"/>
+              <a:buFont typeface="Arial" panose="020B0604020202020204" pitchFamily="34" charset="0"/>
+              <a:buChar char="•"/>
             </a:pPr>
             <a:r>
-              <a:rPr lang="zh-CN" altLang="en-US" sz="2000" dirty="0">
-                <a:solidFill>
-                  <a:schemeClr val="tx1">
-                    <a:lumMod val="65000"/>
-                    <a:lumOff val="35000"/>
-                  </a:schemeClr>
-                </a:solidFill>
-                <a:latin typeface="微软雅黑" panose="020B0503020204020204" pitchFamily="34" charset="-122"/>
-                <a:ea typeface="微软雅黑" panose="020B0503020204020204" pitchFamily="34" charset="-122"/>
-              </a:rPr>
-              <a:t>总结</a:t>
-            </a:r>
-            <a:endParaRPr lang="en-US" altLang="zh-CN" sz="2000" dirty="0">
-              <a:solidFill>
-                <a:schemeClr val="tx1">
-                  <a:lumMod val="65000"/>
-                  <a:lumOff val="35000"/>
-                </a:schemeClr>
-              </a:solidFill>
-              <a:latin typeface="微软雅黑" panose="020B0503020204020204" pitchFamily="34" charset="-122"/>
+              <a:rPr lang="zh-CN" altLang="en-US" dirty="0">
+                <a:latin typeface="Calibri" panose="020F0502020204030204" pitchFamily="34" charset="0"/>
+                <a:ea typeface="微软雅黑" panose="020B0503020204020204" pitchFamily="34" charset="-122"/>
+              </a:rPr>
+              <a:t>注意</a:t>
+            </a:r>
+            <a:r>
+              <a:rPr lang="en-US" altLang="zh-CN" dirty="0">
+                <a:latin typeface="Calibri" panose="020F0502020204030204" pitchFamily="34" charset="0"/>
+                <a:ea typeface="微软雅黑" panose="020B0503020204020204" pitchFamily="34" charset="-122"/>
+              </a:rPr>
+              <a:t>PHP</a:t>
+            </a:r>
+            <a:r>
+              <a:rPr lang="zh-CN" altLang="en-US" dirty="0">
+                <a:latin typeface="Calibri" panose="020F0502020204030204" pitchFamily="34" charset="0"/>
+                <a:ea typeface="微软雅黑" panose="020B0503020204020204" pitchFamily="34" charset="-122"/>
+              </a:rPr>
+              <a:t>版本导致的处理错误，微信提供的</a:t>
+            </a:r>
+            <a:r>
+              <a:rPr lang="en-US" altLang="zh-CN" dirty="0">
+                <a:latin typeface="Calibri" panose="020F0502020204030204" pitchFamily="34" charset="0"/>
+                <a:ea typeface="微软雅黑" panose="020B0503020204020204" pitchFamily="34" charset="-122"/>
+              </a:rPr>
+              <a:t>SDK</a:t>
+            </a:r>
+            <a:r>
+              <a:rPr lang="zh-CN" altLang="en-US" dirty="0">
+                <a:latin typeface="Calibri" panose="020F0502020204030204" pitchFamily="34" charset="0"/>
+                <a:ea typeface="微软雅黑" panose="020B0503020204020204" pitchFamily="34" charset="-122"/>
+              </a:rPr>
+              <a:t>以及示例代码都是使用旧版本的</a:t>
+            </a:r>
+            <a:r>
+              <a:rPr lang="en-US" altLang="zh-CN" dirty="0">
+                <a:latin typeface="Calibri" panose="020F0502020204030204" pitchFamily="34" charset="0"/>
+                <a:ea typeface="微软雅黑" panose="020B0503020204020204" pitchFamily="34" charset="-122"/>
+              </a:rPr>
+              <a:t>PHP</a:t>
+            </a:r>
+            <a:r>
+              <a:rPr lang="zh-CN" altLang="en-US" dirty="0">
+                <a:latin typeface="Calibri" panose="020F0502020204030204" pitchFamily="34" charset="0"/>
+                <a:ea typeface="微软雅黑" panose="020B0503020204020204" pitchFamily="34" charset="-122"/>
+              </a:rPr>
+              <a:t>完成的，如果使用的话，注意修改相应的语法。</a:t>
+            </a:r>
+            <a:endParaRPr lang="en-US" altLang="zh-CN" dirty="0">
+              <a:latin typeface="Calibri" panose="020F0502020204030204" pitchFamily="34" charset="0"/>
               <a:ea typeface="微软雅黑" panose="020B0503020204020204" pitchFamily="34" charset="-122"/>
             </a:endParaRPr>
+          </a:p>
+          <a:p>
+            <a:pPr marL="285750" indent="-285750">
+              <a:lnSpc>
+                <a:spcPct val="150000"/>
+              </a:lnSpc>
+              <a:buFont typeface="Arial" panose="020B0604020202020204" pitchFamily="34" charset="0"/>
+              <a:buChar char="•"/>
+            </a:pPr>
+            <a:r>
+              <a:rPr lang="zh-CN" altLang="en-US" dirty="0">
+                <a:latin typeface="Calibri" panose="020F0502020204030204" pitchFamily="34" charset="0"/>
+                <a:ea typeface="微软雅黑" panose="020B0503020204020204" pitchFamily="34" charset="-122"/>
+              </a:rPr>
+              <a:t>注意接口调用的频次限制，对于需要缓存的数据要有缓存处理，避免频繁地发起请求。</a:t>
+            </a:r>
+            <a:endParaRPr lang="en-US" altLang="zh-CN" dirty="0">
+              <a:latin typeface="Calibri" panose="020F0502020204030204" pitchFamily="34" charset="0"/>
+              <a:ea typeface="微软雅黑" panose="020B0503020204020204" pitchFamily="34" charset="-122"/>
+            </a:endParaRPr>
+          </a:p>
+          <a:p>
+            <a:pPr marL="285750" indent="-285750">
+              <a:lnSpc>
+                <a:spcPct val="150000"/>
+              </a:lnSpc>
+              <a:buFont typeface="Arial" panose="020B0604020202020204" pitchFamily="34" charset="0"/>
+              <a:buChar char="•"/>
+            </a:pPr>
+            <a:r>
+              <a:rPr lang="zh-CN" altLang="en-US" dirty="0">
+                <a:latin typeface="Calibri" panose="020F0502020204030204" pitchFamily="34" charset="0"/>
+                <a:ea typeface="微软雅黑" panose="020B0503020204020204" pitchFamily="34" charset="-122"/>
+              </a:rPr>
+              <a:t>配置</a:t>
+            </a:r>
+            <a:r>
+              <a:rPr lang="en-US" altLang="zh-CN" dirty="0">
+                <a:latin typeface="Calibri" panose="020F0502020204030204" pitchFamily="34" charset="0"/>
+                <a:ea typeface="微软雅黑" panose="020B0503020204020204" pitchFamily="34" charset="-122"/>
+              </a:rPr>
+              <a:t>JS-SDK</a:t>
+            </a:r>
+            <a:r>
+              <a:rPr lang="zh-CN" altLang="en-US" dirty="0">
+                <a:latin typeface="Calibri" panose="020F0502020204030204" pitchFamily="34" charset="0"/>
+                <a:ea typeface="微软雅黑" panose="020B0503020204020204" pitchFamily="34" charset="-122"/>
+              </a:rPr>
+              <a:t>以及支付授权目录注意要求，填写域名要与格式对应，</a:t>
+            </a:r>
+            <a:r>
+              <a:rPr lang="en-US" altLang="zh-CN" dirty="0">
+                <a:latin typeface="Calibri" panose="020F0502020204030204" pitchFamily="34" charset="0"/>
+                <a:ea typeface="微软雅黑" panose="020B0503020204020204" pitchFamily="34" charset="-122"/>
+              </a:rPr>
+              <a:t>JS-SDK</a:t>
+            </a:r>
+            <a:r>
+              <a:rPr lang="zh-CN" altLang="en-US" dirty="0">
+                <a:latin typeface="Calibri" panose="020F0502020204030204" pitchFamily="34" charset="0"/>
+                <a:ea typeface="微软雅黑" panose="020B0503020204020204" pitchFamily="34" charset="-122"/>
+              </a:rPr>
+              <a:t>配置安全域名使用以及域名即可，后面无需加具体路径。</a:t>
+            </a:r>
+            <a:endParaRPr lang="en-US" altLang="zh-CN" dirty="0">
+              <a:latin typeface="Calibri" panose="020F0502020204030204" pitchFamily="34" charset="0"/>
+              <a:ea typeface="微软雅黑" panose="020B0503020204020204" pitchFamily="34" charset="-122"/>
+            </a:endParaRPr>
+          </a:p>
+          <a:p>
+            <a:pPr marL="285750" indent="-285750">
+              <a:lnSpc>
+                <a:spcPct val="150000"/>
+              </a:lnSpc>
+              <a:buFont typeface="Arial" panose="020B0604020202020204" pitchFamily="34" charset="0"/>
+              <a:buChar char="•"/>
+            </a:pPr>
+            <a:r>
+              <a:rPr lang="zh-CN" altLang="en-US" dirty="0">
+                <a:latin typeface="Calibri" panose="020F0502020204030204" pitchFamily="34" charset="0"/>
+                <a:ea typeface="微软雅黑" panose="020B0503020204020204" pitchFamily="34" charset="-122"/>
+              </a:rPr>
+              <a:t>调用接口提交</a:t>
+            </a:r>
+            <a:r>
+              <a:rPr lang="en-US" altLang="zh-CN" dirty="0">
+                <a:latin typeface="Calibri" panose="020F0502020204030204" pitchFamily="34" charset="0"/>
+                <a:ea typeface="微软雅黑" panose="020B0503020204020204" pitchFamily="34" charset="-122"/>
+              </a:rPr>
+              <a:t>POST</a:t>
+            </a:r>
+            <a:r>
+              <a:rPr lang="zh-CN" altLang="en-US" dirty="0">
+                <a:latin typeface="Calibri" panose="020F0502020204030204" pitchFamily="34" charset="0"/>
+                <a:ea typeface="微软雅黑" panose="020B0503020204020204" pitchFamily="34" charset="-122"/>
+              </a:rPr>
+              <a:t>数据，如果使用</a:t>
+            </a:r>
+            <a:r>
+              <a:rPr lang="en-US" altLang="zh-CN" dirty="0" err="1">
+                <a:latin typeface="Calibri" panose="020F0502020204030204" pitchFamily="34" charset="0"/>
+                <a:ea typeface="微软雅黑" panose="020B0503020204020204" pitchFamily="34" charset="-122"/>
+              </a:rPr>
+              <a:t>json_encode</a:t>
+            </a:r>
+            <a:r>
+              <a:rPr lang="zh-CN" altLang="en-US" dirty="0">
+                <a:latin typeface="Calibri" panose="020F0502020204030204" pitchFamily="34" charset="0"/>
+                <a:ea typeface="微软雅黑" panose="020B0503020204020204" pitchFamily="34" charset="-122"/>
+              </a:rPr>
+              <a:t>函数转换成</a:t>
+            </a:r>
+            <a:r>
+              <a:rPr lang="en-US" altLang="zh-CN" dirty="0">
+                <a:latin typeface="Calibri" panose="020F0502020204030204" pitchFamily="34" charset="0"/>
+                <a:ea typeface="微软雅黑" panose="020B0503020204020204" pitchFamily="34" charset="-122"/>
+              </a:rPr>
+              <a:t>JSON</a:t>
+            </a:r>
+            <a:r>
+              <a:rPr lang="zh-CN" altLang="en-US" dirty="0">
+                <a:latin typeface="Calibri" panose="020F0502020204030204" pitchFamily="34" charset="0"/>
+                <a:ea typeface="微软雅黑" panose="020B0503020204020204" pitchFamily="34" charset="-122"/>
+              </a:rPr>
+              <a:t>格式，则注意要加选项</a:t>
+            </a:r>
+            <a:r>
+              <a:rPr lang="en-US" altLang="zh-CN" dirty="0">
+                <a:latin typeface="Calibri" panose="020F0502020204030204" pitchFamily="34" charset="0"/>
+                <a:ea typeface="微软雅黑" panose="020B0503020204020204" pitchFamily="34" charset="-122"/>
+              </a:rPr>
+              <a:t>JSON_UNESCAPED_UNICODE</a:t>
+            </a:r>
+            <a:r>
+              <a:rPr lang="zh-CN" altLang="en-US" dirty="0">
+                <a:latin typeface="Calibri" panose="020F0502020204030204" pitchFamily="34" charset="0"/>
+                <a:ea typeface="微软雅黑" panose="020B0503020204020204" pitchFamily="34" charset="-122"/>
+              </a:rPr>
+              <a:t>选项，否则中文会被转化成</a:t>
+            </a:r>
+            <a:r>
+              <a:rPr lang="en-US" altLang="zh-CN" dirty="0">
+                <a:latin typeface="Calibri" panose="020F0502020204030204" pitchFamily="34" charset="0"/>
+                <a:ea typeface="微软雅黑" panose="020B0503020204020204" pitchFamily="34" charset="-122"/>
+              </a:rPr>
+              <a:t>\u</a:t>
+            </a:r>
+            <a:r>
+              <a:rPr lang="zh-CN" altLang="en-US" dirty="0">
+                <a:latin typeface="Calibri" panose="020F0502020204030204" pitchFamily="34" charset="0"/>
+                <a:ea typeface="微软雅黑" panose="020B0503020204020204" pitchFamily="34" charset="-122"/>
+              </a:rPr>
+              <a:t>开头的</a:t>
+            </a:r>
+            <a:r>
+              <a:rPr lang="en-US" altLang="zh-CN" dirty="0">
+                <a:latin typeface="Calibri" panose="020F0502020204030204" pitchFamily="34" charset="0"/>
+                <a:ea typeface="微软雅黑" panose="020B0503020204020204" pitchFamily="34" charset="-122"/>
+              </a:rPr>
+              <a:t>utf-8</a:t>
+            </a:r>
+            <a:r>
+              <a:rPr lang="zh-CN" altLang="en-US" dirty="0">
+                <a:latin typeface="Calibri" panose="020F0502020204030204" pitchFamily="34" charset="0"/>
+                <a:ea typeface="微软雅黑" panose="020B0503020204020204" pitchFamily="34" charset="-122"/>
+              </a:rPr>
+              <a:t>编码值，微信会提示错误。</a:t>
+            </a:r>
           </a:p>
         </p:txBody>
       </p:sp>
     </p:spTree>
     <p:extLst>
       <p:ext uri="{BB962C8B-B14F-4D97-AF65-F5344CB8AC3E}">
-        <p14:creationId xmlns:p14="http://schemas.microsoft.com/office/powerpoint/2010/main" val="2999457395"/>
+        <p14:creationId xmlns:p14="http://schemas.microsoft.com/office/powerpoint/2010/main" val="2902273865"/>
       </p:ext>
     </p:extLst>
   </p:cSld>
@@ -15414,33 +16354,38 @@
             <p:ph sz="quarter" idx="13"/>
           </p:nvPr>
         </p:nvSpPr>
+        <p:spPr/>
+        <p:txBody>
+          <a:bodyPr/>
+          <a:lstStyle/>
+          <a:p>
+            <a:r>
+              <a:rPr lang="en-US" altLang="zh-CN" b="0" dirty="0"/>
+              <a:t>CURL</a:t>
+            </a:r>
+            <a:r>
+              <a:rPr lang="zh-CN" altLang="en-US" b="0" dirty="0"/>
+              <a:t>重点</a:t>
+            </a:r>
+          </a:p>
+        </p:txBody>
+      </p:sp>
+      <p:sp>
+        <p:nvSpPr>
+          <p:cNvPr id="3" name="文本框 2">
+            <a:extLst>
+              <a:ext uri="{FF2B5EF4-FFF2-40B4-BE49-F238E27FC236}">
+                <a16:creationId xmlns:a16="http://schemas.microsoft.com/office/drawing/2014/main" id="{0C31CB6B-CC81-4C1B-9B8F-E22CECAB985E}"/>
+              </a:ext>
+            </a:extLst>
+          </p:cNvPr>
+          <p:cNvSpPr txBox="1"/>
+          <p:nvPr/>
+        </p:nvSpPr>
         <p:spPr>
           <a:xfrm>
-            <a:off x="1054099" y="543636"/>
-            <a:ext cx="7529461" cy="685800"/>
-          </a:xfrm>
-        </p:spPr>
-        <p:txBody>
-          <a:bodyPr/>
-          <a:lstStyle/>
-          <a:p>
-            <a:r>
-              <a:rPr lang="zh-CN" altLang="en-US" b="0" dirty="0"/>
-              <a:t>开发过程要注意的问题</a:t>
-            </a:r>
-          </a:p>
-        </p:txBody>
-      </p:sp>
-      <p:sp>
-        <p:nvSpPr>
-          <p:cNvPr id="3" name="文本框 2"/>
-          <p:cNvSpPr txBox="1"/>
-          <p:nvPr/>
-        </p:nvSpPr>
-        <p:spPr>
-          <a:xfrm>
-            <a:off x="1054099" y="1645920"/>
-            <a:ext cx="10485120" cy="3831818"/>
+            <a:off x="1140542" y="1838632"/>
+            <a:ext cx="10382864" cy="3831818"/>
           </a:xfrm>
           <a:prstGeom prst="rect">
             <a:avLst/>
@@ -15462,13 +16407,55 @@
             </a:pPr>
             <a:r>
               <a:rPr lang="zh-CN" altLang="en-US" dirty="0">
-                <a:latin typeface="Calibri" panose="020F0502020204030204" pitchFamily="34" charset="0"/>
-                <a:ea typeface="微软雅黑" panose="020B0503020204020204" pitchFamily="34" charset="-122"/>
-              </a:rPr>
-              <a:t>开发者配置要按照要求配置好，启用加密注意密钥的位数要求。</a:t>
+                <a:latin typeface="Consolas" panose="020B0609020204030204" pitchFamily="49" charset="0"/>
+                <a:ea typeface="微软雅黑" panose="020B0503020204020204" pitchFamily="34" charset="-122"/>
+              </a:rPr>
+              <a:t>发起请求，注意选项，对于</a:t>
+            </a:r>
+            <a:r>
+              <a:rPr lang="en-US" altLang="zh-CN" dirty="0">
+                <a:latin typeface="Consolas" panose="020B0609020204030204" pitchFamily="49" charset="0"/>
+                <a:ea typeface="微软雅黑" panose="020B0503020204020204" pitchFamily="34" charset="-122"/>
+              </a:rPr>
+              <a:t>https</a:t>
+            </a:r>
+            <a:r>
+              <a:rPr lang="zh-CN" altLang="en-US" dirty="0">
+                <a:latin typeface="Consolas" panose="020B0609020204030204" pitchFamily="49" charset="0"/>
+                <a:ea typeface="微软雅黑" panose="020B0503020204020204" pitchFamily="34" charset="-122"/>
+              </a:rPr>
+              <a:t>连接要使用</a:t>
+            </a:r>
+            <a:r>
+              <a:rPr lang="en-US" altLang="zh-CN" dirty="0">
+                <a:latin typeface="Consolas" panose="020B0609020204030204" pitchFamily="49" charset="0"/>
+                <a:ea typeface="微软雅黑" panose="020B0503020204020204" pitchFamily="34" charset="-122"/>
+              </a:rPr>
+              <a:t>CURLOPT_SSL_VERIFYPEER</a:t>
+            </a:r>
+            <a:r>
+              <a:rPr lang="zh-CN" altLang="en-US" dirty="0">
+                <a:latin typeface="Consolas" panose="020B0609020204030204" pitchFamily="49" charset="0"/>
+                <a:ea typeface="微软雅黑" panose="020B0503020204020204" pitchFamily="34" charset="-122"/>
+              </a:rPr>
+              <a:t>为</a:t>
+            </a:r>
+            <a:r>
+              <a:rPr lang="en-US" altLang="zh-CN" dirty="0">
+                <a:latin typeface="Consolas" panose="020B0609020204030204" pitchFamily="49" charset="0"/>
+                <a:ea typeface="微软雅黑" panose="020B0503020204020204" pitchFamily="34" charset="-122"/>
+              </a:rPr>
+              <a:t>false</a:t>
+            </a:r>
+            <a:r>
+              <a:rPr lang="zh-CN" altLang="en-US" dirty="0">
+                <a:latin typeface="Consolas" panose="020B0609020204030204" pitchFamily="49" charset="0"/>
+                <a:ea typeface="微软雅黑" panose="020B0503020204020204" pitchFamily="34" charset="-122"/>
+              </a:rPr>
+              <a:t>。</a:t>
             </a:r>
             <a:endParaRPr lang="en-US" altLang="zh-CN" dirty="0">
-              <a:latin typeface="Calibri" panose="020F0502020204030204" pitchFamily="34" charset="0"/>
+              <a:latin typeface="Consolas" panose="020B0609020204030204" pitchFamily="49" charset="0"/>
               <a:ea typeface="微软雅黑" panose="020B0503020204020204" pitchFamily="34" charset="-122"/>
             </a:endParaRPr>
           </a:p>
@@ -15482,27 +16469,41 @@
             </a:pPr>
             <a:r>
               <a:rPr lang="zh-CN" altLang="en-US" dirty="0">
-                <a:latin typeface="Calibri" panose="020F0502020204030204" pitchFamily="34" charset="0"/>
-                <a:ea typeface="微软雅黑" panose="020B0503020204020204" pitchFamily="34" charset="-122"/>
-              </a:rPr>
-              <a:t>开发者配置的</a:t>
+                <a:latin typeface="Consolas" panose="020B0609020204030204" pitchFamily="49" charset="0"/>
+                <a:ea typeface="微软雅黑" panose="020B0503020204020204" pitchFamily="34" charset="-122"/>
+              </a:rPr>
+              <a:t>上传文件请使用</a:t>
+            </a:r>
+            <a:r>
+              <a:rPr lang="en-US" altLang="zh-CN" dirty="0" err="1">
+                <a:latin typeface="Consolas" panose="020B0609020204030204" pitchFamily="49" charset="0"/>
+                <a:ea typeface="微软雅黑" panose="020B0503020204020204" pitchFamily="34" charset="-122"/>
+              </a:rPr>
+              <a:t>CURLFile</a:t>
+            </a:r>
+            <a:r>
+              <a:rPr lang="zh-CN" altLang="en-US" dirty="0">
+                <a:latin typeface="Consolas" panose="020B0609020204030204" pitchFamily="49" charset="0"/>
+                <a:ea typeface="微软雅黑" panose="020B0503020204020204" pitchFamily="34" charset="-122"/>
+              </a:rPr>
+              <a:t>初始化文件对象，</a:t>
             </a:r>
             <a:r>
               <a:rPr lang="en-US" altLang="zh-CN" dirty="0">
-                <a:latin typeface="Calibri" panose="020F0502020204030204" pitchFamily="34" charset="0"/>
-                <a:ea typeface="微软雅黑" panose="020B0503020204020204" pitchFamily="34" charset="-122"/>
-              </a:rPr>
-              <a:t>URL</a:t>
+                <a:latin typeface="Consolas" panose="020B0609020204030204" pitchFamily="49" charset="0"/>
+                <a:ea typeface="微软雅黑" panose="020B0503020204020204" pitchFamily="34" charset="-122"/>
+              </a:rPr>
+              <a:t>PHP7.0+</a:t>
             </a:r>
             <a:r>
               <a:rPr lang="zh-CN" altLang="en-US" dirty="0">
-                <a:latin typeface="Calibri" panose="020F0502020204030204" pitchFamily="34" charset="0"/>
-                <a:ea typeface="微软雅黑" panose="020B0503020204020204" pitchFamily="34" charset="-122"/>
-              </a:rPr>
-              <a:t>验证与回复消息是互斥的，注意配置过程中修改代码。</a:t>
+                <a:latin typeface="Consolas" panose="020B0609020204030204" pitchFamily="49" charset="0"/>
+                <a:ea typeface="微软雅黑" panose="020B0503020204020204" pitchFamily="34" charset="-122"/>
+              </a:rPr>
+              <a:t>版本以上已经不支持老式的上传方式。</a:t>
             </a:r>
             <a:endParaRPr lang="en-US" altLang="zh-CN" dirty="0">
-              <a:latin typeface="Calibri" panose="020F0502020204030204" pitchFamily="34" charset="0"/>
+              <a:latin typeface="Consolas" panose="020B0609020204030204" pitchFamily="49" charset="0"/>
               <a:ea typeface="微软雅黑" panose="020B0503020204020204" pitchFamily="34" charset="-122"/>
             </a:endParaRPr>
           </a:p>
@@ -15516,55 +16517,83 @@
             </a:pPr>
             <a:r>
               <a:rPr lang="zh-CN" altLang="en-US" dirty="0">
-                <a:latin typeface="Calibri" panose="020F0502020204030204" pitchFamily="34" charset="0"/>
-                <a:ea typeface="微软雅黑" panose="020B0503020204020204" pitchFamily="34" charset="-122"/>
-              </a:rPr>
-              <a:t>注意</a:t>
+                <a:latin typeface="Consolas" panose="020B0609020204030204" pitchFamily="49" charset="0"/>
+                <a:ea typeface="微软雅黑" panose="020B0503020204020204" pitchFamily="34" charset="-122"/>
+              </a:rPr>
+              <a:t>如果使用内置</a:t>
             </a:r>
             <a:r>
               <a:rPr lang="en-US" altLang="zh-CN" dirty="0">
-                <a:latin typeface="Calibri" panose="020F0502020204030204" pitchFamily="34" charset="0"/>
-                <a:ea typeface="微软雅黑" panose="020B0503020204020204" pitchFamily="34" charset="-122"/>
-              </a:rPr>
-              <a:t>PHP</a:t>
+                <a:latin typeface="Consolas" panose="020B0609020204030204" pitchFamily="49" charset="0"/>
+                <a:ea typeface="微软雅黑" panose="020B0503020204020204" pitchFamily="34" charset="-122"/>
+              </a:rPr>
+              <a:t>CURL</a:t>
             </a:r>
             <a:r>
               <a:rPr lang="zh-CN" altLang="en-US" dirty="0">
-                <a:latin typeface="Calibri" panose="020F0502020204030204" pitchFamily="34" charset="0"/>
-                <a:ea typeface="微软雅黑" panose="020B0503020204020204" pitchFamily="34" charset="-122"/>
-              </a:rPr>
-              <a:t>版本导致的处理错误，微信提供的</a:t>
+                <a:latin typeface="Consolas" panose="020B0609020204030204" pitchFamily="49" charset="0"/>
+                <a:ea typeface="微软雅黑" panose="020B0503020204020204" pitchFamily="34" charset="-122"/>
+              </a:rPr>
+              <a:t>扩展，进行</a:t>
             </a:r>
             <a:r>
               <a:rPr lang="en-US" altLang="zh-CN" dirty="0">
-                <a:latin typeface="Calibri" panose="020F0502020204030204" pitchFamily="34" charset="0"/>
-                <a:ea typeface="微软雅黑" panose="020B0503020204020204" pitchFamily="34" charset="-122"/>
-              </a:rPr>
-              <a:t>SDK</a:t>
+                <a:latin typeface="Consolas" panose="020B0609020204030204" pitchFamily="49" charset="0"/>
+                <a:ea typeface="微软雅黑" panose="020B0503020204020204" pitchFamily="34" charset="-122"/>
+              </a:rPr>
+              <a:t>RAW </a:t>
             </a:r>
             <a:r>
               <a:rPr lang="zh-CN" altLang="en-US" dirty="0">
-                <a:latin typeface="Calibri" panose="020F0502020204030204" pitchFamily="34" charset="0"/>
-                <a:ea typeface="微软雅黑" panose="020B0503020204020204" pitchFamily="34" charset="-122"/>
-              </a:rPr>
-              <a:t>以及示例代码都是使用旧版本的</a:t>
+                <a:latin typeface="Consolas" panose="020B0609020204030204" pitchFamily="49" charset="0"/>
+                <a:ea typeface="微软雅黑" panose="020B0503020204020204" pitchFamily="34" charset="-122"/>
+              </a:rPr>
+              <a:t>格式的</a:t>
             </a:r>
             <a:r>
               <a:rPr lang="en-US" altLang="zh-CN" dirty="0">
-                <a:latin typeface="Calibri" panose="020F0502020204030204" pitchFamily="34" charset="0"/>
-                <a:ea typeface="微软雅黑" panose="020B0503020204020204" pitchFamily="34" charset="-122"/>
-              </a:rPr>
-              <a:t>PHP</a:t>
+                <a:latin typeface="Consolas" panose="020B0609020204030204" pitchFamily="49" charset="0"/>
+                <a:ea typeface="微软雅黑" panose="020B0503020204020204" pitchFamily="34" charset="-122"/>
+              </a:rPr>
+              <a:t>POST</a:t>
             </a:r>
             <a:r>
               <a:rPr lang="zh-CN" altLang="en-US" dirty="0">
-                <a:latin typeface="Calibri" panose="020F0502020204030204" pitchFamily="34" charset="0"/>
-                <a:ea typeface="微软雅黑" panose="020B0503020204020204" pitchFamily="34" charset="-122"/>
-              </a:rPr>
-              <a:t>完成的，如果使用的话，注意修改相应的语法。</a:t>
+                <a:latin typeface="Consolas" panose="020B0609020204030204" pitchFamily="49" charset="0"/>
+                <a:ea typeface="微软雅黑" panose="020B0503020204020204" pitchFamily="34" charset="-122"/>
+              </a:rPr>
+              <a:t>提交，则需要设置</a:t>
+            </a:r>
+            <a:r>
+              <a:rPr lang="en-US" altLang="zh-CN" dirty="0">
+                <a:latin typeface="Consolas" panose="020B0609020204030204" pitchFamily="49" charset="0"/>
+                <a:ea typeface="微软雅黑" panose="020B0503020204020204" pitchFamily="34" charset="-122"/>
+              </a:rPr>
+              <a:t>CURLOPT_HTTPHEADER</a:t>
+            </a:r>
+            <a:r>
+              <a:rPr lang="zh-CN" altLang="en-US" dirty="0">
+                <a:latin typeface="Consolas" panose="020B0609020204030204" pitchFamily="49" charset="0"/>
+                <a:ea typeface="微软雅黑" panose="020B0503020204020204" pitchFamily="34" charset="-122"/>
+              </a:rPr>
+              <a:t>选项加入</a:t>
+            </a:r>
+            <a:r>
+              <a:rPr lang="en-US" altLang="zh-CN" dirty="0">
+                <a:latin typeface="Consolas" panose="020B0609020204030204" pitchFamily="49" charset="0"/>
+                <a:ea typeface="微软雅黑" panose="020B0503020204020204" pitchFamily="34" charset="-122"/>
+              </a:rPr>
+              <a:t>”Content-Type: text/plain”</a:t>
+            </a:r>
+            <a:r>
+              <a:rPr lang="zh-CN" altLang="en-US" dirty="0">
+                <a:latin typeface="Consolas" panose="020B0609020204030204" pitchFamily="49" charset="0"/>
+                <a:ea typeface="微软雅黑" panose="020B0503020204020204" pitchFamily="34" charset="-122"/>
+              </a:rPr>
+              <a:t>。</a:t>
             </a:r>
             <a:endParaRPr lang="en-US" altLang="zh-CN" dirty="0">
-              <a:latin typeface="Calibri" panose="020F0502020204030204" pitchFamily="34" charset="0"/>
+              <a:latin typeface="Consolas" panose="020B0609020204030204" pitchFamily="49" charset="0"/>
               <a:ea typeface="微软雅黑" panose="020B0503020204020204" pitchFamily="34" charset="-122"/>
             </a:endParaRPr>
           </a:p>
@@ -15578,13 +16607,69 @@
             </a:pPr>
             <a:r>
               <a:rPr lang="zh-CN" altLang="en-US" dirty="0">
-                <a:latin typeface="Calibri" panose="020F0502020204030204" pitchFamily="34" charset="0"/>
-                <a:ea typeface="微软雅黑" panose="020B0503020204020204" pitchFamily="34" charset="-122"/>
-              </a:rPr>
-              <a:t>注意接口调用的频次限制，对于需要缓存的数据要有缓存处理，避免频繁地发起请求。</a:t>
+                <a:latin typeface="Consolas" panose="020B0609020204030204" pitchFamily="49" charset="0"/>
+                <a:ea typeface="微软雅黑" panose="020B0503020204020204" pitchFamily="34" charset="-122"/>
+              </a:rPr>
+              <a:t>下载数据，根据文件大小选择不同的方法，最好方式是让</a:t>
+            </a:r>
+            <a:r>
+              <a:rPr lang="en-US" altLang="zh-CN" dirty="0">
+                <a:latin typeface="Consolas" panose="020B0609020204030204" pitchFamily="49" charset="0"/>
+                <a:ea typeface="微软雅黑" panose="020B0503020204020204" pitchFamily="34" charset="-122"/>
+              </a:rPr>
+              <a:t>CURL</a:t>
+            </a:r>
+            <a:r>
+              <a:rPr lang="zh-CN" altLang="en-US" dirty="0">
+                <a:latin typeface="Consolas" panose="020B0609020204030204" pitchFamily="49" charset="0"/>
+                <a:ea typeface="微软雅黑" panose="020B0503020204020204" pitchFamily="34" charset="-122"/>
+              </a:rPr>
+              <a:t>自动处理数据流：</a:t>
+            </a:r>
+            <a:r>
+              <a:rPr lang="en-US" altLang="zh-CN" dirty="0">
+                <a:latin typeface="Consolas" panose="020B0609020204030204" pitchFamily="49" charset="0"/>
+                <a:ea typeface="微软雅黑" panose="020B0503020204020204" pitchFamily="34" charset="-122"/>
+              </a:rPr>
+              <a:t>CURLOPT_FILE</a:t>
+            </a:r>
+            <a:r>
+              <a:rPr lang="zh-CN" altLang="en-US" dirty="0">
+                <a:latin typeface="Consolas" panose="020B0609020204030204" pitchFamily="49" charset="0"/>
+                <a:ea typeface="微软雅黑" panose="020B0503020204020204" pitchFamily="34" charset="-122"/>
+              </a:rPr>
+              <a:t>设置为一个已打开的具有写权限的文件描述符。并且要把</a:t>
+            </a:r>
+            <a:r>
+              <a:rPr lang="en-US" altLang="zh-CN" dirty="0">
+                <a:latin typeface="Consolas" panose="020B0609020204030204" pitchFamily="49" charset="0"/>
+                <a:ea typeface="微软雅黑" panose="020B0503020204020204" pitchFamily="34" charset="-122"/>
+              </a:rPr>
+              <a:t>CURLOPT_RETURNTRANSFER</a:t>
+            </a:r>
+            <a:r>
+              <a:rPr lang="zh-CN" altLang="en-US" dirty="0">
+                <a:latin typeface="Consolas" panose="020B0609020204030204" pitchFamily="49" charset="0"/>
+                <a:ea typeface="微软雅黑" panose="020B0503020204020204" pitchFamily="34" charset="-122"/>
+              </a:rPr>
+              <a:t>设置为</a:t>
+            </a:r>
+            <a:r>
+              <a:rPr lang="en-US" altLang="zh-CN" dirty="0">
+                <a:latin typeface="Consolas" panose="020B0609020204030204" pitchFamily="49" charset="0"/>
+                <a:ea typeface="微软雅黑" panose="020B0503020204020204" pitchFamily="34" charset="-122"/>
+              </a:rPr>
+              <a:t>false</a:t>
+            </a:r>
+            <a:r>
+              <a:rPr lang="zh-CN" altLang="en-US" dirty="0">
+                <a:latin typeface="Consolas" panose="020B0609020204030204" pitchFamily="49" charset="0"/>
+                <a:ea typeface="微软雅黑" panose="020B0503020204020204" pitchFamily="34" charset="-122"/>
+              </a:rPr>
+              <a:t>。</a:t>
             </a:r>
             <a:endParaRPr lang="en-US" altLang="zh-CN" dirty="0">
-              <a:latin typeface="Calibri" panose="020F0502020204030204" pitchFamily="34" charset="0"/>
+              <a:latin typeface="Consolas" panose="020B0609020204030204" pitchFamily="49" charset="0"/>
               <a:ea typeface="微软雅黑" panose="020B0503020204020204" pitchFamily="34" charset="-122"/>
             </a:endParaRPr>
           </a:p>
@@ -15598,150 +16683,92 @@
             </a:pPr>
             <a:r>
               <a:rPr lang="zh-CN" altLang="en-US" dirty="0">
-                <a:latin typeface="Calibri" panose="020F0502020204030204" pitchFamily="34" charset="0"/>
-                <a:ea typeface="微软雅黑" panose="020B0503020204020204" pitchFamily="34" charset="-122"/>
-              </a:rPr>
-              <a:t>配置</a:t>
+                <a:latin typeface="Consolas" panose="020B0609020204030204" pitchFamily="49" charset="0"/>
+                <a:ea typeface="微软雅黑" panose="020B0503020204020204" pitchFamily="34" charset="-122"/>
+              </a:rPr>
+              <a:t>使用第三方扩展要注意扩展的使用方式，同时，本课程使用的</a:t>
+            </a:r>
+            <a:r>
+              <a:rPr lang="en-US" altLang="zh-CN" dirty="0" err="1">
+                <a:latin typeface="Consolas" panose="020B0609020204030204" pitchFamily="49" charset="0"/>
+                <a:ea typeface="微软雅黑" panose="020B0503020204020204" pitchFamily="34" charset="-122"/>
+              </a:rPr>
+              <a:t>anlutro</a:t>
             </a:r>
             <a:r>
               <a:rPr lang="en-US" altLang="zh-CN" dirty="0">
-                <a:latin typeface="Calibri" panose="020F0502020204030204" pitchFamily="34" charset="0"/>
-                <a:ea typeface="微软雅黑" panose="020B0503020204020204" pitchFamily="34" charset="-122"/>
-              </a:rPr>
-              <a:t>JS-SDK</a:t>
+                <a:latin typeface="Consolas" panose="020B0609020204030204" pitchFamily="49" charset="0"/>
+                <a:ea typeface="微软雅黑" panose="020B0503020204020204" pitchFamily="34" charset="-122"/>
+              </a:rPr>
+              <a:t>\</a:t>
+            </a:r>
+            <a:r>
+              <a:rPr lang="en-US" altLang="zh-CN" dirty="0" err="1">
+                <a:latin typeface="Consolas" panose="020B0609020204030204" pitchFamily="49" charset="0"/>
+                <a:ea typeface="微软雅黑" panose="020B0503020204020204" pitchFamily="34" charset="-122"/>
+              </a:rPr>
+              <a:t>cURL</a:t>
             </a:r>
             <a:r>
               <a:rPr lang="zh-CN" altLang="en-US" dirty="0">
-                <a:latin typeface="Calibri" panose="020F0502020204030204" pitchFamily="34" charset="0"/>
-                <a:ea typeface="微软雅黑" panose="020B0503020204020204" pitchFamily="34" charset="-122"/>
-              </a:rPr>
-              <a:t>以及支付授权目录注意要求，填写域名要与格式对应，</a:t>
+                <a:latin typeface="Consolas" panose="020B0609020204030204" pitchFamily="49" charset="0"/>
+                <a:ea typeface="微软雅黑" panose="020B0503020204020204" pitchFamily="34" charset="-122"/>
+              </a:rPr>
+              <a:t>扩展在默认情况下会把</a:t>
             </a:r>
             <a:r>
               <a:rPr lang="en-US" altLang="zh-CN" dirty="0">
-                <a:latin typeface="Calibri" panose="020F0502020204030204" pitchFamily="34" charset="0"/>
-                <a:ea typeface="微软雅黑" panose="020B0503020204020204" pitchFamily="34" charset="-122"/>
-              </a:rPr>
-              <a:t>JS-SDK</a:t>
+                <a:latin typeface="Consolas" panose="020B0609020204030204" pitchFamily="49" charset="0"/>
+                <a:ea typeface="微软雅黑" panose="020B0503020204020204" pitchFamily="34" charset="-122"/>
+              </a:rPr>
+              <a:t>CURLOPT_RETURNTRANSFER</a:t>
             </a:r>
             <a:r>
               <a:rPr lang="zh-CN" altLang="en-US" dirty="0">
-                <a:latin typeface="Calibri" panose="020F0502020204030204" pitchFamily="34" charset="0"/>
-                <a:ea typeface="微软雅黑" panose="020B0503020204020204" pitchFamily="34" charset="-122"/>
-              </a:rPr>
-              <a:t>配置安全域名使用以及域名即可，后面无需加具体路径。</a:t>
+                <a:latin typeface="Consolas" panose="020B0609020204030204" pitchFamily="49" charset="0"/>
+                <a:ea typeface="微软雅黑" panose="020B0503020204020204" pitchFamily="34" charset="-122"/>
+              </a:rPr>
+              <a:t>设置为</a:t>
+            </a:r>
+            <a:r>
+              <a:rPr lang="en-US" altLang="zh-CN" dirty="0">
+                <a:latin typeface="Consolas" panose="020B0609020204030204" pitchFamily="49" charset="0"/>
+                <a:ea typeface="微软雅黑" panose="020B0503020204020204" pitchFamily="34" charset="-122"/>
+              </a:rPr>
+              <a:t>true</a:t>
+            </a:r>
+            <a:r>
+              <a:rPr lang="zh-CN" altLang="en-US" dirty="0">
+                <a:latin typeface="Consolas" panose="020B0609020204030204" pitchFamily="49" charset="0"/>
+                <a:ea typeface="微软雅黑" panose="020B0503020204020204" pitchFamily="34" charset="-122"/>
+              </a:rPr>
+              <a:t>，而且无法设置为</a:t>
+            </a:r>
+            <a:r>
+              <a:rPr lang="en-US" altLang="zh-CN" dirty="0">
+                <a:latin typeface="Consolas" panose="020B0609020204030204" pitchFamily="49" charset="0"/>
+                <a:ea typeface="微软雅黑" panose="020B0503020204020204" pitchFamily="34" charset="-122"/>
+              </a:rPr>
+              <a:t>false</a:t>
+            </a:r>
+            <a:r>
+              <a:rPr lang="zh-CN" altLang="en-US" dirty="0">
+                <a:latin typeface="Consolas" panose="020B0609020204030204" pitchFamily="49" charset="0"/>
+                <a:ea typeface="微软雅黑" panose="020B0503020204020204" pitchFamily="34" charset="-122"/>
+              </a:rPr>
+              <a:t>，在上传文件时会出现问题，此问题可以通过修改代码解决，可以加入一个不进行默认设置的就发起请求的函数解决。</a:t>
             </a:r>
             <a:endParaRPr lang="en-US" altLang="zh-CN" dirty="0">
-              <a:latin typeface="Calibri" panose="020F0502020204030204" pitchFamily="34" charset="0"/>
+              <a:latin typeface="Consolas" panose="020B0609020204030204" pitchFamily="49" charset="0"/>
               <a:ea typeface="微软雅黑" panose="020B0503020204020204" pitchFamily="34" charset="-122"/>
             </a:endParaRPr>
-          </a:p>
-          <a:p>
-            <a:pPr marL="285750" indent="-285750">
-              <a:lnSpc>
-                <a:spcPct val="150000"/>
-              </a:lnSpc>
-              <a:buFont typeface="Arial" panose="020B0604020202020204" pitchFamily="34" charset="0"/>
-              <a:buChar char="•"/>
-            </a:pPr>
-            <a:r>
-              <a:rPr lang="zh-CN" altLang="en-US" dirty="0">
-                <a:latin typeface="Calibri" panose="020F0502020204030204" pitchFamily="34" charset="0"/>
-                <a:ea typeface="微软雅黑" panose="020B0503020204020204" pitchFamily="34" charset="-122"/>
-              </a:rPr>
-              <a:t>调用接口提交</a:t>
-            </a:r>
-            <a:r>
-              <a:rPr lang="en-US" altLang="zh-CN" dirty="0">
-                <a:latin typeface="Calibri" panose="020F0502020204030204" pitchFamily="34" charset="0"/>
-                <a:ea typeface="微软雅黑" panose="020B0503020204020204" pitchFamily="34" charset="-122"/>
-              </a:rPr>
-              <a:t>POST</a:t>
-            </a:r>
-            <a:r>
-              <a:rPr lang="zh-CN" altLang="en-US" dirty="0">
-                <a:latin typeface="Calibri" panose="020F0502020204030204" pitchFamily="34" charset="0"/>
-                <a:ea typeface="微软雅黑" panose="020B0503020204020204" pitchFamily="34" charset="-122"/>
-              </a:rPr>
-              <a:t>数据，如果使用</a:t>
-            </a:r>
-            <a:r>
-              <a:rPr lang="en-US" altLang="zh-CN" dirty="0" err="1">
-                <a:latin typeface="Calibri" panose="020F0502020204030204" pitchFamily="34" charset="0"/>
-                <a:ea typeface="微软雅黑" panose="020B0503020204020204" pitchFamily="34" charset="-122"/>
-              </a:rPr>
-              <a:t>json_encode</a:t>
-            </a:r>
-            <a:r>
-              <a:rPr lang="zh-CN" altLang="en-US" dirty="0">
-                <a:latin typeface="Calibri" panose="020F0502020204030204" pitchFamily="34" charset="0"/>
-                <a:ea typeface="微软雅黑" panose="020B0503020204020204" pitchFamily="34" charset="-122"/>
-              </a:rPr>
-              <a:t>函数转换成</a:t>
-            </a:r>
-            <a:r>
-              <a:rPr lang="en-US" altLang="zh-CN" dirty="0">
-                <a:latin typeface="Calibri" panose="020F0502020204030204" pitchFamily="34" charset="0"/>
-                <a:ea typeface="微软雅黑" panose="020B0503020204020204" pitchFamily="34" charset="-122"/>
-              </a:rPr>
-              <a:t>JSON</a:t>
-            </a:r>
-            <a:r>
-              <a:rPr lang="zh-CN" altLang="en-US" dirty="0">
-                <a:latin typeface="Calibri" panose="020F0502020204030204" pitchFamily="34" charset="0"/>
-                <a:ea typeface="微软雅黑" panose="020B0503020204020204" pitchFamily="34" charset="-122"/>
-              </a:rPr>
-              <a:t>格式，则注意要加选项</a:t>
-            </a:r>
-            <a:r>
-              <a:rPr lang="en-US" altLang="zh-CN" dirty="0">
-                <a:latin typeface="Calibri" panose="020F0502020204030204" pitchFamily="34" charset="0"/>
-                <a:ea typeface="微软雅黑" panose="020B0503020204020204" pitchFamily="34" charset="-122"/>
-              </a:rPr>
-              <a:t>JSON_UNESCAPED_UNICODE</a:t>
-            </a:r>
-            <a:r>
-              <a:rPr lang="zh-CN" altLang="en-US" dirty="0">
-                <a:latin typeface="Calibri" panose="020F0502020204030204" pitchFamily="34" charset="0"/>
-                <a:ea typeface="微软雅黑" panose="020B0503020204020204" pitchFamily="34" charset="-122"/>
-              </a:rPr>
-              <a:t>选项，否则中文会被转化成</a:t>
-            </a:r>
-            <a:r>
-              <a:rPr lang="en-US" altLang="zh-CN" dirty="0">
-                <a:latin typeface="Calibri" panose="020F0502020204030204" pitchFamily="34" charset="0"/>
-                <a:ea typeface="微软雅黑" panose="020B0503020204020204" pitchFamily="34" charset="-122"/>
-              </a:rPr>
-              <a:t>\u</a:t>
-            </a:r>
-            <a:r>
-              <a:rPr lang="zh-CN" altLang="en-US" dirty="0">
-                <a:latin typeface="Calibri" panose="020F0502020204030204" pitchFamily="34" charset="0"/>
-                <a:ea typeface="微软雅黑" panose="020B0503020204020204" pitchFamily="34" charset="-122"/>
-              </a:rPr>
-              <a:t>开头的</a:t>
-            </a:r>
-            <a:r>
-              <a:rPr lang="en-US" altLang="zh-CN" dirty="0">
-                <a:latin typeface="Calibri" panose="020F0502020204030204" pitchFamily="34" charset="0"/>
-                <a:ea typeface="微软雅黑" panose="020B0503020204020204" pitchFamily="34" charset="-122"/>
-              </a:rPr>
-              <a:t>utf-8</a:t>
-            </a:r>
-            <a:r>
-              <a:rPr lang="zh-CN" altLang="en-US" dirty="0">
-                <a:latin typeface="Calibri" panose="020F0502020204030204" pitchFamily="34" charset="0"/>
-                <a:ea typeface="微软雅黑" panose="020B0503020204020204" pitchFamily="34" charset="-122"/>
-              </a:rPr>
-              <a:t>编码值，微信会提示错误。</a:t>
-            </a:r>
           </a:p>
         </p:txBody>
       </p:sp>
     </p:spTree>
     <p:extLst>
       <p:ext uri="{BB962C8B-B14F-4D97-AF65-F5344CB8AC3E}">
-        <p14:creationId xmlns:p14="http://schemas.microsoft.com/office/powerpoint/2010/main" val="2902273865"/>
+        <p14:creationId xmlns:p14="http://schemas.microsoft.com/office/powerpoint/2010/main" val="2699412093"/>
       </p:ext>
     </p:extLst>
   </p:cSld>
@@ -15809,7 +16836,7 @@
         <p:spPr>
           <a:xfrm>
             <a:off x="1140542" y="1838632"/>
-            <a:ext cx="10382864" cy="3831818"/>
+            <a:ext cx="10382864" cy="4647426"/>
           </a:xfrm>
           <a:prstGeom prst="rect">
             <a:avLst/>
@@ -15830,53 +16857,196 @@
               <a:buChar char="•"/>
             </a:pPr>
             <a:r>
+              <a:rPr lang="en-US" altLang="zh-CN" dirty="0">
+                <a:latin typeface="Consolas" panose="020B0609020204030204" pitchFamily="49" charset="0"/>
+                <a:ea typeface="微软雅黑" panose="020B0503020204020204" pitchFamily="34" charset="-122"/>
+              </a:rPr>
+              <a:t>CURL</a:t>
+            </a:r>
+            <a:r>
               <a:rPr lang="zh-CN" altLang="en-US" dirty="0">
                 <a:latin typeface="Consolas" panose="020B0609020204030204" pitchFamily="49" charset="0"/>
                 <a:ea typeface="微软雅黑" panose="020B0503020204020204" pitchFamily="34" charset="-122"/>
               </a:rPr>
-              <a:t>发起请求，注意选项，对于</a:t>
-            </a:r>
+              <a:t>常用选项</a:t>
+            </a:r>
+            <a:endParaRPr lang="en-US" altLang="zh-CN" dirty="0">
+              <a:latin typeface="Consolas" panose="020B0609020204030204" pitchFamily="49" charset="0"/>
+              <a:ea typeface="微软雅黑" panose="020B0503020204020204" pitchFamily="34" charset="-122"/>
+            </a:endParaRPr>
+          </a:p>
+          <a:p>
+            <a:pPr lvl="1">
+              <a:lnSpc>
+                <a:spcPct val="150000"/>
+              </a:lnSpc>
+            </a:pPr>
             <a:r>
               <a:rPr lang="en-US" altLang="zh-CN" dirty="0">
                 <a:latin typeface="Consolas" panose="020B0609020204030204" pitchFamily="49" charset="0"/>
                 <a:ea typeface="微软雅黑" panose="020B0503020204020204" pitchFamily="34" charset="-122"/>
               </a:rPr>
-              <a:t>https</a:t>
+              <a:t>CURLOPT_RETURNTRANSFER    //true/false;</a:t>
             </a:r>
             <a:r>
               <a:rPr lang="zh-CN" altLang="en-US" dirty="0">
                 <a:latin typeface="Consolas" panose="020B0609020204030204" pitchFamily="49" charset="0"/>
                 <a:ea typeface="微软雅黑" panose="020B0503020204020204" pitchFamily="34" charset="-122"/>
               </a:rPr>
-              <a:t>连接要使用</a:t>
-            </a:r>
+              <a:t>是否把运行的结果作为字符串返回</a:t>
+            </a:r>
+            <a:endParaRPr lang="en-US" altLang="zh-CN" dirty="0">
+              <a:latin typeface="Consolas" panose="020B0609020204030204" pitchFamily="49" charset="0"/>
+              <a:ea typeface="微软雅黑" panose="020B0503020204020204" pitchFamily="34" charset="-122"/>
+            </a:endParaRPr>
+          </a:p>
+          <a:p>
+            <a:pPr lvl="1">
+              <a:lnSpc>
+                <a:spcPct val="150000"/>
+              </a:lnSpc>
+            </a:pPr>
             <a:r>
               <a:rPr lang="en-US" altLang="zh-CN" dirty="0">
                 <a:latin typeface="Consolas" panose="020B0609020204030204" pitchFamily="49" charset="0"/>
                 <a:ea typeface="微软雅黑" panose="020B0503020204020204" pitchFamily="34" charset="-122"/>
               </a:rPr>
-              <a:t>CURLOPT_SSL_VERIFYPEER</a:t>
+              <a:t>CURLOPT_URL               //string</a:t>
             </a:r>
             <a:r>
               <a:rPr lang="zh-CN" altLang="en-US" dirty="0">
                 <a:latin typeface="Consolas" panose="020B0609020204030204" pitchFamily="49" charset="0"/>
                 <a:ea typeface="微软雅黑" panose="020B0503020204020204" pitchFamily="34" charset="-122"/>
               </a:rPr>
-              <a:t>为</a:t>
-            </a:r>
+              <a:t>；链接</a:t>
+            </a:r>
+            <a:endParaRPr lang="en-US" altLang="zh-CN" dirty="0">
+              <a:latin typeface="Consolas" panose="020B0609020204030204" pitchFamily="49" charset="0"/>
+              <a:ea typeface="微软雅黑" panose="020B0503020204020204" pitchFamily="34" charset="-122"/>
+            </a:endParaRPr>
+          </a:p>
+          <a:p>
+            <a:pPr lvl="1">
+              <a:lnSpc>
+                <a:spcPct val="150000"/>
+              </a:lnSpc>
+            </a:pPr>
             <a:r>
               <a:rPr lang="en-US" altLang="zh-CN" dirty="0">
                 <a:latin typeface="Consolas" panose="020B0609020204030204" pitchFamily="49" charset="0"/>
                 <a:ea typeface="微软雅黑" panose="020B0503020204020204" pitchFamily="34" charset="-122"/>
               </a:rPr>
-              <a:t>false</a:t>
+              <a:t>CURLOPT_SSL_VERIFYPEER    //true/false;</a:t>
             </a:r>
             <a:r>
               <a:rPr lang="zh-CN" altLang="en-US" dirty="0">
                 <a:latin typeface="Consolas" panose="020B0609020204030204" pitchFamily="49" charset="0"/>
                 <a:ea typeface="微软雅黑" panose="020B0503020204020204" pitchFamily="34" charset="-122"/>
               </a:rPr>
-              <a:t>。</a:t>
+              <a:t>是否开启证书验证</a:t>
+            </a:r>
+            <a:endParaRPr lang="en-US" altLang="zh-CN" dirty="0">
+              <a:latin typeface="Consolas" panose="020B0609020204030204" pitchFamily="49" charset="0"/>
+              <a:ea typeface="微软雅黑" panose="020B0503020204020204" pitchFamily="34" charset="-122"/>
+            </a:endParaRPr>
+          </a:p>
+          <a:p>
+            <a:pPr lvl="1">
+              <a:lnSpc>
+                <a:spcPct val="150000"/>
+              </a:lnSpc>
+            </a:pPr>
+            <a:r>
+              <a:rPr lang="en-US" altLang="zh-CN" dirty="0">
+                <a:latin typeface="Consolas" panose="020B0609020204030204" pitchFamily="49" charset="0"/>
+                <a:ea typeface="微软雅黑" panose="020B0503020204020204" pitchFamily="34" charset="-122"/>
+              </a:rPr>
+              <a:t>CURLOPT_POST              //true/false;</a:t>
+            </a:r>
+            <a:r>
+              <a:rPr lang="zh-CN" altLang="en-US" dirty="0">
+                <a:latin typeface="Consolas" panose="020B0609020204030204" pitchFamily="49" charset="0"/>
+                <a:ea typeface="微软雅黑" panose="020B0503020204020204" pitchFamily="34" charset="-122"/>
+              </a:rPr>
+              <a:t>是否进行</a:t>
+            </a:r>
+            <a:r>
+              <a:rPr lang="en-US" altLang="zh-CN" dirty="0">
+                <a:latin typeface="Consolas" panose="020B0609020204030204" pitchFamily="49" charset="0"/>
+                <a:ea typeface="微软雅黑" panose="020B0503020204020204" pitchFamily="34" charset="-122"/>
+              </a:rPr>
+              <a:t>POST</a:t>
+            </a:r>
+            <a:r>
+              <a:rPr lang="zh-CN" altLang="en-US" dirty="0">
+                <a:latin typeface="Consolas" panose="020B0609020204030204" pitchFamily="49" charset="0"/>
+                <a:ea typeface="微软雅黑" panose="020B0503020204020204" pitchFamily="34" charset="-122"/>
+              </a:rPr>
+              <a:t>提交</a:t>
+            </a:r>
+            <a:endParaRPr lang="en-US" altLang="zh-CN" dirty="0">
+              <a:latin typeface="Consolas" panose="020B0609020204030204" pitchFamily="49" charset="0"/>
+              <a:ea typeface="微软雅黑" panose="020B0503020204020204" pitchFamily="34" charset="-122"/>
+            </a:endParaRPr>
+          </a:p>
+          <a:p>
+            <a:pPr lvl="1">
+              <a:lnSpc>
+                <a:spcPct val="150000"/>
+              </a:lnSpc>
+            </a:pPr>
+            <a:r>
+              <a:rPr lang="en-US" altLang="zh-CN" dirty="0">
+                <a:latin typeface="Consolas" panose="020B0609020204030204" pitchFamily="49" charset="0"/>
+                <a:ea typeface="微软雅黑" panose="020B0503020204020204" pitchFamily="34" charset="-122"/>
+              </a:rPr>
+              <a:t>CURLOPT_POSTFIELDS        //</a:t>
+            </a:r>
+            <a:r>
+              <a:rPr lang="zh-CN" altLang="en-US" dirty="0">
+                <a:latin typeface="Consolas" panose="020B0609020204030204" pitchFamily="49" charset="0"/>
+                <a:ea typeface="微软雅黑" panose="020B0503020204020204" pitchFamily="34" charset="-122"/>
+              </a:rPr>
+              <a:t>要</a:t>
+            </a:r>
+            <a:r>
+              <a:rPr lang="en-US" altLang="zh-CN" dirty="0">
+                <a:latin typeface="Consolas" panose="020B0609020204030204" pitchFamily="49" charset="0"/>
+                <a:ea typeface="微软雅黑" panose="020B0503020204020204" pitchFamily="34" charset="-122"/>
+              </a:rPr>
+              <a:t>POST</a:t>
+            </a:r>
+            <a:r>
+              <a:rPr lang="zh-CN" altLang="en-US" dirty="0">
+                <a:latin typeface="Consolas" panose="020B0609020204030204" pitchFamily="49" charset="0"/>
+                <a:ea typeface="微软雅黑" panose="020B0503020204020204" pitchFamily="34" charset="-122"/>
+              </a:rPr>
+              <a:t>提交的数据</a:t>
+            </a:r>
+            <a:endParaRPr lang="en-US" altLang="zh-CN" dirty="0">
+              <a:latin typeface="Consolas" panose="020B0609020204030204" pitchFamily="49" charset="0"/>
+              <a:ea typeface="微软雅黑" panose="020B0503020204020204" pitchFamily="34" charset="-122"/>
+            </a:endParaRPr>
+          </a:p>
+          <a:p>
+            <a:pPr lvl="1">
+              <a:lnSpc>
+                <a:spcPct val="150000"/>
+              </a:lnSpc>
+            </a:pPr>
+            <a:r>
+              <a:rPr lang="en-US" altLang="zh-CN" dirty="0">
+                <a:latin typeface="Consolas" panose="020B0609020204030204" pitchFamily="49" charset="0"/>
+                <a:ea typeface="微软雅黑" panose="020B0503020204020204" pitchFamily="34" charset="-122"/>
+              </a:rPr>
+              <a:t>CURLOPT_FILE              //resource</a:t>
+            </a:r>
+            <a:r>
+              <a:rPr lang="zh-CN" altLang="en-US" dirty="0">
+                <a:latin typeface="Consolas" panose="020B0609020204030204" pitchFamily="49" charset="0"/>
+                <a:ea typeface="微软雅黑" panose="020B0503020204020204" pitchFamily="34" charset="-122"/>
+              </a:rPr>
+              <a:t>：打开的文件描述符；用于下载文件</a:t>
             </a:r>
             <a:endParaRPr lang="en-US" altLang="zh-CN" dirty="0">
               <a:latin typeface="Consolas" panose="020B0609020204030204" pitchFamily="49" charset="0"/>
@@ -15896,35 +17066,7 @@
                 <a:latin typeface="Consolas" panose="020B0609020204030204" pitchFamily="49" charset="0"/>
                 <a:ea typeface="微软雅黑" panose="020B0503020204020204" pitchFamily="34" charset="-122"/>
               </a:rPr>
-              <a:t>上传文件请使用</a:t>
-            </a:r>
-            <a:r>
-              <a:rPr lang="en-US" altLang="zh-CN" dirty="0" err="1">
-                <a:latin typeface="Consolas" panose="020B0609020204030204" pitchFamily="49" charset="0"/>
-                <a:ea typeface="微软雅黑" panose="020B0503020204020204" pitchFamily="34" charset="-122"/>
-              </a:rPr>
-              <a:t>CURLFile</a:t>
-            </a:r>
-            <a:r>
-              <a:rPr lang="zh-CN" altLang="en-US" dirty="0">
-                <a:latin typeface="Consolas" panose="020B0609020204030204" pitchFamily="49" charset="0"/>
-                <a:ea typeface="微软雅黑" panose="020B0503020204020204" pitchFamily="34" charset="-122"/>
-              </a:rPr>
-              <a:t>初始化文件对象，</a:t>
-            </a:r>
-            <a:r>
-              <a:rPr lang="en-US" altLang="zh-CN" dirty="0">
-                <a:latin typeface="Consolas" panose="020B0609020204030204" pitchFamily="49" charset="0"/>
-                <a:ea typeface="微软雅黑" panose="020B0503020204020204" pitchFamily="34" charset="-122"/>
-              </a:rPr>
-              <a:t>PHP7.0+</a:t>
-            </a:r>
-            <a:r>
-              <a:rPr lang="zh-CN" altLang="en-US" dirty="0">
-                <a:latin typeface="Consolas" panose="020B0609020204030204" pitchFamily="49" charset="0"/>
-                <a:ea typeface="微软雅黑" panose="020B0503020204020204" pitchFamily="34" charset="-122"/>
-              </a:rPr>
-              <a:t>版本以上已经不支持老式的上传方式。</a:t>
+              <a:t>基本流程</a:t>
             </a:r>
             <a:endParaRPr lang="en-US" altLang="zh-CN" dirty="0">
               <a:latin typeface="Consolas" panose="020B0609020204030204" pitchFamily="49" charset="0"/>
@@ -15932,267 +17074,165 @@
             </a:endParaRPr>
           </a:p>
           <a:p>
-            <a:pPr marL="285750" indent="-285750">
+            <a:pPr lvl="1">
               <a:lnSpc>
-                <a:spcPct val="150000"/>
+                <a:spcPts val="2400"/>
               </a:lnSpc>
-              <a:buFont typeface="Arial" panose="020B0604020202020204" pitchFamily="34" charset="0"/>
-              <a:buChar char="•"/>
             </a:pPr>
-            <a:r>
-              <a:rPr lang="zh-CN" altLang="en-US" dirty="0">
-                <a:latin typeface="Consolas" panose="020B0609020204030204" pitchFamily="49" charset="0"/>
-                <a:ea typeface="微软雅黑" panose="020B0503020204020204" pitchFamily="34" charset="-122"/>
-              </a:rPr>
-              <a:t>如果使用内置</a:t>
-            </a:r>
             <a:r>
               <a:rPr lang="en-US" altLang="zh-CN" dirty="0">
                 <a:latin typeface="Consolas" panose="020B0609020204030204" pitchFamily="49" charset="0"/>
                 <a:ea typeface="微软雅黑" panose="020B0503020204020204" pitchFamily="34" charset="-122"/>
               </a:rPr>
-              <a:t>CURL</a:t>
-            </a:r>
-            <a:r>
-              <a:rPr lang="zh-CN" altLang="en-US" dirty="0">
+              <a:t>$</a:t>
+            </a:r>
+            <a:r>
+              <a:rPr lang="en-US" altLang="zh-CN" dirty="0" err="1">
                 <a:latin typeface="Consolas" panose="020B0609020204030204" pitchFamily="49" charset="0"/>
                 <a:ea typeface="微软雅黑" panose="020B0503020204020204" pitchFamily="34" charset="-122"/>
               </a:rPr>
-              <a:t>扩展，进行</a:t>
+              <a:t>ch</a:t>
             </a:r>
             <a:r>
               <a:rPr lang="en-US" altLang="zh-CN" dirty="0">
                 <a:latin typeface="Consolas" panose="020B0609020204030204" pitchFamily="49" charset="0"/>
                 <a:ea typeface="微软雅黑" panose="020B0503020204020204" pitchFamily="34" charset="-122"/>
               </a:rPr>
-              <a:t>RAW </a:t>
-            </a:r>
-            <a:r>
-              <a:rPr lang="zh-CN" altLang="en-US" dirty="0">
+              <a:t> = </a:t>
+            </a:r>
+            <a:r>
+              <a:rPr lang="en-US" altLang="zh-CN" dirty="0" err="1">
                 <a:latin typeface="Consolas" panose="020B0609020204030204" pitchFamily="49" charset="0"/>
                 <a:ea typeface="微软雅黑" panose="020B0503020204020204" pitchFamily="34" charset="-122"/>
               </a:rPr>
-              <a:t>格式的</a:t>
+              <a:t>curl_init</a:t>
             </a:r>
             <a:r>
               <a:rPr lang="en-US" altLang="zh-CN" dirty="0">
                 <a:latin typeface="Consolas" panose="020B0609020204030204" pitchFamily="49" charset="0"/>
                 <a:ea typeface="微软雅黑" panose="020B0503020204020204" pitchFamily="34" charset="-122"/>
               </a:rPr>
-              <a:t>POST</a:t>
-            </a:r>
-            <a:r>
-              <a:rPr lang="zh-CN" altLang="en-US" dirty="0">
+              <a:t>();</a:t>
+            </a:r>
+          </a:p>
+          <a:p>
+            <a:pPr lvl="1">
+              <a:lnSpc>
+                <a:spcPts val="2400"/>
+              </a:lnSpc>
+            </a:pPr>
+            <a:r>
+              <a:rPr lang="en-US" altLang="zh-CN" dirty="0" err="1">
                 <a:latin typeface="Consolas" panose="020B0609020204030204" pitchFamily="49" charset="0"/>
                 <a:ea typeface="微软雅黑" panose="020B0503020204020204" pitchFamily="34" charset="-122"/>
               </a:rPr>
-              <a:t>提交，则需要设置</a:t>
+              <a:t>curl_setopt_array</a:t>
             </a:r>
             <a:r>
               <a:rPr lang="en-US" altLang="zh-CN" dirty="0">
                 <a:latin typeface="Consolas" panose="020B0609020204030204" pitchFamily="49" charset="0"/>
                 <a:ea typeface="微软雅黑" panose="020B0503020204020204" pitchFamily="34" charset="-122"/>
               </a:rPr>
-              <a:t>CURLOPT_HTTPHEADER</a:t>
-            </a:r>
-            <a:r>
-              <a:rPr lang="zh-CN" altLang="en-US" dirty="0">
+              <a:t>($</a:t>
+            </a:r>
+            <a:r>
+              <a:rPr lang="en-US" altLang="zh-CN" dirty="0" err="1">
                 <a:latin typeface="Consolas" panose="020B0609020204030204" pitchFamily="49" charset="0"/>
                 <a:ea typeface="微软雅黑" panose="020B0503020204020204" pitchFamily="34" charset="-122"/>
               </a:rPr>
-              <a:t>选项加入</a:t>
+              <a:t>curl_options</a:t>
             </a:r>
             <a:r>
               <a:rPr lang="en-US" altLang="zh-CN" dirty="0">
                 <a:latin typeface="Consolas" panose="020B0609020204030204" pitchFamily="49" charset="0"/>
                 <a:ea typeface="微软雅黑" panose="020B0503020204020204" pitchFamily="34" charset="-122"/>
               </a:rPr>
-              <a:t>”Content-Type: text/plain”</a:t>
-            </a:r>
-            <a:r>
-              <a:rPr lang="zh-CN" altLang="en-US" dirty="0">
-                <a:latin typeface="Consolas" panose="020B0609020204030204" pitchFamily="49" charset="0"/>
-                <a:ea typeface="微软雅黑" panose="020B0503020204020204" pitchFamily="34" charset="-122"/>
-              </a:rPr>
-              <a:t>。</a:t>
-            </a:r>
-            <a:endParaRPr lang="en-US" altLang="zh-CN" dirty="0">
-              <a:latin typeface="Consolas" panose="020B0609020204030204" pitchFamily="49" charset="0"/>
-              <a:ea typeface="微软雅黑" panose="020B0503020204020204" pitchFamily="34" charset="-122"/>
-            </a:endParaRPr>
-          </a:p>
-          <a:p>
-            <a:pPr marL="285750" indent="-285750">
+              <a:t>);</a:t>
+            </a:r>
+          </a:p>
+          <a:p>
+            <a:pPr lvl="1">
               <a:lnSpc>
-                <a:spcPct val="150000"/>
+                <a:spcPts val="2400"/>
               </a:lnSpc>
-              <a:buFont typeface="Arial" panose="020B0604020202020204" pitchFamily="34" charset="0"/>
-              <a:buChar char="•"/>
             </a:pPr>
-            <a:r>
-              <a:rPr lang="zh-CN" altLang="en-US" dirty="0">
-                <a:latin typeface="Consolas" panose="020B0609020204030204" pitchFamily="49" charset="0"/>
-                <a:ea typeface="微软雅黑" panose="020B0503020204020204" pitchFamily="34" charset="-122"/>
-              </a:rPr>
-              <a:t>下载数据，根据文件大小选择不同的方法，最好方式是让</a:t>
-            </a:r>
             <a:r>
               <a:rPr lang="en-US" altLang="zh-CN" dirty="0">
                 <a:latin typeface="Consolas" panose="020B0609020204030204" pitchFamily="49" charset="0"/>
                 <a:ea typeface="微软雅黑" panose="020B0503020204020204" pitchFamily="34" charset="-122"/>
               </a:rPr>
-              <a:t>CURL</a:t>
-            </a:r>
-            <a:r>
-              <a:rPr lang="zh-CN" altLang="en-US" dirty="0">
+              <a:t>$ret = </a:t>
+            </a:r>
+            <a:r>
+              <a:rPr lang="en-US" altLang="zh-CN" dirty="0" err="1">
                 <a:latin typeface="Consolas" panose="020B0609020204030204" pitchFamily="49" charset="0"/>
                 <a:ea typeface="微软雅黑" panose="020B0503020204020204" pitchFamily="34" charset="-122"/>
               </a:rPr>
-              <a:t>自动处理数据流：</a:t>
+              <a:t>curl_exec</a:t>
             </a:r>
             <a:r>
               <a:rPr lang="en-US" altLang="zh-CN" dirty="0">
                 <a:latin typeface="Consolas" panose="020B0609020204030204" pitchFamily="49" charset="0"/>
                 <a:ea typeface="微软雅黑" panose="020B0503020204020204" pitchFamily="34" charset="-122"/>
               </a:rPr>
-              <a:t>CURLOPT_FILE</a:t>
-            </a:r>
-            <a:r>
-              <a:rPr lang="zh-CN" altLang="en-US" dirty="0">
+              <a:t>($</a:t>
+            </a:r>
+            <a:r>
+              <a:rPr lang="en-US" altLang="zh-CN" dirty="0" err="1">
                 <a:latin typeface="Consolas" panose="020B0609020204030204" pitchFamily="49" charset="0"/>
                 <a:ea typeface="微软雅黑" panose="020B0503020204020204" pitchFamily="34" charset="-122"/>
               </a:rPr>
-              <a:t>设置为一个已打开的具有写权限的文件描述符。并且要把</a:t>
+              <a:t>ch</a:t>
             </a:r>
             <a:r>
               <a:rPr lang="en-US" altLang="zh-CN" dirty="0">
                 <a:latin typeface="Consolas" panose="020B0609020204030204" pitchFamily="49" charset="0"/>
                 <a:ea typeface="微软雅黑" panose="020B0503020204020204" pitchFamily="34" charset="-122"/>
               </a:rPr>
-              <a:t>CURLOPT_RETURNTRANSFER</a:t>
-            </a:r>
-            <a:r>
-              <a:rPr lang="zh-CN" altLang="en-US" dirty="0">
+              <a:t>);</a:t>
+            </a:r>
+          </a:p>
+          <a:p>
+            <a:pPr lvl="1">
+              <a:lnSpc>
+                <a:spcPts val="2400"/>
+              </a:lnSpc>
+            </a:pPr>
+            <a:r>
+              <a:rPr lang="en-US" altLang="zh-CN" dirty="0" err="1">
                 <a:latin typeface="Consolas" panose="020B0609020204030204" pitchFamily="49" charset="0"/>
                 <a:ea typeface="微软雅黑" panose="020B0503020204020204" pitchFamily="34" charset="-122"/>
               </a:rPr>
-              <a:t>设置为</a:t>
+              <a:t>curl_close</a:t>
             </a:r>
             <a:r>
               <a:rPr lang="en-US" altLang="zh-CN" dirty="0">
                 <a:latin typeface="Consolas" panose="020B0609020204030204" pitchFamily="49" charset="0"/>
                 <a:ea typeface="微软雅黑" panose="020B0503020204020204" pitchFamily="34" charset="-122"/>
               </a:rPr>
-              <a:t>false</a:t>
-            </a:r>
-            <a:r>
-              <a:rPr lang="zh-CN" altLang="en-US" dirty="0">
-                <a:latin typeface="Consolas" panose="020B0609020204030204" pitchFamily="49" charset="0"/>
-                <a:ea typeface="微软雅黑" panose="020B0503020204020204" pitchFamily="34" charset="-122"/>
-              </a:rPr>
-              <a:t>。</a:t>
-            </a:r>
-            <a:endParaRPr lang="en-US" altLang="zh-CN" dirty="0">
-              <a:latin typeface="Consolas" panose="020B0609020204030204" pitchFamily="49" charset="0"/>
-              <a:ea typeface="微软雅黑" panose="020B0503020204020204" pitchFamily="34" charset="-122"/>
-            </a:endParaRPr>
-          </a:p>
-          <a:p>
-            <a:pPr marL="285750" indent="-285750">
-              <a:lnSpc>
-                <a:spcPct val="150000"/>
-              </a:lnSpc>
-              <a:buFont typeface="Arial" panose="020B0604020202020204" pitchFamily="34" charset="0"/>
-              <a:buChar char="•"/>
-            </a:pPr>
-            <a:r>
-              <a:rPr lang="zh-CN" altLang="en-US" dirty="0">
-                <a:latin typeface="Consolas" panose="020B0609020204030204" pitchFamily="49" charset="0"/>
-                <a:ea typeface="微软雅黑" panose="020B0503020204020204" pitchFamily="34" charset="-122"/>
-              </a:rPr>
-              <a:t>使用第三方扩展要注意扩展的使用方式，同时，本课程使用的</a:t>
+              <a:t>($</a:t>
             </a:r>
             <a:r>
               <a:rPr lang="en-US" altLang="zh-CN" dirty="0" err="1">
                 <a:latin typeface="Consolas" panose="020B0609020204030204" pitchFamily="49" charset="0"/>
                 <a:ea typeface="微软雅黑" panose="020B0503020204020204" pitchFamily="34" charset="-122"/>
               </a:rPr>
-              <a:t>anlutro</a:t>
+              <a:t>ch</a:t>
             </a:r>
             <a:r>
               <a:rPr lang="en-US" altLang="zh-CN" dirty="0">
                 <a:latin typeface="Consolas" panose="020B0609020204030204" pitchFamily="49" charset="0"/>
                 <a:ea typeface="微软雅黑" panose="020B0503020204020204" pitchFamily="34" charset="-122"/>
               </a:rPr>
-              <a:t>\</a:t>
-            </a:r>
-            <a:r>
-              <a:rPr lang="en-US" altLang="zh-CN" dirty="0" err="1">
-                <a:latin typeface="Consolas" panose="020B0609020204030204" pitchFamily="49" charset="0"/>
-                <a:ea typeface="微软雅黑" panose="020B0503020204020204" pitchFamily="34" charset="-122"/>
-              </a:rPr>
-              <a:t>cURL</a:t>
-            </a:r>
-            <a:r>
-              <a:rPr lang="zh-CN" altLang="en-US" dirty="0">
-                <a:latin typeface="Consolas" panose="020B0609020204030204" pitchFamily="49" charset="0"/>
-                <a:ea typeface="微软雅黑" panose="020B0503020204020204" pitchFamily="34" charset="-122"/>
-              </a:rPr>
-              <a:t>扩展在默认情况下会把</a:t>
-            </a:r>
-            <a:r>
-              <a:rPr lang="en-US" altLang="zh-CN" dirty="0">
-                <a:latin typeface="Consolas" panose="020B0609020204030204" pitchFamily="49" charset="0"/>
-                <a:ea typeface="微软雅黑" panose="020B0503020204020204" pitchFamily="34" charset="-122"/>
-              </a:rPr>
-              <a:t>CURLOPT_RETURNTRANSFER</a:t>
-            </a:r>
-            <a:r>
-              <a:rPr lang="zh-CN" altLang="en-US" dirty="0">
-                <a:latin typeface="Consolas" panose="020B0609020204030204" pitchFamily="49" charset="0"/>
-                <a:ea typeface="微软雅黑" panose="020B0503020204020204" pitchFamily="34" charset="-122"/>
-              </a:rPr>
-              <a:t>设置为</a:t>
-            </a:r>
-            <a:r>
-              <a:rPr lang="en-US" altLang="zh-CN" dirty="0">
-                <a:latin typeface="Consolas" panose="020B0609020204030204" pitchFamily="49" charset="0"/>
-                <a:ea typeface="微软雅黑" panose="020B0503020204020204" pitchFamily="34" charset="-122"/>
-              </a:rPr>
-              <a:t>true</a:t>
-            </a:r>
-            <a:r>
-              <a:rPr lang="zh-CN" altLang="en-US" dirty="0">
-                <a:latin typeface="Consolas" panose="020B0609020204030204" pitchFamily="49" charset="0"/>
-                <a:ea typeface="微软雅黑" panose="020B0503020204020204" pitchFamily="34" charset="-122"/>
-              </a:rPr>
-              <a:t>，而且无法设置为</a:t>
-            </a:r>
-            <a:r>
-              <a:rPr lang="en-US" altLang="zh-CN" dirty="0">
-                <a:latin typeface="Consolas" panose="020B0609020204030204" pitchFamily="49" charset="0"/>
-                <a:ea typeface="微软雅黑" panose="020B0503020204020204" pitchFamily="34" charset="-122"/>
-              </a:rPr>
-              <a:t>false</a:t>
-            </a:r>
-            <a:r>
-              <a:rPr lang="zh-CN" altLang="en-US" dirty="0">
-                <a:latin typeface="Consolas" panose="020B0609020204030204" pitchFamily="49" charset="0"/>
-                <a:ea typeface="微软雅黑" panose="020B0503020204020204" pitchFamily="34" charset="-122"/>
-              </a:rPr>
-              <a:t>，在上传文件时会出现问题，此问题可以通过修改代码解决，可以加入一个不进行默认设置的就发起请求的函数解决。</a:t>
-            </a:r>
-            <a:endParaRPr lang="en-US" altLang="zh-CN" dirty="0">
-              <a:latin typeface="Consolas" panose="020B0609020204030204" pitchFamily="49" charset="0"/>
-              <a:ea typeface="微软雅黑" panose="020B0503020204020204" pitchFamily="34" charset="-122"/>
-            </a:endParaRPr>
+              <a:t>);</a:t>
+            </a:r>
           </a:p>
         </p:txBody>
       </p:sp>
     </p:spTree>
     <p:extLst>
       <p:ext uri="{BB962C8B-B14F-4D97-AF65-F5344CB8AC3E}">
-        <p14:creationId xmlns:p14="http://schemas.microsoft.com/office/powerpoint/2010/main" val="2699412093"/>
+        <p14:creationId xmlns:p14="http://schemas.microsoft.com/office/powerpoint/2010/main" val="1799869602"/>
       </p:ext>
     </p:extLst>
   </p:cSld>
